--- a/Agente ReAct.pptx
+++ b/Agente ReAct.pptx
@@ -6,14 +6,15 @@
   </p:sldMasterIdLst>
   <p:sldIdLst>
     <p:sldId id="256" r:id="rId2"/>
-    <p:sldId id="257" r:id="rId3"/>
-    <p:sldId id="258" r:id="rId4"/>
-    <p:sldId id="259" r:id="rId5"/>
-    <p:sldId id="266" r:id="rId6"/>
-    <p:sldId id="262" r:id="rId7"/>
+    <p:sldId id="267" r:id="rId3"/>
+    <p:sldId id="272" r:id="rId4"/>
+    <p:sldId id="270" r:id="rId5"/>
+    <p:sldId id="271" r:id="rId6"/>
+    <p:sldId id="269" r:id="rId7"/>
     <p:sldId id="261" r:id="rId8"/>
     <p:sldId id="260" r:id="rId9"/>
-    <p:sldId id="265" r:id="rId10"/>
+    <p:sldId id="273" r:id="rId10"/>
+    <p:sldId id="274" r:id="rId11"/>
   </p:sldIdLst>
   <p:sldSz cx="12192000" cy="6858000"/>
   <p:notesSz cx="6858000" cy="9144000"/>
@@ -112,7 +113,22 @@
       </a:defRPr>
     </a:lvl9pPr>
   </p:defaultTextStyle>
+  <p:extLst>
+    <p:ext uri="{EFAFB233-063F-42B5-8137-9DF3F51BA10A}">
+      <p15:sldGuideLst xmlns:p15="http://schemas.microsoft.com/office/powerpoint/2012/main"/>
+    </p:ext>
+  </p:extLst>
 </p:presentation>
+</file>
+
+<file path=ppt/revisionInfo.xml><?xml version="1.0" encoding="utf-8"?>
+<p1510:revInfo xmlns:a="http://schemas.openxmlformats.org/drawingml/2006/main" xmlns:r="http://schemas.openxmlformats.org/officeDocument/2006/relationships" xmlns:p1510="http://schemas.microsoft.com/office/powerpoint/2015/10/main">
+  <p1510:revLst>
+    <p1510:client id="{49FECDD5-0AD1-43CE-9285-05C81BA35A2E}" v="46" dt="2025-05-29T21:14:38.093"/>
+    <p1510:client id="{4DB8FC68-71B2-13A9-BAEA-306EEC175208}" v="7" dt="2025-05-29T21:16:25.400"/>
+    <p1510:client id="{F520D562-FF99-469E-8647-2BBF1BD458B1}" v="837" dt="2025-05-29T22:44:04.774"/>
+  </p1510:revLst>
+</p1510:revInfo>
 </file>
 
 <file path=ppt/slideLayouts/slideLayout1.xml><?xml version="1.0" encoding="utf-8"?>
@@ -262,7 +278,7 @@
           <a:p>
             <a:fld id="{7E7AC550-8DC7-45DE-8006-E70D8DB112B1}" type="datetimeFigureOut">
               <a:rPr lang="pt-BR" smtClean="0"/>
-              <a:t>28/05/2025</a:t>
+              <a:t>29/05/2025</a:t>
             </a:fld>
             <a:endParaRPr lang="pt-BR"/>
           </a:p>
@@ -460,7 +476,7 @@
           <a:p>
             <a:fld id="{7E7AC550-8DC7-45DE-8006-E70D8DB112B1}" type="datetimeFigureOut">
               <a:rPr lang="pt-BR" smtClean="0"/>
-              <a:t>28/05/2025</a:t>
+              <a:t>29/05/2025</a:t>
             </a:fld>
             <a:endParaRPr lang="pt-BR"/>
           </a:p>
@@ -668,7 +684,7 @@
           <a:p>
             <a:fld id="{7E7AC550-8DC7-45DE-8006-E70D8DB112B1}" type="datetimeFigureOut">
               <a:rPr lang="pt-BR" smtClean="0"/>
-              <a:t>28/05/2025</a:t>
+              <a:t>29/05/2025</a:t>
             </a:fld>
             <a:endParaRPr lang="pt-BR"/>
           </a:p>
@@ -866,7 +882,7 @@
           <a:p>
             <a:fld id="{7E7AC550-8DC7-45DE-8006-E70D8DB112B1}" type="datetimeFigureOut">
               <a:rPr lang="pt-BR" smtClean="0"/>
-              <a:t>28/05/2025</a:t>
+              <a:t>29/05/2025</a:t>
             </a:fld>
             <a:endParaRPr lang="pt-BR"/>
           </a:p>
@@ -1141,7 +1157,7 @@
           <a:p>
             <a:fld id="{7E7AC550-8DC7-45DE-8006-E70D8DB112B1}" type="datetimeFigureOut">
               <a:rPr lang="pt-BR" smtClean="0"/>
-              <a:t>28/05/2025</a:t>
+              <a:t>29/05/2025</a:t>
             </a:fld>
             <a:endParaRPr lang="pt-BR"/>
           </a:p>
@@ -1406,7 +1422,7 @@
           <a:p>
             <a:fld id="{7E7AC550-8DC7-45DE-8006-E70D8DB112B1}" type="datetimeFigureOut">
               <a:rPr lang="pt-BR" smtClean="0"/>
-              <a:t>28/05/2025</a:t>
+              <a:t>29/05/2025</a:t>
             </a:fld>
             <a:endParaRPr lang="pt-BR"/>
           </a:p>
@@ -1818,7 +1834,7 @@
           <a:p>
             <a:fld id="{7E7AC550-8DC7-45DE-8006-E70D8DB112B1}" type="datetimeFigureOut">
               <a:rPr lang="pt-BR" smtClean="0"/>
-              <a:t>28/05/2025</a:t>
+              <a:t>29/05/2025</a:t>
             </a:fld>
             <a:endParaRPr lang="pt-BR"/>
           </a:p>
@@ -1959,7 +1975,7 @@
           <a:p>
             <a:fld id="{7E7AC550-8DC7-45DE-8006-E70D8DB112B1}" type="datetimeFigureOut">
               <a:rPr lang="pt-BR" smtClean="0"/>
-              <a:t>28/05/2025</a:t>
+              <a:t>29/05/2025</a:t>
             </a:fld>
             <a:endParaRPr lang="pt-BR"/>
           </a:p>
@@ -2072,7 +2088,7 @@
           <a:p>
             <a:fld id="{7E7AC550-8DC7-45DE-8006-E70D8DB112B1}" type="datetimeFigureOut">
               <a:rPr lang="pt-BR" smtClean="0"/>
-              <a:t>28/05/2025</a:t>
+              <a:t>29/05/2025</a:t>
             </a:fld>
             <a:endParaRPr lang="pt-BR"/>
           </a:p>
@@ -2383,7 +2399,7 @@
           <a:p>
             <a:fld id="{7E7AC550-8DC7-45DE-8006-E70D8DB112B1}" type="datetimeFigureOut">
               <a:rPr lang="pt-BR" smtClean="0"/>
-              <a:t>28/05/2025</a:t>
+              <a:t>29/05/2025</a:t>
             </a:fld>
             <a:endParaRPr lang="pt-BR"/>
           </a:p>
@@ -2671,7 +2687,7 @@
           <a:p>
             <a:fld id="{7E7AC550-8DC7-45DE-8006-E70D8DB112B1}" type="datetimeFigureOut">
               <a:rPr lang="pt-BR" smtClean="0"/>
-              <a:t>28/05/2025</a:t>
+              <a:t>29/05/2025</a:t>
             </a:fld>
             <a:endParaRPr lang="pt-BR"/>
           </a:p>
@@ -2912,7 +2928,7 @@
           <a:p>
             <a:fld id="{7E7AC550-8DC7-45DE-8006-E70D8DB112B1}" type="datetimeFigureOut">
               <a:rPr lang="pt-BR" smtClean="0"/>
-              <a:t>28/05/2025</a:t>
+              <a:t>29/05/2025</a:t>
             </a:fld>
             <a:endParaRPr lang="pt-BR"/>
           </a:p>
@@ -3347,23 +3363,87 @@
         </p:nvSpPr>
         <p:spPr>
           <a:xfrm>
-            <a:off x="1524000" y="2571749"/>
-            <a:ext cx="9144000" cy="938213"/>
+            <a:off x="1524000" y="1419225"/>
+            <a:ext cx="9144000" cy="2209800"/>
           </a:xfrm>
         </p:spPr>
         <p:txBody>
-          <a:bodyPr/>
+          <a:bodyPr>
+            <a:normAutofit/>
+          </a:bodyPr>
           <a:lstStyle/>
           <a:p>
             <a:r>
-              <a:rPr lang="pt-BR" dirty="0"/>
+              <a:rPr lang="pt-BR"/>
               <a:t>Agente </a:t>
             </a:r>
             <a:r>
-              <a:rPr lang="pt-BR" dirty="0" err="1"/>
+              <a:rPr lang="pt-BR" err="1"/>
               <a:t>ReAct</a:t>
             </a:r>
-            <a:endParaRPr lang="pt-BR" dirty="0"/>
+            <a:br>
+              <a:rPr lang="pt-BR"/>
+            </a:br>
+            <a:r>
+              <a:rPr lang="pt-BR" sz="2200" i="0" err="1">
+                <a:solidFill>
+                  <a:srgbClr val="000000"/>
+                </a:solidFill>
+                <a:effectLst/>
+                <a:latin typeface="Aptos Display (Títulos)"/>
+              </a:rPr>
+              <a:t>Reasoning</a:t>
+            </a:r>
+            <a:r>
+              <a:rPr lang="pt-BR" sz="2200" i="0">
+                <a:solidFill>
+                  <a:srgbClr val="000000"/>
+                </a:solidFill>
+                <a:effectLst/>
+                <a:latin typeface="Aptos Display (Títulos)"/>
+              </a:rPr>
+              <a:t> </a:t>
+            </a:r>
+            <a:r>
+              <a:rPr lang="pt-BR" sz="2200" i="0" err="1">
+                <a:solidFill>
+                  <a:srgbClr val="000000"/>
+                </a:solidFill>
+                <a:effectLst/>
+                <a:latin typeface="Aptos Display (Títulos)"/>
+              </a:rPr>
+              <a:t>and</a:t>
+            </a:r>
+            <a:r>
+              <a:rPr lang="pt-BR" sz="2200" i="0">
+                <a:solidFill>
+                  <a:srgbClr val="000000"/>
+                </a:solidFill>
+                <a:effectLst/>
+                <a:latin typeface="Aptos Display (Títulos)"/>
+              </a:rPr>
+              <a:t> </a:t>
+            </a:r>
+            <a:r>
+              <a:rPr lang="pt-BR" sz="2200" i="0" err="1">
+                <a:solidFill>
+                  <a:srgbClr val="000000"/>
+                </a:solidFill>
+                <a:effectLst/>
+                <a:latin typeface="Aptos Display (Títulos)"/>
+              </a:rPr>
+              <a:t>Acting</a:t>
+            </a:r>
+            <a:br>
+              <a:rPr lang="pt-BR" b="1" i="0">
+                <a:solidFill>
+                  <a:srgbClr val="000000"/>
+                </a:solidFill>
+                <a:effectLst/>
+                <a:latin typeface="Open Sans" panose="020B0606030504020204" pitchFamily="34" charset="0"/>
+              </a:rPr>
+            </a:br>
+            <a:endParaRPr lang="pt-BR"/>
           </a:p>
         </p:txBody>
       </p:sp>
@@ -3381,8 +3461,8 @@
         </p:nvSpPr>
         <p:spPr>
           <a:xfrm>
-            <a:off x="3048000" y="4028986"/>
-            <a:ext cx="6096000" cy="1200329"/>
+            <a:off x="2119312" y="3429000"/>
+            <a:ext cx="7953375" cy="646331"/>
           </a:xfrm>
           <a:prstGeom prst="rect">
             <a:avLst/>
@@ -3395,37 +3475,61 @@
           </a:bodyPr>
           <a:lstStyle/>
           <a:p>
-            <a:r>
-              <a:rPr lang="pt-BR" b="0" i="0" dirty="0">
+            <a:pPr algn="ctr"/>
+            <a:r>
+              <a:rPr lang="pt-BR" b="0" i="0">
                 <a:solidFill>
                   <a:srgbClr val="1A1A1A"/>
                 </a:solidFill>
                 <a:effectLst/>
                 <a:latin typeface="Source Sans 3"/>
               </a:rPr>
-              <a:t>Neste trabalho, apresentamos </a:t>
-            </a:r>
-            <a:r>
-              <a:rPr lang="pt-BR" b="0" i="0" dirty="0" err="1">
+              <a:t>Um paradigma geral para combinar raciocínio e ação com modelos de linguagem para resolver diversas tarefas de raciocínio linguístico e tomada de decisão.</a:t>
+            </a:r>
+            <a:endParaRPr lang="pt-BR"/>
+          </a:p>
+        </p:txBody>
+      </p:sp>
+      <p:sp>
+        <p:nvSpPr>
+          <p:cNvPr id="3" name="CaixaDeTexto 2">
+            <a:extLst>
+              <a:ext uri="{FF2B5EF4-FFF2-40B4-BE49-F238E27FC236}">
+                <a16:creationId xmlns:a16="http://schemas.microsoft.com/office/drawing/2014/main" id="{D25C3B36-E4AB-AA02-DFFB-7A7D6C40481F}"/>
+              </a:ext>
+            </a:extLst>
+          </p:cNvPr>
+          <p:cNvSpPr txBox="1"/>
+          <p:nvPr/>
+        </p:nvSpPr>
+        <p:spPr>
+          <a:xfrm>
+            <a:off x="2119312" y="4992469"/>
+            <a:ext cx="7953375" cy="369332"/>
+          </a:xfrm>
+          <a:prstGeom prst="rect">
+            <a:avLst/>
+          </a:prstGeom>
+          <a:noFill/>
+        </p:spPr>
+        <p:txBody>
+          <a:bodyPr wrap="square">
+            <a:spAutoFit/>
+          </a:bodyPr>
+          <a:lstStyle/>
+          <a:p>
+            <a:pPr algn="ctr"/>
+            <a:r>
+              <a:rPr lang="pt-BR" b="0" i="0">
                 <a:solidFill>
                   <a:srgbClr val="1A1A1A"/>
                 </a:solidFill>
                 <a:effectLst/>
                 <a:latin typeface="Source Sans 3"/>
               </a:rPr>
-              <a:t>ReAct</a:t>
-            </a:r>
-            <a:r>
-              <a:rPr lang="pt-BR" b="0" i="0" dirty="0">
-                <a:solidFill>
-                  <a:srgbClr val="1A1A1A"/>
-                </a:solidFill>
-                <a:effectLst/>
-                <a:latin typeface="Source Sans 3"/>
-              </a:rPr>
-              <a:t>, um paradigma geral para combinar raciocínio e ação com modelos de linguagem para resolver diversas tarefas de raciocínio linguístico e tomada de decisão (Figura 1).</a:t>
-            </a:r>
-            <a:endParaRPr lang="pt-BR" dirty="0"/>
+              <a:t>Lucas Lima e Luiz Eduardo Pini</a:t>
+            </a:r>
+            <a:endParaRPr lang="pt-BR"/>
           </a:p>
         </p:txBody>
       </p:sp>
@@ -3433,6 +3537,324 @@
     <p:extLst>
       <p:ext uri="{BB962C8B-B14F-4D97-AF65-F5344CB8AC3E}">
         <p14:creationId xmlns:p14="http://schemas.microsoft.com/office/powerpoint/2010/main" val="454725349"/>
+      </p:ext>
+    </p:extLst>
+  </p:cSld>
+  <p:clrMapOvr>
+    <a:masterClrMapping/>
+  </p:clrMapOvr>
+</p:sld>
+</file>
+
+<file path=ppt/slides/slide10.xml><?xml version="1.0" encoding="utf-8"?>
+<p:sld xmlns:a="http://schemas.openxmlformats.org/drawingml/2006/main" xmlns:r="http://schemas.openxmlformats.org/officeDocument/2006/relationships" xmlns:p="http://schemas.openxmlformats.org/presentationml/2006/main">
+  <p:cSld>
+    <p:spTree>
+      <p:nvGrpSpPr>
+        <p:cNvPr id="1" name=""/>
+        <p:cNvGrpSpPr/>
+        <p:nvPr/>
+      </p:nvGrpSpPr>
+      <p:grpSpPr>
+        <a:xfrm>
+          <a:off x="0" y="0"/>
+          <a:ext cx="0" cy="0"/>
+          <a:chOff x="0" y="0"/>
+          <a:chExt cx="0" cy="0"/>
+        </a:xfrm>
+      </p:grpSpPr>
+      <p:sp>
+        <p:nvSpPr>
+          <p:cNvPr id="7" name="CaixaDeTexto 6">
+            <a:extLst>
+              <a:ext uri="{FF2B5EF4-FFF2-40B4-BE49-F238E27FC236}">
+                <a16:creationId xmlns:a16="http://schemas.microsoft.com/office/drawing/2014/main" id="{DC4028EB-B9DF-ED8D-5139-F0FF8B7F93E0}"/>
+              </a:ext>
+            </a:extLst>
+          </p:cNvPr>
+          <p:cNvSpPr txBox="1"/>
+          <p:nvPr/>
+        </p:nvSpPr>
+        <p:spPr>
+          <a:xfrm>
+            <a:off x="1174376" y="2136338"/>
+            <a:ext cx="9843247" cy="2585323"/>
+          </a:xfrm>
+          <a:prstGeom prst="rect">
+            <a:avLst/>
+          </a:prstGeom>
+          <a:noFill/>
+        </p:spPr>
+        <p:txBody>
+          <a:bodyPr wrap="square">
+            <a:spAutoFit/>
+          </a:bodyPr>
+          <a:lstStyle/>
+          <a:p>
+            <a:r>
+              <a:rPr lang="pt-BR"/>
+              <a:t>YAO, </a:t>
+            </a:r>
+            <a:r>
+              <a:rPr lang="pt-BR" err="1"/>
+              <a:t>Shunyu</a:t>
+            </a:r>
+            <a:r>
+              <a:rPr lang="pt-BR"/>
+              <a:t> et al. </a:t>
+            </a:r>
+            <a:r>
+              <a:rPr lang="pt-BR" err="1"/>
+              <a:t>ReAct</a:t>
+            </a:r>
+            <a:r>
+              <a:rPr lang="pt-BR"/>
+              <a:t>: </a:t>
+            </a:r>
+            <a:r>
+              <a:rPr lang="pt-BR" err="1"/>
+              <a:t>Synergizing</a:t>
+            </a:r>
+            <a:r>
+              <a:rPr lang="pt-BR"/>
+              <a:t> </a:t>
+            </a:r>
+            <a:r>
+              <a:rPr lang="pt-BR" err="1"/>
+              <a:t>Reasoning</a:t>
+            </a:r>
+            <a:r>
+              <a:rPr lang="pt-BR"/>
+              <a:t> </a:t>
+            </a:r>
+            <a:r>
+              <a:rPr lang="pt-BR" err="1"/>
+              <a:t>and</a:t>
+            </a:r>
+            <a:r>
+              <a:rPr lang="pt-BR"/>
+              <a:t> </a:t>
+            </a:r>
+            <a:r>
+              <a:rPr lang="pt-BR" err="1"/>
+              <a:t>Acting</a:t>
+            </a:r>
+            <a:r>
+              <a:rPr lang="pt-BR"/>
+              <a:t> in </a:t>
+            </a:r>
+            <a:r>
+              <a:rPr lang="pt-BR" err="1"/>
+              <a:t>Language</a:t>
+            </a:r>
+            <a:r>
+              <a:rPr lang="pt-BR"/>
+              <a:t> Models. </a:t>
+            </a:r>
+            <a:r>
+              <a:rPr lang="pt-BR" err="1"/>
+              <a:t>Arxiv</a:t>
+            </a:r>
+            <a:r>
+              <a:rPr lang="pt-BR"/>
+              <a:t>, 2022. Disponível em: </a:t>
+            </a:r>
+            <a:r>
+              <a:rPr lang="pt-BR">
+                <a:hlinkClick r:id="rId2"/>
+              </a:rPr>
+              <a:t>https://arxiv.org/</a:t>
+            </a:r>
+            <a:r>
+              <a:rPr lang="pt-BR" err="1">
+                <a:hlinkClick r:id="rId2"/>
+              </a:rPr>
+              <a:t>pdf</a:t>
+            </a:r>
+            <a:r>
+              <a:rPr lang="pt-BR">
+                <a:hlinkClick r:id="rId2"/>
+              </a:rPr>
+              <a:t>/2210.03629.pdf</a:t>
+            </a:r>
+            <a:r>
+              <a:rPr lang="pt-BR"/>
+              <a:t>. Acesso em: 29 maio 2025.</a:t>
+            </a:r>
+          </a:p>
+          <a:p>
+            <a:endParaRPr lang="pt-BR"/>
+          </a:p>
+          <a:p>
+            <a:r>
+              <a:rPr lang="pt-BR"/>
+              <a:t>AI MONKS. </a:t>
+            </a:r>
+            <a:r>
+              <a:rPr lang="pt-BR" err="1"/>
+              <a:t>Multi-Agent</a:t>
+            </a:r>
+            <a:r>
+              <a:rPr lang="pt-BR"/>
+              <a:t> System Design </a:t>
+            </a:r>
+            <a:r>
+              <a:rPr lang="pt-BR" err="1"/>
+              <a:t>Patterns</a:t>
+            </a:r>
+            <a:r>
+              <a:rPr lang="pt-BR"/>
+              <a:t> from Scratch in Python: </a:t>
+            </a:r>
+            <a:r>
+              <a:rPr lang="pt-BR" err="1"/>
+              <a:t>ReAct</a:t>
+            </a:r>
+            <a:r>
+              <a:rPr lang="pt-BR"/>
+              <a:t> </a:t>
+            </a:r>
+            <a:r>
+              <a:rPr lang="pt-BR" err="1"/>
+              <a:t>Agents</a:t>
+            </a:r>
+            <a:r>
+              <a:rPr lang="pt-BR"/>
+              <a:t>. </a:t>
+            </a:r>
+            <a:r>
+              <a:rPr lang="pt-BR" err="1"/>
+              <a:t>Medium</a:t>
+            </a:r>
+            <a:r>
+              <a:rPr lang="pt-BR"/>
+              <a:t>, 2023. Disponível em: </a:t>
+            </a:r>
+            <a:r>
+              <a:rPr lang="pt-BR">
+                <a:hlinkClick r:id="rId3"/>
+              </a:rPr>
+              <a:t>https://medium.com/</a:t>
+            </a:r>
+            <a:r>
+              <a:rPr lang="pt-BR" err="1">
+                <a:hlinkClick r:id="rId3"/>
+              </a:rPr>
+              <a:t>aimonks</a:t>
+            </a:r>
+            <a:r>
+              <a:rPr lang="pt-BR">
+                <a:hlinkClick r:id="rId3"/>
+              </a:rPr>
+              <a:t>/multi-agent-system-design-patterns-from-scratch-in-python-react-agents-e4480d099f38</a:t>
+            </a:r>
+            <a:r>
+              <a:rPr lang="pt-BR"/>
+              <a:t>. Acesso em: 29 maio 2025.</a:t>
+            </a:r>
+          </a:p>
+          <a:p>
+            <a:endParaRPr lang="pt-BR"/>
+          </a:p>
+          <a:p>
+            <a:r>
+              <a:rPr lang="pt-BR"/>
+              <a:t>LANGCHAIN. </a:t>
+            </a:r>
+            <a:r>
+              <a:rPr lang="pt-BR" err="1"/>
+              <a:t>ReAct</a:t>
+            </a:r>
+            <a:r>
+              <a:rPr lang="pt-BR"/>
+              <a:t> Agent </a:t>
+            </a:r>
+            <a:r>
+              <a:rPr lang="pt-BR" err="1"/>
+              <a:t>Template</a:t>
+            </a:r>
+            <a:r>
+              <a:rPr lang="pt-BR"/>
+              <a:t>. </a:t>
+            </a:r>
+            <a:r>
+              <a:rPr lang="pt-BR" err="1"/>
+              <a:t>LangChain</a:t>
+            </a:r>
+            <a:r>
+              <a:rPr lang="pt-BR"/>
+              <a:t> Hub, 2023. Disponível em: </a:t>
+            </a:r>
+            <a:r>
+              <a:rPr lang="pt-BR">
+                <a:hlinkClick r:id="rId4"/>
+              </a:rPr>
+              <a:t>https://smith.langchain.com/hub/</a:t>
+            </a:r>
+            <a:r>
+              <a:rPr lang="pt-BR" err="1">
+                <a:hlinkClick r:id="rId4"/>
+              </a:rPr>
+              <a:t>langchain</a:t>
+            </a:r>
+            <a:r>
+              <a:rPr lang="pt-BR">
+                <a:hlinkClick r:id="rId4"/>
+              </a:rPr>
+              <a:t>-ai/</a:t>
+            </a:r>
+            <a:r>
+              <a:rPr lang="pt-BR" err="1">
+                <a:hlinkClick r:id="rId4"/>
+              </a:rPr>
+              <a:t>react-agent-template</a:t>
+            </a:r>
+            <a:r>
+              <a:rPr lang="pt-BR"/>
+              <a:t>. Acesso em: 29 maio 2025.</a:t>
+            </a:r>
+          </a:p>
+        </p:txBody>
+      </p:sp>
+      <p:sp>
+        <p:nvSpPr>
+          <p:cNvPr id="10" name="CaixaDeTexto 9">
+            <a:extLst>
+              <a:ext uri="{FF2B5EF4-FFF2-40B4-BE49-F238E27FC236}">
+                <a16:creationId xmlns:a16="http://schemas.microsoft.com/office/drawing/2014/main" id="{103CD9D4-AF68-EDD5-5294-1BA7CFE93EFC}"/>
+              </a:ext>
+            </a:extLst>
+          </p:cNvPr>
+          <p:cNvSpPr txBox="1"/>
+          <p:nvPr/>
+        </p:nvSpPr>
+        <p:spPr>
+          <a:xfrm>
+            <a:off x="1174376" y="1446698"/>
+            <a:ext cx="8495125" cy="461665"/>
+          </a:xfrm>
+          <a:prstGeom prst="rect">
+            <a:avLst/>
+          </a:prstGeom>
+          <a:noFill/>
+        </p:spPr>
+        <p:txBody>
+          <a:bodyPr wrap="square" rtlCol="0">
+            <a:spAutoFit/>
+          </a:bodyPr>
+          <a:lstStyle/>
+          <a:p>
+            <a:r>
+              <a:rPr lang="pt-BR" sz="2400" b="1"/>
+              <a:t>Referências</a:t>
+            </a:r>
+          </a:p>
+        </p:txBody>
+      </p:sp>
+    </p:spTree>
+    <p:extLst>
+      <p:ext uri="{BB962C8B-B14F-4D97-AF65-F5344CB8AC3E}">
+        <p14:creationId xmlns:p14="http://schemas.microsoft.com/office/powerpoint/2010/main" val="741162898"/>
       </p:ext>
     </p:extLst>
   </p:cSld>
@@ -3450,7 +3872,7 @@
         <p:cNvPr id="1" name="">
           <a:extLst>
             <a:ext uri="{FF2B5EF4-FFF2-40B4-BE49-F238E27FC236}">
-              <a16:creationId xmlns:a16="http://schemas.microsoft.com/office/drawing/2014/main" id="{33714177-A276-31FE-0003-1011B3AB9D19}"/>
+              <a16:creationId xmlns:a16="http://schemas.microsoft.com/office/drawing/2014/main" id="{154846BC-60C1-8D47-C9FC-0E522EA18044}"/>
             </a:ext>
           </a:extLst>
         </p:cNvPr>
@@ -3467,10 +3889,10 @@
       </p:grpSpPr>
       <p:sp>
         <p:nvSpPr>
-          <p:cNvPr id="6" name="CaixaDeTexto 5">
-            <a:extLst>
-              <a:ext uri="{FF2B5EF4-FFF2-40B4-BE49-F238E27FC236}">
-                <a16:creationId xmlns:a16="http://schemas.microsoft.com/office/drawing/2014/main" id="{F84223A9-537B-3AC0-EBB4-A231245B72E1}"/>
+          <p:cNvPr id="11" name="CaixaDeTexto 10">
+            <a:extLst>
+              <a:ext uri="{FF2B5EF4-FFF2-40B4-BE49-F238E27FC236}">
+                <a16:creationId xmlns:a16="http://schemas.microsoft.com/office/drawing/2014/main" id="{39CB558B-F26D-0C8C-31E1-21168E1826FE}"/>
               </a:ext>
             </a:extLst>
           </p:cNvPr>
@@ -3479,8 +3901,8 @@
         </p:nvSpPr>
         <p:spPr>
           <a:xfrm>
-            <a:off x="542925" y="865406"/>
-            <a:ext cx="11106150" cy="4955203"/>
+            <a:off x="1191800" y="252465"/>
+            <a:ext cx="3143250" cy="461665"/>
           </a:xfrm>
           <a:prstGeom prst="rect">
             <a:avLst/>
@@ -3488,271 +3910,214 @@
           <a:noFill/>
         </p:spPr>
         <p:txBody>
-          <a:bodyPr wrap="square">
+          <a:bodyPr wrap="square" rtlCol="0">
             <a:spAutoFit/>
           </a:bodyPr>
           <a:lstStyle/>
           <a:p>
-            <a:pPr algn="l">
-              <a:spcAft>
-                <a:spcPts val="1200"/>
-              </a:spcAft>
-              <a:buNone/>
+            <a:r>
+              <a:rPr lang="pt-BR" sz="2400" b="1"/>
+              <a:t>Por que surgiu?</a:t>
+            </a:r>
+          </a:p>
+        </p:txBody>
+      </p:sp>
+      <p:pic>
+        <p:nvPicPr>
+          <p:cNvPr id="7" name="Imagem 6">
+            <a:extLst>
+              <a:ext uri="{FF2B5EF4-FFF2-40B4-BE49-F238E27FC236}">
+                <a16:creationId xmlns:a16="http://schemas.microsoft.com/office/drawing/2014/main" id="{610A233B-ABA8-0653-1FA8-269215934F17}"/>
+              </a:ext>
+            </a:extLst>
+          </p:cNvPr>
+          <p:cNvPicPr>
+            <a:picLocks noChangeAspect="1"/>
+          </p:cNvPicPr>
+          <p:nvPr/>
+        </p:nvPicPr>
+        <p:blipFill>
+          <a:blip r:embed="rId2"/>
+          <a:stretch>
+            <a:fillRect/>
+          </a:stretch>
+        </p:blipFill>
+        <p:spPr>
+          <a:xfrm>
+            <a:off x="1191800" y="1289821"/>
+            <a:ext cx="9808397" cy="2744207"/>
+          </a:xfrm>
+          <a:prstGeom prst="rect">
+            <a:avLst/>
+          </a:prstGeom>
+        </p:spPr>
+      </p:pic>
+      <p:sp>
+        <p:nvSpPr>
+          <p:cNvPr id="12" name="CaixaDeTexto 11">
+            <a:extLst>
+              <a:ext uri="{FF2B5EF4-FFF2-40B4-BE49-F238E27FC236}">
+                <a16:creationId xmlns:a16="http://schemas.microsoft.com/office/drawing/2014/main" id="{3A2F8513-1B22-1213-8FD9-49D48A7BEECC}"/>
+              </a:ext>
+            </a:extLst>
+          </p:cNvPr>
+          <p:cNvSpPr txBox="1"/>
+          <p:nvPr/>
+        </p:nvSpPr>
+        <p:spPr>
+          <a:xfrm>
+            <a:off x="1191800" y="4034028"/>
+            <a:ext cx="4171949" cy="261610"/>
+          </a:xfrm>
+          <a:prstGeom prst="rect">
+            <a:avLst/>
+          </a:prstGeom>
+          <a:noFill/>
+        </p:spPr>
+        <p:txBody>
+          <a:bodyPr wrap="square" rtlCol="0">
+            <a:spAutoFit/>
+          </a:bodyPr>
+          <a:lstStyle/>
+          <a:p>
+            <a:r>
+              <a:rPr lang="pt-BR" sz="1100">
+                <a:solidFill>
+                  <a:schemeClr val="bg1">
+                    <a:lumMod val="50000"/>
+                  </a:schemeClr>
+                </a:solidFill>
+              </a:rPr>
+              <a:t>Fonte: REACT-LM (2023)</a:t>
+            </a:r>
+          </a:p>
+        </p:txBody>
+      </p:sp>
+      <p:sp>
+        <p:nvSpPr>
+          <p:cNvPr id="14" name="CaixaDeTexto 13">
+            <a:extLst>
+              <a:ext uri="{FF2B5EF4-FFF2-40B4-BE49-F238E27FC236}">
+                <a16:creationId xmlns:a16="http://schemas.microsoft.com/office/drawing/2014/main" id="{32CD1B08-2186-D941-C5D7-566514124E0F}"/>
+              </a:ext>
+            </a:extLst>
+          </p:cNvPr>
+          <p:cNvSpPr txBox="1"/>
+          <p:nvPr/>
+        </p:nvSpPr>
+        <p:spPr>
+          <a:xfrm>
+            <a:off x="1191800" y="4610100"/>
+            <a:ext cx="9808397" cy="1754326"/>
+          </a:xfrm>
+          <a:prstGeom prst="rect">
+            <a:avLst/>
+          </a:prstGeom>
+          <a:noFill/>
+        </p:spPr>
+        <p:txBody>
+          <a:bodyPr wrap="square" rtlCol="0">
+            <a:spAutoFit/>
+          </a:bodyPr>
+          <a:lstStyle/>
+          <a:p>
+            <a:pPr marL="285750" indent="-285750">
+              <a:buFont typeface="Arial" panose="020B0604020202020204" pitchFamily="34" charset="0"/>
+              <a:buChar char="•"/>
             </a:pPr>
             <a:r>
-              <a:rPr lang="pt-BR" b="0" i="0" dirty="0">
+              <a:rPr lang="pt-BR"/>
+              <a:t>Antes, agentes de raciocínio e  de tomada de decisões eram estudados de forma separada.</a:t>
+            </a:r>
+          </a:p>
+          <a:p>
+            <a:pPr marL="285750" indent="-285750">
+              <a:buFont typeface="Arial" panose="020B0604020202020204" pitchFamily="34" charset="0"/>
+              <a:buChar char="•"/>
+            </a:pPr>
+            <a:endParaRPr lang="pt-BR"/>
+          </a:p>
+          <a:p>
+            <a:pPr marL="285750" indent="-285750">
+              <a:buFont typeface="Arial" panose="020B0604020202020204" pitchFamily="34" charset="0"/>
+              <a:buChar char="•"/>
+            </a:pPr>
+            <a:r>
+              <a:rPr lang="pt-BR" err="1"/>
+              <a:t>ReAct</a:t>
+            </a:r>
+            <a:r>
+              <a:rPr lang="pt-BR"/>
+              <a:t> utiliza das duas abordagens de forma intercalada (como humanos) gerando rastros de raciocínio, ajudando o modelo a induzir, acompanhar, atualizar planos de ação e a lidar com exceções. </a:t>
+            </a:r>
+          </a:p>
+          <a:p>
+            <a:endParaRPr lang="pt-BR"/>
+          </a:p>
+        </p:txBody>
+      </p:sp>
+      <p:sp>
+        <p:nvSpPr>
+          <p:cNvPr id="15" name="CaixaDeTexto 14">
+            <a:extLst>
+              <a:ext uri="{FF2B5EF4-FFF2-40B4-BE49-F238E27FC236}">
+                <a16:creationId xmlns:a16="http://schemas.microsoft.com/office/drawing/2014/main" id="{08AD05EC-19F5-4E0A-43DB-97C8C9B38F5E}"/>
+              </a:ext>
+            </a:extLst>
+          </p:cNvPr>
+          <p:cNvSpPr txBox="1"/>
+          <p:nvPr/>
+        </p:nvSpPr>
+        <p:spPr>
+          <a:xfrm>
+            <a:off x="1173925" y="1028592"/>
+            <a:ext cx="4171949" cy="261610"/>
+          </a:xfrm>
+          <a:prstGeom prst="rect">
+            <a:avLst/>
+          </a:prstGeom>
+          <a:noFill/>
+        </p:spPr>
+        <p:txBody>
+          <a:bodyPr wrap="square" rtlCol="0">
+            <a:spAutoFit/>
+          </a:bodyPr>
+          <a:lstStyle/>
+          <a:p>
+            <a:r>
+              <a:rPr lang="pt-BR" sz="1100">
                 <a:solidFill>
-                  <a:srgbClr val="1A1A1A"/>
+                  <a:schemeClr val="bg1">
+                    <a:lumMod val="50000"/>
+                  </a:schemeClr>
                 </a:solidFill>
-                <a:effectLst/>
-                <a:latin typeface="Source Sans 3"/>
-              </a:rPr>
-              <a:t>A B S T R A T O</a:t>
-            </a:r>
-          </a:p>
-          <a:p>
-            <a:pPr algn="l">
-              <a:spcAft>
-                <a:spcPts val="1200"/>
-              </a:spcAft>
-            </a:pPr>
-            <a:r>
-              <a:rPr lang="pt-BR" b="0" i="0" dirty="0">
+              </a:rPr>
+              <a:t>Figura: Diagrama de comparação dos métodos de </a:t>
+            </a:r>
+            <a:r>
+              <a:rPr lang="pt-BR" sz="1100" err="1">
                 <a:solidFill>
-                  <a:srgbClr val="1A1A1A"/>
+                  <a:schemeClr val="bg1">
+                    <a:lumMod val="50000"/>
+                  </a:schemeClr>
                 </a:solidFill>
-                <a:effectLst/>
-                <a:latin typeface="Source Sans 3"/>
-              </a:rPr>
-              <a:t>Enquanto grandes modelos de linguagem (</a:t>
-            </a:r>
-            <a:r>
-              <a:rPr lang="pt-BR" b="0" i="0" dirty="0" err="1">
-                <a:solidFill>
-                  <a:srgbClr val="1A1A1A"/>
-                </a:solidFill>
-                <a:effectLst/>
-                <a:latin typeface="Source Sans 3"/>
-              </a:rPr>
-              <a:t>LLMs</a:t>
-            </a:r>
-            <a:r>
-              <a:rPr lang="pt-BR" b="0" i="0" dirty="0">
-                <a:solidFill>
-                  <a:srgbClr val="1A1A1A"/>
-                </a:solidFill>
-                <a:effectLst/>
-                <a:latin typeface="Source Sans 3"/>
-              </a:rPr>
-              <a:t>) demonstraram desempenho impressionante em tarefas de compreensão de linguagem e tomada de decisão interativa, suas habilidades para raciocínio (por exemplo, </a:t>
-            </a:r>
-            <a:r>
-              <a:rPr lang="pt-BR" b="0" i="0" dirty="0" err="1">
-                <a:solidFill>
-                  <a:srgbClr val="1A1A1A"/>
-                </a:solidFill>
-                <a:effectLst/>
-                <a:latin typeface="Source Sans 3"/>
               </a:rPr>
               <a:t>prompting</a:t>
             </a:r>
-            <a:r>
-              <a:rPr lang="pt-BR" b="0" i="0" dirty="0">
-                <a:solidFill>
-                  <a:srgbClr val="1A1A1A"/>
-                </a:solidFill>
-                <a:effectLst/>
-                <a:latin typeface="Source Sans 3"/>
-              </a:rPr>
-              <a:t> de cadeia de pensamento) e ação (por exemplo, geração de planos de ação) têm sido estudadas principalmente como tópicos separados. Neste artigo, exploramos o uso de </a:t>
-            </a:r>
-            <a:r>
-              <a:rPr lang="pt-BR" b="0" i="0" dirty="0" err="1">
-                <a:solidFill>
-                  <a:srgbClr val="1A1A1A"/>
-                </a:solidFill>
-                <a:effectLst/>
-                <a:latin typeface="Source Sans 3"/>
-              </a:rPr>
-              <a:t>LLMs</a:t>
-            </a:r>
-            <a:r>
-              <a:rPr lang="pt-BR" b="0" i="0" dirty="0">
-                <a:solidFill>
-                  <a:srgbClr val="1A1A1A"/>
-                </a:solidFill>
-                <a:effectLst/>
-                <a:latin typeface="Source Sans 3"/>
-              </a:rPr>
-              <a:t> para gerar tanto rastros de raciocínio quanto ações específicas de tarefa de maneira intercalada, permitindo uma maior sinergia entre os dois: os rastros de raciocínio ajudam o modelo a induzir, rastrear e atualizar planos de ação, bem como lidar com exceções, enquanto as ações permitem que ele interaja e colete informações adicionais de fontes externas, como bases de conhecimento ou ambientes. Aplicamos nossa abordagem, chamada </a:t>
-            </a:r>
-            <a:r>
-              <a:rPr lang="pt-BR" b="0" i="0" dirty="0" err="1">
-                <a:solidFill>
-                  <a:srgbClr val="1A1A1A"/>
-                </a:solidFill>
-                <a:effectLst/>
-                <a:latin typeface="Source Sans 3"/>
-              </a:rPr>
-              <a:t>ReAct</a:t>
-            </a:r>
-            <a:r>
-              <a:rPr lang="pt-BR" b="0" i="0" dirty="0">
-                <a:solidFill>
-                  <a:srgbClr val="1A1A1A"/>
-                </a:solidFill>
-                <a:effectLst/>
-                <a:latin typeface="Source Sans 3"/>
-              </a:rPr>
-              <a:t>, a um conjunto diversificado de tarefas de linguagem e tomada de decisão e demonstramos sua eficácia em relação a referências de estado da arte, além de melhorar a </a:t>
-            </a:r>
-            <a:r>
-              <a:rPr lang="pt-BR" b="0" i="0" dirty="0" err="1">
-                <a:solidFill>
-                  <a:srgbClr val="1A1A1A"/>
-                </a:solidFill>
-                <a:effectLst/>
-                <a:latin typeface="Source Sans 3"/>
-              </a:rPr>
-              <a:t>interpretabilidade</a:t>
-            </a:r>
-            <a:r>
-              <a:rPr lang="pt-BR" b="0" i="0" dirty="0">
-                <a:solidFill>
-                  <a:srgbClr val="1A1A1A"/>
-                </a:solidFill>
-                <a:effectLst/>
-                <a:latin typeface="Source Sans 3"/>
-              </a:rPr>
-              <a:t> e confiabilidade humana. Concretamente, em resposta a perguntas (</a:t>
-            </a:r>
-            <a:r>
-              <a:rPr lang="pt-BR" b="0" i="0" dirty="0" err="1">
-                <a:solidFill>
-                  <a:srgbClr val="1A1A1A"/>
-                </a:solidFill>
-                <a:effectLst/>
-                <a:latin typeface="Source Sans 3"/>
-              </a:rPr>
-              <a:t>HotpotQA</a:t>
-            </a:r>
-            <a:r>
-              <a:rPr lang="pt-BR" b="0" i="0" dirty="0">
-                <a:solidFill>
-                  <a:srgbClr val="1A1A1A"/>
-                </a:solidFill>
-                <a:effectLst/>
-                <a:latin typeface="Source Sans 3"/>
-              </a:rPr>
-              <a:t>) e verificação de fatos (</a:t>
-            </a:r>
-            <a:r>
-              <a:rPr lang="pt-BR" b="0" i="0" dirty="0" err="1">
-                <a:solidFill>
-                  <a:srgbClr val="1A1A1A"/>
-                </a:solidFill>
-                <a:effectLst/>
-                <a:latin typeface="Source Sans 3"/>
-              </a:rPr>
-              <a:t>Fever</a:t>
-            </a:r>
-            <a:r>
-              <a:rPr lang="pt-BR" b="0" i="0" dirty="0">
-                <a:solidFill>
-                  <a:srgbClr val="1A1A1A"/>
-                </a:solidFill>
-                <a:effectLst/>
-                <a:latin typeface="Source Sans 3"/>
-              </a:rPr>
-              <a:t>), </a:t>
-            </a:r>
-            <a:r>
-              <a:rPr lang="pt-BR" b="0" i="0" dirty="0" err="1">
-                <a:solidFill>
-                  <a:srgbClr val="1A1A1A"/>
-                </a:solidFill>
-                <a:effectLst/>
-                <a:latin typeface="Source Sans 3"/>
-              </a:rPr>
-              <a:t>ReAct</a:t>
-            </a:r>
-            <a:r>
-              <a:rPr lang="pt-BR" b="0" i="0" dirty="0">
-                <a:solidFill>
-                  <a:srgbClr val="1A1A1A"/>
-                </a:solidFill>
-                <a:effectLst/>
-                <a:latin typeface="Source Sans 3"/>
-              </a:rPr>
-              <a:t> supera problemas prevalentes de alucinação e propagação de erros no raciocínio em cadeia de pensamento ao interagir com uma simples API da Wikipedia e gerar trajetórias de resolução de tarefas semelhantes às humanas que são mais interpretáveis do que as referências sem rastros de raciocínio. Além disso, em dois benchmarks de tomada de decisão interativa (</a:t>
-            </a:r>
-            <a:r>
-              <a:rPr lang="pt-BR" b="0" i="0" dirty="0" err="1">
-                <a:solidFill>
-                  <a:srgbClr val="1A1A1A"/>
-                </a:solidFill>
-                <a:effectLst/>
-                <a:latin typeface="Source Sans 3"/>
-              </a:rPr>
-              <a:t>ALFWorld</a:t>
-            </a:r>
-            <a:r>
-              <a:rPr lang="pt-BR" b="0" i="0" dirty="0">
-                <a:solidFill>
-                  <a:srgbClr val="1A1A1A"/>
-                </a:solidFill>
-                <a:effectLst/>
-                <a:latin typeface="Source Sans 3"/>
-              </a:rPr>
-              <a:t> e </a:t>
-            </a:r>
-            <a:r>
-              <a:rPr lang="pt-BR" b="0" i="0" dirty="0" err="1">
-                <a:solidFill>
-                  <a:srgbClr val="1A1A1A"/>
-                </a:solidFill>
-                <a:effectLst/>
-                <a:latin typeface="Source Sans 3"/>
-              </a:rPr>
-              <a:t>WebShop</a:t>
-            </a:r>
-            <a:r>
-              <a:rPr lang="pt-BR" b="0" i="0" dirty="0">
-                <a:solidFill>
-                  <a:srgbClr val="1A1A1A"/>
-                </a:solidFill>
-                <a:effectLst/>
-                <a:latin typeface="Source Sans 3"/>
-              </a:rPr>
-              <a:t>), </a:t>
-            </a:r>
-            <a:r>
-              <a:rPr lang="pt-BR" b="0" i="0" dirty="0" err="1">
-                <a:solidFill>
-                  <a:srgbClr val="1A1A1A"/>
-                </a:solidFill>
-                <a:effectLst/>
-                <a:latin typeface="Source Sans 3"/>
-              </a:rPr>
-              <a:t>ReAct</a:t>
-            </a:r>
-            <a:r>
-              <a:rPr lang="pt-BR" b="0" i="0" dirty="0">
-                <a:solidFill>
-                  <a:srgbClr val="1A1A1A"/>
-                </a:solidFill>
-                <a:effectLst/>
-                <a:latin typeface="Source Sans 3"/>
-              </a:rPr>
-              <a:t> supera métodos de imitação e aprendizado por reforço por uma taxa de sucesso absoluta de 34% e 10%, respectivamente, enquanto é solicitado com apenas um ou dois exemplos em contexto.</a:t>
-            </a:r>
+            <a:endParaRPr lang="pt-BR" sz="1100">
+              <a:solidFill>
+                <a:schemeClr val="bg1">
+                  <a:lumMod val="50000"/>
+                </a:schemeClr>
+              </a:solidFill>
+            </a:endParaRPr>
           </a:p>
         </p:txBody>
       </p:sp>
     </p:spTree>
     <p:extLst>
       <p:ext uri="{BB962C8B-B14F-4D97-AF65-F5344CB8AC3E}">
-        <p14:creationId xmlns:p14="http://schemas.microsoft.com/office/powerpoint/2010/main" val="1082037500"/>
+        <p14:creationId xmlns:p14="http://schemas.microsoft.com/office/powerpoint/2010/main" val="162794089"/>
       </p:ext>
     </p:extLst>
   </p:cSld>
@@ -3763,206 +4128,6 @@
 </file>
 
 <file path=ppt/slides/slide3.xml><?xml version="1.0" encoding="utf-8"?>
-<p:sld xmlns:a="http://schemas.openxmlformats.org/drawingml/2006/main" xmlns:r="http://schemas.openxmlformats.org/officeDocument/2006/relationships" xmlns:p="http://schemas.openxmlformats.org/presentationml/2006/main">
-  <p:cSld>
-    <p:spTree>
-      <p:nvGrpSpPr>
-        <p:cNvPr id="1" name="">
-          <a:extLst>
-            <a:ext uri="{FF2B5EF4-FFF2-40B4-BE49-F238E27FC236}">
-              <a16:creationId xmlns:a16="http://schemas.microsoft.com/office/drawing/2014/main" id="{CCD7503A-4334-0037-3581-57BAF9E78A29}"/>
-            </a:ext>
-          </a:extLst>
-        </p:cNvPr>
-        <p:cNvGrpSpPr/>
-        <p:nvPr/>
-      </p:nvGrpSpPr>
-      <p:grpSpPr>
-        <a:xfrm>
-          <a:off x="0" y="0"/>
-          <a:ext cx="0" cy="0"/>
-          <a:chOff x="0" y="0"/>
-          <a:chExt cx="0" cy="0"/>
-        </a:xfrm>
-      </p:grpSpPr>
-      <p:sp>
-        <p:nvSpPr>
-          <p:cNvPr id="6" name="CaixaDeTexto 5">
-            <a:extLst>
-              <a:ext uri="{FF2B5EF4-FFF2-40B4-BE49-F238E27FC236}">
-                <a16:creationId xmlns:a16="http://schemas.microsoft.com/office/drawing/2014/main" id="{DBCB24C3-BDA4-D725-C135-C806D674076F}"/>
-              </a:ext>
-            </a:extLst>
-          </p:cNvPr>
-          <p:cNvSpPr txBox="1"/>
-          <p:nvPr/>
-        </p:nvSpPr>
-        <p:spPr>
-          <a:xfrm>
-            <a:off x="542925" y="865406"/>
-            <a:ext cx="11106150" cy="4678204"/>
-          </a:xfrm>
-          <a:prstGeom prst="rect">
-            <a:avLst/>
-          </a:prstGeom>
-          <a:noFill/>
-        </p:spPr>
-        <p:txBody>
-          <a:bodyPr wrap="square">
-            <a:spAutoFit/>
-          </a:bodyPr>
-          <a:lstStyle/>
-          <a:p>
-            <a:pPr algn="l">
-              <a:spcAft>
-                <a:spcPts val="1200"/>
-              </a:spcAft>
-              <a:buNone/>
-            </a:pPr>
-            <a:r>
-              <a:rPr lang="pt-BR" b="0" i="0" dirty="0">
-                <a:solidFill>
-                  <a:srgbClr val="1A1A1A"/>
-                </a:solidFill>
-                <a:effectLst/>
-                <a:latin typeface="Source Sans 3"/>
-              </a:rPr>
-              <a:t>I N T R O D U Ç Ã O</a:t>
-            </a:r>
-          </a:p>
-          <a:p>
-            <a:pPr algn="l">
-              <a:spcAft>
-                <a:spcPts val="1200"/>
-              </a:spcAft>
-            </a:pPr>
-            <a:r>
-              <a:rPr lang="pt-BR" b="0" i="0" dirty="0">
-                <a:solidFill>
-                  <a:srgbClr val="1A1A1A"/>
-                </a:solidFill>
-                <a:effectLst/>
-                <a:latin typeface="Source Sans 3"/>
-              </a:rPr>
-              <a:t>Uma característica única da inteligência humana é a capacidade de combinar de forma fluida ações orientadas a tarefas com raciocínio verbal (ou fala interna, </a:t>
-            </a:r>
-            <a:r>
-              <a:rPr lang="pt-BR" b="0" i="0" dirty="0" err="1">
-                <a:solidFill>
-                  <a:srgbClr val="1A1A1A"/>
-                </a:solidFill>
-                <a:effectLst/>
-                <a:latin typeface="Source Sans 3"/>
-              </a:rPr>
-              <a:t>Alderson</a:t>
-            </a:r>
-            <a:r>
-              <a:rPr lang="pt-BR" b="0" i="0" dirty="0">
-                <a:solidFill>
-                  <a:srgbClr val="1A1A1A"/>
-                </a:solidFill>
-                <a:effectLst/>
-                <a:latin typeface="Source Sans 3"/>
-              </a:rPr>
-              <a:t>-Day &amp; </a:t>
-            </a:r>
-            <a:r>
-              <a:rPr lang="pt-BR" b="0" i="0" dirty="0" err="1">
-                <a:solidFill>
-                  <a:srgbClr val="1A1A1A"/>
-                </a:solidFill>
-                <a:effectLst/>
-                <a:latin typeface="Source Sans 3"/>
-              </a:rPr>
-              <a:t>Fernyhough</a:t>
-            </a:r>
-            <a:r>
-              <a:rPr lang="pt-BR" b="0" i="0" dirty="0">
-                <a:solidFill>
-                  <a:srgbClr val="1A1A1A"/>
-                </a:solidFill>
-                <a:effectLst/>
-                <a:latin typeface="Source Sans 3"/>
-              </a:rPr>
-              <a:t>, 2015), que tem sido teorizado como desempenhando um papel importante na cognição humana para permitir autorregulação ou estratégia (Vygotsky, 1987; Luria, 1965; </a:t>
-            </a:r>
-            <a:r>
-              <a:rPr lang="pt-BR" b="0" i="0" dirty="0" err="1">
-                <a:solidFill>
-                  <a:srgbClr val="1A1A1A"/>
-                </a:solidFill>
-                <a:effectLst/>
-                <a:latin typeface="Source Sans 3"/>
-              </a:rPr>
-              <a:t>Fernyhough</a:t>
-            </a:r>
-            <a:r>
-              <a:rPr lang="pt-BR" b="0" i="0" dirty="0">
-                <a:solidFill>
-                  <a:srgbClr val="1A1A1A"/>
-                </a:solidFill>
-                <a:effectLst/>
-                <a:latin typeface="Source Sans 3"/>
-              </a:rPr>
-              <a:t>, 2010) e manter uma memória de trabalho (</a:t>
-            </a:r>
-            <a:r>
-              <a:rPr lang="pt-BR" b="0" i="0" dirty="0" err="1">
-                <a:solidFill>
-                  <a:srgbClr val="1A1A1A"/>
-                </a:solidFill>
-                <a:effectLst/>
-                <a:latin typeface="Source Sans 3"/>
-              </a:rPr>
-              <a:t>Baddeley</a:t>
-            </a:r>
-            <a:r>
-              <a:rPr lang="pt-BR" b="0" i="0" dirty="0">
-                <a:solidFill>
-                  <a:srgbClr val="1A1A1A"/>
-                </a:solidFill>
-                <a:effectLst/>
-                <a:latin typeface="Source Sans 3"/>
-              </a:rPr>
-              <a:t>, 1992). Considere o exemplo de cozinhar um prato na cozinha. Entre quaisquer duas ações específicas, podemos raciocinar em linguagem para rastrear o progresso (“agora que tudo está cortado, eu devo aquecer a panela com água”), para lidar com exceções ou ajustar o plano de acordo com a situação (“eu não tenho sal, então deixe-me usar molho de soja e pimenta em vez disso”), e para perceber quando informações externas são necessárias (“como eu preparo a massa? Deixe-me pesquisar na Internet”). Também podemos agir (abrir um livro de receitas para ler a receita, abrir a geladeira, verificar ingredientes) para apoiar o raciocínio e responder perguntas (“Que prato posso fazer agora?”). Essa sinergia estreita entre “agir” e “raciocinar” permite que os humanos aprendam novas tarefas rapidamente e realizem tomada de decisão ou raciocínio robusto, mesmo sob circunstâncias previamente não vistas ou enfrentando incertezas de informação. Resultados recentes sugeriram a possibilidade de combinar raciocínio verbal com tomada de decisão interativa em sistemas autônomos. Por um lado, modelos de linguagem grandes (</a:t>
-            </a:r>
-            <a:r>
-              <a:rPr lang="pt-BR" b="0" i="0" dirty="0" err="1">
-                <a:solidFill>
-                  <a:srgbClr val="1A1A1A"/>
-                </a:solidFill>
-                <a:effectLst/>
-                <a:latin typeface="Source Sans 3"/>
-              </a:rPr>
-              <a:t>LLMs</a:t>
-            </a:r>
-            <a:r>
-              <a:rPr lang="pt-BR" b="0" i="0" dirty="0">
-                <a:solidFill>
-                  <a:srgbClr val="1A1A1A"/>
-                </a:solidFill>
-                <a:effectLst/>
-                <a:latin typeface="Source Sans 3"/>
-              </a:rPr>
-              <a:t>) devidamente solicitados demonstraram capacidades emergentes para realizar vários passos de rastros de raciocínio para derivar</a:t>
-            </a:r>
-          </a:p>
-        </p:txBody>
-      </p:sp>
-    </p:spTree>
-    <p:extLst>
-      <p:ext uri="{BB962C8B-B14F-4D97-AF65-F5344CB8AC3E}">
-        <p14:creationId xmlns:p14="http://schemas.microsoft.com/office/powerpoint/2010/main" val="905584549"/>
-      </p:ext>
-    </p:extLst>
-  </p:cSld>
-  <p:clrMapOvr>
-    <a:masterClrMapping/>
-  </p:clrMapOvr>
-</p:sld>
-</file>
-
-<file path=ppt/slides/slide4.xml><?xml version="1.0" encoding="utf-8"?>
 <p:sld xmlns:a="http://schemas.openxmlformats.org/drawingml/2006/main" xmlns:r="http://schemas.openxmlformats.org/officeDocument/2006/relationships" xmlns:p="http://schemas.openxmlformats.org/presentationml/2006/main">
   <p:cSld>
     <p:spTree>
@@ -3979,12 +4144,1042 @@
           <a:chExt cx="0" cy="0"/>
         </a:xfrm>
       </p:grpSpPr>
+      <p:graphicFrame>
+        <p:nvGraphicFramePr>
+          <p:cNvPr id="4" name="Espaço Reservado para Conteúdo 3">
+            <a:extLst>
+              <a:ext uri="{FF2B5EF4-FFF2-40B4-BE49-F238E27FC236}">
+                <a16:creationId xmlns:a16="http://schemas.microsoft.com/office/drawing/2014/main" id="{B9AE6ECB-F482-882F-FC18-0A57279B9D2B}"/>
+              </a:ext>
+            </a:extLst>
+          </p:cNvPr>
+          <p:cNvGraphicFramePr>
+            <a:graphicFrameLocks noGrp="1"/>
+          </p:cNvGraphicFramePr>
+          <p:nvPr>
+            <p:ph idx="1"/>
+            <p:extLst>
+              <p:ext uri="{D42A27DB-BD31-4B8C-83A1-F6EECF244321}">
+                <p14:modId xmlns:p14="http://schemas.microsoft.com/office/powerpoint/2010/main" val="802734740"/>
+              </p:ext>
+            </p:extLst>
+          </p:nvPr>
+        </p:nvGraphicFramePr>
+        <p:xfrm>
+          <a:off x="1326776" y="2286000"/>
+          <a:ext cx="9421908" cy="1859280"/>
+        </p:xfrm>
+        <a:graphic>
+          <a:graphicData uri="http://schemas.openxmlformats.org/drawingml/2006/table">
+            <a:tbl>
+              <a:tblPr/>
+              <a:tblGrid>
+                <a:gridCol w="2355477">
+                  <a:extLst>
+                    <a:ext uri="{9D8B030D-6E8A-4147-A177-3AD203B41FA5}">
+                      <a16:colId xmlns:a16="http://schemas.microsoft.com/office/drawing/2014/main" val="1854706017"/>
+                    </a:ext>
+                  </a:extLst>
+                </a:gridCol>
+                <a:gridCol w="2355477">
+                  <a:extLst>
+                    <a:ext uri="{9D8B030D-6E8A-4147-A177-3AD203B41FA5}">
+                      <a16:colId xmlns:a16="http://schemas.microsoft.com/office/drawing/2014/main" val="3476743471"/>
+                    </a:ext>
+                  </a:extLst>
+                </a:gridCol>
+                <a:gridCol w="2355477">
+                  <a:extLst>
+                    <a:ext uri="{9D8B030D-6E8A-4147-A177-3AD203B41FA5}">
+                      <a16:colId xmlns:a16="http://schemas.microsoft.com/office/drawing/2014/main" val="221792487"/>
+                    </a:ext>
+                  </a:extLst>
+                </a:gridCol>
+                <a:gridCol w="2355477">
+                  <a:extLst>
+                    <a:ext uri="{9D8B030D-6E8A-4147-A177-3AD203B41FA5}">
+                      <a16:colId xmlns:a16="http://schemas.microsoft.com/office/drawing/2014/main" val="521960741"/>
+                    </a:ext>
+                  </a:extLst>
+                </a:gridCol>
+              </a:tblGrid>
+              <a:tr h="0">
+                <a:tc>
+                  <a:txBody>
+                    <a:bodyPr/>
+                    <a:lstStyle/>
+                    <a:p>
+                      <a:r>
+                        <a:rPr lang="pt-BR" sz="1400"/>
+                        <a:t>Padrão</a:t>
+                      </a:r>
+                    </a:p>
+                  </a:txBody>
+                  <a:tcPr anchor="ctr">
+                    <a:lnL w="12700" cap="flat" cmpd="sng" algn="ctr">
+                      <a:solidFill>
+                        <a:schemeClr val="tx1"/>
+                      </a:solidFill>
+                      <a:prstDash val="solid"/>
+                      <a:round/>
+                      <a:headEnd type="none" w="med" len="med"/>
+                      <a:tailEnd type="none" w="med" len="med"/>
+                    </a:lnL>
+                    <a:lnR w="12700" cap="flat" cmpd="sng" algn="ctr">
+                      <a:solidFill>
+                        <a:schemeClr val="tx1"/>
+                      </a:solidFill>
+                      <a:prstDash val="solid"/>
+                      <a:round/>
+                      <a:headEnd type="none" w="med" len="med"/>
+                      <a:tailEnd type="none" w="med" len="med"/>
+                    </a:lnR>
+                    <a:lnT w="12700" cap="flat" cmpd="sng" algn="ctr">
+                      <a:solidFill>
+                        <a:schemeClr val="tx1"/>
+                      </a:solidFill>
+                      <a:prstDash val="solid"/>
+                      <a:round/>
+                      <a:headEnd type="none" w="med" len="med"/>
+                      <a:tailEnd type="none" w="med" len="med"/>
+                    </a:lnT>
+                    <a:lnB w="12700" cap="flat" cmpd="sng" algn="ctr">
+                      <a:solidFill>
+                        <a:schemeClr val="tx1"/>
+                      </a:solidFill>
+                      <a:prstDash val="solid"/>
+                      <a:round/>
+                      <a:headEnd type="none" w="med" len="med"/>
+                      <a:tailEnd type="none" w="med" len="med"/>
+                    </a:lnB>
+                    <a:noFill/>
+                  </a:tcPr>
+                </a:tc>
+                <a:tc>
+                  <a:txBody>
+                    <a:bodyPr/>
+                    <a:lstStyle/>
+                    <a:p>
+                      <a:r>
+                        <a:rPr lang="pt-BR" sz="1400"/>
+                        <a:t>Exibe raciocínio?</a:t>
+                      </a:r>
+                    </a:p>
+                  </a:txBody>
+                  <a:tcPr anchor="ctr">
+                    <a:lnL w="12700" cap="flat" cmpd="sng" algn="ctr">
+                      <a:solidFill>
+                        <a:schemeClr val="tx1"/>
+                      </a:solidFill>
+                      <a:prstDash val="solid"/>
+                      <a:round/>
+                      <a:headEnd type="none" w="med" len="med"/>
+                      <a:tailEnd type="none" w="med" len="med"/>
+                    </a:lnL>
+                    <a:lnR w="12700" cap="flat" cmpd="sng" algn="ctr">
+                      <a:solidFill>
+                        <a:schemeClr val="tx1"/>
+                      </a:solidFill>
+                      <a:prstDash val="solid"/>
+                      <a:round/>
+                      <a:headEnd type="none" w="med" len="med"/>
+                      <a:tailEnd type="none" w="med" len="med"/>
+                    </a:lnR>
+                    <a:lnT w="12700" cap="flat" cmpd="sng" algn="ctr">
+                      <a:solidFill>
+                        <a:schemeClr val="tx1"/>
+                      </a:solidFill>
+                      <a:prstDash val="solid"/>
+                      <a:round/>
+                      <a:headEnd type="none" w="med" len="med"/>
+                      <a:tailEnd type="none" w="med" len="med"/>
+                    </a:lnT>
+                    <a:lnB w="12700" cap="flat" cmpd="sng" algn="ctr">
+                      <a:solidFill>
+                        <a:schemeClr val="tx1"/>
+                      </a:solidFill>
+                      <a:prstDash val="solid"/>
+                      <a:round/>
+                      <a:headEnd type="none" w="med" len="med"/>
+                      <a:tailEnd type="none" w="med" len="med"/>
+                    </a:lnB>
+                    <a:noFill/>
+                  </a:tcPr>
+                </a:tc>
+                <a:tc>
+                  <a:txBody>
+                    <a:bodyPr/>
+                    <a:lstStyle/>
+                    <a:p>
+                      <a:r>
+                        <a:rPr lang="pt-BR" sz="1400"/>
+                        <a:t>Usa ferramentas?</a:t>
+                      </a:r>
+                    </a:p>
+                  </a:txBody>
+                  <a:tcPr anchor="ctr">
+                    <a:lnL w="12700" cap="flat" cmpd="sng" algn="ctr">
+                      <a:solidFill>
+                        <a:schemeClr val="tx1"/>
+                      </a:solidFill>
+                      <a:prstDash val="solid"/>
+                      <a:round/>
+                      <a:headEnd type="none" w="med" len="med"/>
+                      <a:tailEnd type="none" w="med" len="med"/>
+                    </a:lnL>
+                    <a:lnR w="12700" cap="flat" cmpd="sng" algn="ctr">
+                      <a:solidFill>
+                        <a:schemeClr val="tx1"/>
+                      </a:solidFill>
+                      <a:prstDash val="solid"/>
+                      <a:round/>
+                      <a:headEnd type="none" w="med" len="med"/>
+                      <a:tailEnd type="none" w="med" len="med"/>
+                    </a:lnR>
+                    <a:lnT w="12700" cap="flat" cmpd="sng" algn="ctr">
+                      <a:solidFill>
+                        <a:schemeClr val="tx1"/>
+                      </a:solidFill>
+                      <a:prstDash val="solid"/>
+                      <a:round/>
+                      <a:headEnd type="none" w="med" len="med"/>
+                      <a:tailEnd type="none" w="med" len="med"/>
+                    </a:lnT>
+                    <a:lnB w="12700" cap="flat" cmpd="sng" algn="ctr">
+                      <a:solidFill>
+                        <a:schemeClr val="tx1"/>
+                      </a:solidFill>
+                      <a:prstDash val="solid"/>
+                      <a:round/>
+                      <a:headEnd type="none" w="med" len="med"/>
+                      <a:tailEnd type="none" w="med" len="med"/>
+                    </a:lnB>
+                    <a:noFill/>
+                  </a:tcPr>
+                </a:tc>
+                <a:tc>
+                  <a:txBody>
+                    <a:bodyPr/>
+                    <a:lstStyle/>
+                    <a:p>
+                      <a:r>
+                        <a:rPr lang="pt-BR" sz="1400"/>
+                        <a:t>Uso ideal</a:t>
+                      </a:r>
+                    </a:p>
+                  </a:txBody>
+                  <a:tcPr anchor="ctr">
+                    <a:lnL w="12700" cap="flat" cmpd="sng" algn="ctr">
+                      <a:solidFill>
+                        <a:schemeClr val="tx1"/>
+                      </a:solidFill>
+                      <a:prstDash val="solid"/>
+                      <a:round/>
+                      <a:headEnd type="none" w="med" len="med"/>
+                      <a:tailEnd type="none" w="med" len="med"/>
+                    </a:lnL>
+                    <a:lnR w="12700" cap="flat" cmpd="sng" algn="ctr">
+                      <a:solidFill>
+                        <a:schemeClr val="tx1"/>
+                      </a:solidFill>
+                      <a:prstDash val="solid"/>
+                      <a:round/>
+                      <a:headEnd type="none" w="med" len="med"/>
+                      <a:tailEnd type="none" w="med" len="med"/>
+                    </a:lnR>
+                    <a:lnT w="12700" cap="flat" cmpd="sng" algn="ctr">
+                      <a:solidFill>
+                        <a:schemeClr val="tx1"/>
+                      </a:solidFill>
+                      <a:prstDash val="solid"/>
+                      <a:round/>
+                      <a:headEnd type="none" w="med" len="med"/>
+                      <a:tailEnd type="none" w="med" len="med"/>
+                    </a:lnT>
+                    <a:lnB w="12700" cap="flat" cmpd="sng" algn="ctr">
+                      <a:solidFill>
+                        <a:schemeClr val="tx1"/>
+                      </a:solidFill>
+                      <a:prstDash val="solid"/>
+                      <a:round/>
+                      <a:headEnd type="none" w="med" len="med"/>
+                      <a:tailEnd type="none" w="med" len="med"/>
+                    </a:lnB>
+                    <a:noFill/>
+                  </a:tcPr>
+                </a:tc>
+                <a:extLst>
+                  <a:ext uri="{0D108BD9-81ED-4DB2-BD59-A6C34878D82A}">
+                    <a16:rowId xmlns:a16="http://schemas.microsoft.com/office/drawing/2014/main" val="548853297"/>
+                  </a:ext>
+                </a:extLst>
+              </a:tr>
+              <a:tr h="0">
+                <a:tc>
+                  <a:txBody>
+                    <a:bodyPr/>
+                    <a:lstStyle/>
+                    <a:p>
+                      <a:r>
+                        <a:rPr lang="pt-BR" sz="1400" err="1"/>
+                        <a:t>Reason</a:t>
+                      </a:r>
+                      <a:r>
+                        <a:rPr lang="pt-BR" sz="1400"/>
+                        <a:t>-Only</a:t>
+                      </a:r>
+                    </a:p>
+                  </a:txBody>
+                  <a:tcPr anchor="ctr">
+                    <a:lnL w="12700" cap="flat" cmpd="sng" algn="ctr">
+                      <a:solidFill>
+                        <a:schemeClr val="tx1"/>
+                      </a:solidFill>
+                      <a:prstDash val="solid"/>
+                      <a:round/>
+                      <a:headEnd type="none" w="med" len="med"/>
+                      <a:tailEnd type="none" w="med" len="med"/>
+                    </a:lnL>
+                    <a:lnR w="12700" cap="flat" cmpd="sng" algn="ctr">
+                      <a:solidFill>
+                        <a:schemeClr val="tx1"/>
+                      </a:solidFill>
+                      <a:prstDash val="solid"/>
+                      <a:round/>
+                      <a:headEnd type="none" w="med" len="med"/>
+                      <a:tailEnd type="none" w="med" len="med"/>
+                    </a:lnR>
+                    <a:lnT w="12700" cap="flat" cmpd="sng" algn="ctr">
+                      <a:solidFill>
+                        <a:schemeClr val="tx1"/>
+                      </a:solidFill>
+                      <a:prstDash val="solid"/>
+                      <a:round/>
+                      <a:headEnd type="none" w="med" len="med"/>
+                      <a:tailEnd type="none" w="med" len="med"/>
+                    </a:lnT>
+                    <a:lnB w="12700" cap="flat" cmpd="sng" algn="ctr">
+                      <a:solidFill>
+                        <a:schemeClr val="tx1"/>
+                      </a:solidFill>
+                      <a:prstDash val="solid"/>
+                      <a:round/>
+                      <a:headEnd type="none" w="med" len="med"/>
+                      <a:tailEnd type="none" w="med" len="med"/>
+                    </a:lnB>
+                    <a:noFill/>
+                  </a:tcPr>
+                </a:tc>
+                <a:tc>
+                  <a:txBody>
+                    <a:bodyPr/>
+                    <a:lstStyle/>
+                    <a:p>
+                      <a:r>
+                        <a:rPr lang="pt-BR" sz="1400"/>
+                        <a:t>Sim</a:t>
+                      </a:r>
+                    </a:p>
+                  </a:txBody>
+                  <a:tcPr anchor="ctr">
+                    <a:lnL w="12700" cap="flat" cmpd="sng" algn="ctr">
+                      <a:solidFill>
+                        <a:schemeClr val="tx1"/>
+                      </a:solidFill>
+                      <a:prstDash val="solid"/>
+                      <a:round/>
+                      <a:headEnd type="none" w="med" len="med"/>
+                      <a:tailEnd type="none" w="med" len="med"/>
+                    </a:lnL>
+                    <a:lnR w="12700" cap="flat" cmpd="sng" algn="ctr">
+                      <a:solidFill>
+                        <a:schemeClr val="tx1"/>
+                      </a:solidFill>
+                      <a:prstDash val="solid"/>
+                      <a:round/>
+                      <a:headEnd type="none" w="med" len="med"/>
+                      <a:tailEnd type="none" w="med" len="med"/>
+                    </a:lnR>
+                    <a:lnT w="12700" cap="flat" cmpd="sng" algn="ctr">
+                      <a:solidFill>
+                        <a:schemeClr val="tx1"/>
+                      </a:solidFill>
+                      <a:prstDash val="solid"/>
+                      <a:round/>
+                      <a:headEnd type="none" w="med" len="med"/>
+                      <a:tailEnd type="none" w="med" len="med"/>
+                    </a:lnT>
+                    <a:lnB w="12700" cap="flat" cmpd="sng" algn="ctr">
+                      <a:solidFill>
+                        <a:schemeClr val="tx1"/>
+                      </a:solidFill>
+                      <a:prstDash val="solid"/>
+                      <a:round/>
+                      <a:headEnd type="none" w="med" len="med"/>
+                      <a:tailEnd type="none" w="med" len="med"/>
+                    </a:lnB>
+                    <a:noFill/>
+                  </a:tcPr>
+                </a:tc>
+                <a:tc>
+                  <a:txBody>
+                    <a:bodyPr/>
+                    <a:lstStyle/>
+                    <a:p>
+                      <a:r>
+                        <a:rPr lang="pt-BR" sz="1400"/>
+                        <a:t>Não</a:t>
+                      </a:r>
+                    </a:p>
+                  </a:txBody>
+                  <a:tcPr anchor="ctr">
+                    <a:lnL w="12700" cap="flat" cmpd="sng" algn="ctr">
+                      <a:solidFill>
+                        <a:schemeClr val="tx1"/>
+                      </a:solidFill>
+                      <a:prstDash val="solid"/>
+                      <a:round/>
+                      <a:headEnd type="none" w="med" len="med"/>
+                      <a:tailEnd type="none" w="med" len="med"/>
+                    </a:lnL>
+                    <a:lnR w="12700" cap="flat" cmpd="sng" algn="ctr">
+                      <a:solidFill>
+                        <a:schemeClr val="tx1"/>
+                      </a:solidFill>
+                      <a:prstDash val="solid"/>
+                      <a:round/>
+                      <a:headEnd type="none" w="med" len="med"/>
+                      <a:tailEnd type="none" w="med" len="med"/>
+                    </a:lnR>
+                    <a:lnT w="12700" cap="flat" cmpd="sng" algn="ctr">
+                      <a:solidFill>
+                        <a:schemeClr val="tx1"/>
+                      </a:solidFill>
+                      <a:prstDash val="solid"/>
+                      <a:round/>
+                      <a:headEnd type="none" w="med" len="med"/>
+                      <a:tailEnd type="none" w="med" len="med"/>
+                    </a:lnT>
+                    <a:lnB w="12700" cap="flat" cmpd="sng" algn="ctr">
+                      <a:solidFill>
+                        <a:schemeClr val="tx1"/>
+                      </a:solidFill>
+                      <a:prstDash val="solid"/>
+                      <a:round/>
+                      <a:headEnd type="none" w="med" len="med"/>
+                      <a:tailEnd type="none" w="med" len="med"/>
+                    </a:lnB>
+                    <a:noFill/>
+                  </a:tcPr>
+                </a:tc>
+                <a:tc>
+                  <a:txBody>
+                    <a:bodyPr/>
+                    <a:lstStyle/>
+                    <a:p>
+                      <a:r>
+                        <a:rPr lang="pt-BR" sz="1400" dirty="0"/>
+                        <a:t>Problemas teóricos com os quais o LLM foi treinado</a:t>
+                      </a:r>
+                    </a:p>
+                  </a:txBody>
+                  <a:tcPr anchor="ctr">
+                    <a:lnL w="12700" cap="flat" cmpd="sng" algn="ctr">
+                      <a:solidFill>
+                        <a:schemeClr val="tx1"/>
+                      </a:solidFill>
+                      <a:prstDash val="solid"/>
+                      <a:round/>
+                      <a:headEnd type="none" w="med" len="med"/>
+                      <a:tailEnd type="none" w="med" len="med"/>
+                    </a:lnL>
+                    <a:lnR w="12700" cap="flat" cmpd="sng" algn="ctr">
+                      <a:solidFill>
+                        <a:schemeClr val="tx1"/>
+                      </a:solidFill>
+                      <a:prstDash val="solid"/>
+                      <a:round/>
+                      <a:headEnd type="none" w="med" len="med"/>
+                      <a:tailEnd type="none" w="med" len="med"/>
+                    </a:lnR>
+                    <a:lnT w="12700" cap="flat" cmpd="sng" algn="ctr">
+                      <a:solidFill>
+                        <a:schemeClr val="tx1"/>
+                      </a:solidFill>
+                      <a:prstDash val="solid"/>
+                      <a:round/>
+                      <a:headEnd type="none" w="med" len="med"/>
+                      <a:tailEnd type="none" w="med" len="med"/>
+                    </a:lnT>
+                    <a:lnB w="12700" cap="flat" cmpd="sng" algn="ctr">
+                      <a:solidFill>
+                        <a:schemeClr val="tx1"/>
+                      </a:solidFill>
+                      <a:prstDash val="solid"/>
+                      <a:round/>
+                      <a:headEnd type="none" w="med" len="med"/>
+                      <a:tailEnd type="none" w="med" len="med"/>
+                    </a:lnB>
+                    <a:noFill/>
+                  </a:tcPr>
+                </a:tc>
+                <a:extLst>
+                  <a:ext uri="{0D108BD9-81ED-4DB2-BD59-A6C34878D82A}">
+                    <a16:rowId xmlns:a16="http://schemas.microsoft.com/office/drawing/2014/main" val="880057109"/>
+                  </a:ext>
+                </a:extLst>
+              </a:tr>
+              <a:tr h="0">
+                <a:tc>
+                  <a:txBody>
+                    <a:bodyPr/>
+                    <a:lstStyle/>
+                    <a:p>
+                      <a:r>
+                        <a:rPr lang="pt-BR" sz="1400"/>
+                        <a:t>Act-Only</a:t>
+                      </a:r>
+                    </a:p>
+                  </a:txBody>
+                  <a:tcPr anchor="ctr">
+                    <a:lnL w="12700" cap="flat" cmpd="sng" algn="ctr">
+                      <a:solidFill>
+                        <a:schemeClr val="tx1"/>
+                      </a:solidFill>
+                      <a:prstDash val="solid"/>
+                      <a:round/>
+                      <a:headEnd type="none" w="med" len="med"/>
+                      <a:tailEnd type="none" w="med" len="med"/>
+                    </a:lnL>
+                    <a:lnR w="12700" cap="flat" cmpd="sng" algn="ctr">
+                      <a:solidFill>
+                        <a:schemeClr val="tx1"/>
+                      </a:solidFill>
+                      <a:prstDash val="solid"/>
+                      <a:round/>
+                      <a:headEnd type="none" w="med" len="med"/>
+                      <a:tailEnd type="none" w="med" len="med"/>
+                    </a:lnR>
+                    <a:lnT w="12700" cap="flat" cmpd="sng" algn="ctr">
+                      <a:solidFill>
+                        <a:schemeClr val="tx1"/>
+                      </a:solidFill>
+                      <a:prstDash val="solid"/>
+                      <a:round/>
+                      <a:headEnd type="none" w="med" len="med"/>
+                      <a:tailEnd type="none" w="med" len="med"/>
+                    </a:lnT>
+                    <a:lnB w="12700" cap="flat" cmpd="sng" algn="ctr">
+                      <a:solidFill>
+                        <a:schemeClr val="tx1"/>
+                      </a:solidFill>
+                      <a:prstDash val="solid"/>
+                      <a:round/>
+                      <a:headEnd type="none" w="med" len="med"/>
+                      <a:tailEnd type="none" w="med" len="med"/>
+                    </a:lnB>
+                    <a:noFill/>
+                  </a:tcPr>
+                </a:tc>
+                <a:tc>
+                  <a:txBody>
+                    <a:bodyPr/>
+                    <a:lstStyle/>
+                    <a:p>
+                      <a:r>
+                        <a:rPr lang="pt-BR" sz="1400"/>
+                        <a:t>Não</a:t>
+                      </a:r>
+                    </a:p>
+                  </a:txBody>
+                  <a:tcPr anchor="ctr">
+                    <a:lnL w="12700" cap="flat" cmpd="sng" algn="ctr">
+                      <a:solidFill>
+                        <a:schemeClr val="tx1"/>
+                      </a:solidFill>
+                      <a:prstDash val="solid"/>
+                      <a:round/>
+                      <a:headEnd type="none" w="med" len="med"/>
+                      <a:tailEnd type="none" w="med" len="med"/>
+                    </a:lnL>
+                    <a:lnR w="12700" cap="flat" cmpd="sng" algn="ctr">
+                      <a:solidFill>
+                        <a:schemeClr val="tx1"/>
+                      </a:solidFill>
+                      <a:prstDash val="solid"/>
+                      <a:round/>
+                      <a:headEnd type="none" w="med" len="med"/>
+                      <a:tailEnd type="none" w="med" len="med"/>
+                    </a:lnR>
+                    <a:lnT w="12700" cap="flat" cmpd="sng" algn="ctr">
+                      <a:solidFill>
+                        <a:schemeClr val="tx1"/>
+                      </a:solidFill>
+                      <a:prstDash val="solid"/>
+                      <a:round/>
+                      <a:headEnd type="none" w="med" len="med"/>
+                      <a:tailEnd type="none" w="med" len="med"/>
+                    </a:lnT>
+                    <a:lnB w="12700" cap="flat" cmpd="sng" algn="ctr">
+                      <a:solidFill>
+                        <a:schemeClr val="tx1"/>
+                      </a:solidFill>
+                      <a:prstDash val="solid"/>
+                      <a:round/>
+                      <a:headEnd type="none" w="med" len="med"/>
+                      <a:tailEnd type="none" w="med" len="med"/>
+                    </a:lnB>
+                    <a:noFill/>
+                  </a:tcPr>
+                </a:tc>
+                <a:tc>
+                  <a:txBody>
+                    <a:bodyPr/>
+                    <a:lstStyle/>
+                    <a:p>
+                      <a:r>
+                        <a:rPr lang="pt-BR" sz="1400"/>
+                        <a:t>Sim</a:t>
+                      </a:r>
+                    </a:p>
+                  </a:txBody>
+                  <a:tcPr anchor="ctr">
+                    <a:lnL w="12700" cap="flat" cmpd="sng" algn="ctr">
+                      <a:solidFill>
+                        <a:schemeClr val="tx1"/>
+                      </a:solidFill>
+                      <a:prstDash val="solid"/>
+                      <a:round/>
+                      <a:headEnd type="none" w="med" len="med"/>
+                      <a:tailEnd type="none" w="med" len="med"/>
+                    </a:lnL>
+                    <a:lnR w="12700" cap="flat" cmpd="sng" algn="ctr">
+                      <a:solidFill>
+                        <a:schemeClr val="tx1"/>
+                      </a:solidFill>
+                      <a:prstDash val="solid"/>
+                      <a:round/>
+                      <a:headEnd type="none" w="med" len="med"/>
+                      <a:tailEnd type="none" w="med" len="med"/>
+                    </a:lnR>
+                    <a:lnT w="12700" cap="flat" cmpd="sng" algn="ctr">
+                      <a:solidFill>
+                        <a:schemeClr val="tx1"/>
+                      </a:solidFill>
+                      <a:prstDash val="solid"/>
+                      <a:round/>
+                      <a:headEnd type="none" w="med" len="med"/>
+                      <a:tailEnd type="none" w="med" len="med"/>
+                    </a:lnT>
+                    <a:lnB w="12700" cap="flat" cmpd="sng" algn="ctr">
+                      <a:solidFill>
+                        <a:schemeClr val="tx1"/>
+                      </a:solidFill>
+                      <a:prstDash val="solid"/>
+                      <a:round/>
+                      <a:headEnd type="none" w="med" len="med"/>
+                      <a:tailEnd type="none" w="med" len="med"/>
+                    </a:lnB>
+                    <a:noFill/>
+                  </a:tcPr>
+                </a:tc>
+                <a:tc>
+                  <a:txBody>
+                    <a:bodyPr/>
+                    <a:lstStyle/>
+                    <a:p>
+                      <a:r>
+                        <a:rPr lang="pt-BR" sz="1400"/>
+                        <a:t>Consultas diretas a APIs/bancos de dados</a:t>
+                      </a:r>
+                    </a:p>
+                  </a:txBody>
+                  <a:tcPr anchor="ctr">
+                    <a:lnL w="12700" cap="flat" cmpd="sng" algn="ctr">
+                      <a:solidFill>
+                        <a:schemeClr val="tx1"/>
+                      </a:solidFill>
+                      <a:prstDash val="solid"/>
+                      <a:round/>
+                      <a:headEnd type="none" w="med" len="med"/>
+                      <a:tailEnd type="none" w="med" len="med"/>
+                    </a:lnL>
+                    <a:lnR w="12700" cap="flat" cmpd="sng" algn="ctr">
+                      <a:solidFill>
+                        <a:schemeClr val="tx1"/>
+                      </a:solidFill>
+                      <a:prstDash val="solid"/>
+                      <a:round/>
+                      <a:headEnd type="none" w="med" len="med"/>
+                      <a:tailEnd type="none" w="med" len="med"/>
+                    </a:lnR>
+                    <a:lnT w="12700" cap="flat" cmpd="sng" algn="ctr">
+                      <a:solidFill>
+                        <a:schemeClr val="tx1"/>
+                      </a:solidFill>
+                      <a:prstDash val="solid"/>
+                      <a:round/>
+                      <a:headEnd type="none" w="med" len="med"/>
+                      <a:tailEnd type="none" w="med" len="med"/>
+                    </a:lnT>
+                    <a:lnB w="12700" cap="flat" cmpd="sng" algn="ctr">
+                      <a:solidFill>
+                        <a:schemeClr val="tx1"/>
+                      </a:solidFill>
+                      <a:prstDash val="solid"/>
+                      <a:round/>
+                      <a:headEnd type="none" w="med" len="med"/>
+                      <a:tailEnd type="none" w="med" len="med"/>
+                    </a:lnB>
+                    <a:noFill/>
+                  </a:tcPr>
+                </a:tc>
+                <a:extLst>
+                  <a:ext uri="{0D108BD9-81ED-4DB2-BD59-A6C34878D82A}">
+                    <a16:rowId xmlns:a16="http://schemas.microsoft.com/office/drawing/2014/main" val="3562089087"/>
+                  </a:ext>
+                </a:extLst>
+              </a:tr>
+              <a:tr h="0">
+                <a:tc>
+                  <a:txBody>
+                    <a:bodyPr/>
+                    <a:lstStyle/>
+                    <a:p>
+                      <a:r>
+                        <a:rPr lang="pt-BR" sz="1400"/>
+                        <a:t>ReAct</a:t>
+                      </a:r>
+                    </a:p>
+                  </a:txBody>
+                  <a:tcPr anchor="ctr">
+                    <a:lnL w="12700" cap="flat" cmpd="sng" algn="ctr">
+                      <a:solidFill>
+                        <a:schemeClr val="tx1"/>
+                      </a:solidFill>
+                      <a:prstDash val="solid"/>
+                      <a:round/>
+                      <a:headEnd type="none" w="med" len="med"/>
+                      <a:tailEnd type="none" w="med" len="med"/>
+                    </a:lnL>
+                    <a:lnR w="12700" cap="flat" cmpd="sng" algn="ctr">
+                      <a:solidFill>
+                        <a:schemeClr val="tx1"/>
+                      </a:solidFill>
+                      <a:prstDash val="solid"/>
+                      <a:round/>
+                      <a:headEnd type="none" w="med" len="med"/>
+                      <a:tailEnd type="none" w="med" len="med"/>
+                    </a:lnR>
+                    <a:lnT w="12700" cap="flat" cmpd="sng" algn="ctr">
+                      <a:solidFill>
+                        <a:schemeClr val="tx1"/>
+                      </a:solidFill>
+                      <a:prstDash val="solid"/>
+                      <a:round/>
+                      <a:headEnd type="none" w="med" len="med"/>
+                      <a:tailEnd type="none" w="med" len="med"/>
+                    </a:lnT>
+                    <a:lnB w="12700" cap="flat" cmpd="sng" algn="ctr">
+                      <a:solidFill>
+                        <a:schemeClr val="tx1"/>
+                      </a:solidFill>
+                      <a:prstDash val="solid"/>
+                      <a:round/>
+                      <a:headEnd type="none" w="med" len="med"/>
+                      <a:tailEnd type="none" w="med" len="med"/>
+                    </a:lnB>
+                    <a:noFill/>
+                  </a:tcPr>
+                </a:tc>
+                <a:tc>
+                  <a:txBody>
+                    <a:bodyPr/>
+                    <a:lstStyle/>
+                    <a:p>
+                      <a:r>
+                        <a:rPr lang="pt-BR" sz="1400"/>
+                        <a:t>Parcial (iterativo)</a:t>
+                      </a:r>
+                    </a:p>
+                  </a:txBody>
+                  <a:tcPr anchor="ctr">
+                    <a:lnL w="12700" cap="flat" cmpd="sng" algn="ctr">
+                      <a:solidFill>
+                        <a:schemeClr val="tx1"/>
+                      </a:solidFill>
+                      <a:prstDash val="solid"/>
+                      <a:round/>
+                      <a:headEnd type="none" w="med" len="med"/>
+                      <a:tailEnd type="none" w="med" len="med"/>
+                    </a:lnL>
+                    <a:lnR w="12700" cap="flat" cmpd="sng" algn="ctr">
+                      <a:solidFill>
+                        <a:schemeClr val="tx1"/>
+                      </a:solidFill>
+                      <a:prstDash val="solid"/>
+                      <a:round/>
+                      <a:headEnd type="none" w="med" len="med"/>
+                      <a:tailEnd type="none" w="med" len="med"/>
+                    </a:lnR>
+                    <a:lnT w="12700" cap="flat" cmpd="sng" algn="ctr">
+                      <a:solidFill>
+                        <a:schemeClr val="tx1"/>
+                      </a:solidFill>
+                      <a:prstDash val="solid"/>
+                      <a:round/>
+                      <a:headEnd type="none" w="med" len="med"/>
+                      <a:tailEnd type="none" w="med" len="med"/>
+                    </a:lnT>
+                    <a:lnB w="12700" cap="flat" cmpd="sng" algn="ctr">
+                      <a:solidFill>
+                        <a:schemeClr val="tx1"/>
+                      </a:solidFill>
+                      <a:prstDash val="solid"/>
+                      <a:round/>
+                      <a:headEnd type="none" w="med" len="med"/>
+                      <a:tailEnd type="none" w="med" len="med"/>
+                    </a:lnB>
+                    <a:noFill/>
+                  </a:tcPr>
+                </a:tc>
+                <a:tc>
+                  <a:txBody>
+                    <a:bodyPr/>
+                    <a:lstStyle/>
+                    <a:p>
+                      <a:r>
+                        <a:rPr lang="pt-BR" sz="1400"/>
+                        <a:t>Sim</a:t>
+                      </a:r>
+                    </a:p>
+                  </a:txBody>
+                  <a:tcPr anchor="ctr">
+                    <a:lnL w="12700" cap="flat" cmpd="sng" algn="ctr">
+                      <a:solidFill>
+                        <a:schemeClr val="tx1"/>
+                      </a:solidFill>
+                      <a:prstDash val="solid"/>
+                      <a:round/>
+                      <a:headEnd type="none" w="med" len="med"/>
+                      <a:tailEnd type="none" w="med" len="med"/>
+                    </a:lnL>
+                    <a:lnR w="12700" cap="flat" cmpd="sng" algn="ctr">
+                      <a:solidFill>
+                        <a:schemeClr val="tx1"/>
+                      </a:solidFill>
+                      <a:prstDash val="solid"/>
+                      <a:round/>
+                      <a:headEnd type="none" w="med" len="med"/>
+                      <a:tailEnd type="none" w="med" len="med"/>
+                    </a:lnR>
+                    <a:lnT w="12700" cap="flat" cmpd="sng" algn="ctr">
+                      <a:solidFill>
+                        <a:schemeClr val="tx1"/>
+                      </a:solidFill>
+                      <a:prstDash val="solid"/>
+                      <a:round/>
+                      <a:headEnd type="none" w="med" len="med"/>
+                      <a:tailEnd type="none" w="med" len="med"/>
+                    </a:lnT>
+                    <a:lnB w="12700" cap="flat" cmpd="sng" algn="ctr">
+                      <a:solidFill>
+                        <a:schemeClr val="tx1"/>
+                      </a:solidFill>
+                      <a:prstDash val="solid"/>
+                      <a:round/>
+                      <a:headEnd type="none" w="med" len="med"/>
+                      <a:tailEnd type="none" w="med" len="med"/>
+                    </a:lnB>
+                    <a:noFill/>
+                  </a:tcPr>
+                </a:tc>
+                <a:tc>
+                  <a:txBody>
+                    <a:bodyPr/>
+                    <a:lstStyle/>
+                    <a:p>
+                      <a:r>
+                        <a:rPr lang="pt-BR" sz="1400" dirty="0"/>
+                        <a:t>Tarefas híbridas (pensar + buscar)</a:t>
+                      </a:r>
+                    </a:p>
+                  </a:txBody>
+                  <a:tcPr anchor="ctr">
+                    <a:lnL w="12700" cap="flat" cmpd="sng" algn="ctr">
+                      <a:solidFill>
+                        <a:schemeClr val="tx1"/>
+                      </a:solidFill>
+                      <a:prstDash val="solid"/>
+                      <a:round/>
+                      <a:headEnd type="none" w="med" len="med"/>
+                      <a:tailEnd type="none" w="med" len="med"/>
+                    </a:lnL>
+                    <a:lnR w="12700" cap="flat" cmpd="sng" algn="ctr">
+                      <a:solidFill>
+                        <a:schemeClr val="tx1"/>
+                      </a:solidFill>
+                      <a:prstDash val="solid"/>
+                      <a:round/>
+                      <a:headEnd type="none" w="med" len="med"/>
+                      <a:tailEnd type="none" w="med" len="med"/>
+                    </a:lnR>
+                    <a:lnT w="12700" cap="flat" cmpd="sng" algn="ctr">
+                      <a:solidFill>
+                        <a:schemeClr val="tx1"/>
+                      </a:solidFill>
+                      <a:prstDash val="solid"/>
+                      <a:round/>
+                      <a:headEnd type="none" w="med" len="med"/>
+                      <a:tailEnd type="none" w="med" len="med"/>
+                    </a:lnT>
+                    <a:lnB w="12700" cap="flat" cmpd="sng" algn="ctr">
+                      <a:solidFill>
+                        <a:schemeClr val="tx1"/>
+                      </a:solidFill>
+                      <a:prstDash val="solid"/>
+                      <a:round/>
+                      <a:headEnd type="none" w="med" len="med"/>
+                      <a:tailEnd type="none" w="med" len="med"/>
+                    </a:lnB>
+                    <a:noFill/>
+                  </a:tcPr>
+                </a:tc>
+                <a:extLst>
+                  <a:ext uri="{0D108BD9-81ED-4DB2-BD59-A6C34878D82A}">
+                    <a16:rowId xmlns:a16="http://schemas.microsoft.com/office/drawing/2014/main" val="285151630"/>
+                  </a:ext>
+                </a:extLst>
+              </a:tr>
+            </a:tbl>
+          </a:graphicData>
+        </a:graphic>
+      </p:graphicFrame>
+      <p:sp>
+        <p:nvSpPr>
+          <p:cNvPr id="10" name="CaixaDeTexto 9">
+            <a:extLst>
+              <a:ext uri="{FF2B5EF4-FFF2-40B4-BE49-F238E27FC236}">
+                <a16:creationId xmlns:a16="http://schemas.microsoft.com/office/drawing/2014/main" id="{376D7CC7-CF71-B3F4-12E7-768004A56D30}"/>
+              </a:ext>
+            </a:extLst>
+          </p:cNvPr>
+          <p:cNvSpPr txBox="1"/>
+          <p:nvPr/>
+        </p:nvSpPr>
+        <p:spPr>
+          <a:xfrm>
+            <a:off x="1191800" y="252465"/>
+            <a:ext cx="7898412" cy="461665"/>
+          </a:xfrm>
+          <a:prstGeom prst="rect">
+            <a:avLst/>
+          </a:prstGeom>
+          <a:noFill/>
+        </p:spPr>
+        <p:txBody>
+          <a:bodyPr wrap="square" rtlCol="0">
+            <a:spAutoFit/>
+          </a:bodyPr>
+          <a:lstStyle/>
+          <a:p>
+            <a:r>
+              <a:rPr lang="pt-BR" sz="2400" b="1"/>
+              <a:t>Comparação entre os métodos de </a:t>
+            </a:r>
+            <a:r>
+              <a:rPr lang="pt-BR" sz="2400" b="1" err="1"/>
+              <a:t>prompting</a:t>
+            </a:r>
+            <a:endParaRPr lang="pt-BR" sz="2400" b="1"/>
+          </a:p>
+        </p:txBody>
+      </p:sp>
+    </p:spTree>
+    <p:extLst>
+      <p:ext uri="{BB962C8B-B14F-4D97-AF65-F5344CB8AC3E}">
+        <p14:creationId xmlns:p14="http://schemas.microsoft.com/office/powerpoint/2010/main" val="191555997"/>
+      </p:ext>
+    </p:extLst>
+  </p:cSld>
+  <p:clrMapOvr>
+    <a:masterClrMapping/>
+  </p:clrMapOvr>
+</p:sld>
+</file>
+
+<file path=ppt/slides/slide4.xml><?xml version="1.0" encoding="utf-8"?>
+<p:sld xmlns:a="http://schemas.openxmlformats.org/drawingml/2006/main" xmlns:r="http://schemas.openxmlformats.org/officeDocument/2006/relationships" xmlns:p="http://schemas.openxmlformats.org/presentationml/2006/main">
+  <p:cSld>
+    <p:spTree>
+      <p:nvGrpSpPr>
+        <p:cNvPr id="1" name="">
+          <a:extLst>
+            <a:ext uri="{FF2B5EF4-FFF2-40B4-BE49-F238E27FC236}">
+              <a16:creationId xmlns:a16="http://schemas.microsoft.com/office/drawing/2014/main" id="{19C401EC-97F7-BD90-B82D-66A46A879B6F}"/>
+            </a:ext>
+          </a:extLst>
+        </p:cNvPr>
+        <p:cNvGrpSpPr/>
+        <p:nvPr/>
+      </p:nvGrpSpPr>
+      <p:grpSpPr>
+        <a:xfrm>
+          <a:off x="0" y="0"/>
+          <a:ext cx="0" cy="0"/>
+          <a:chOff x="0" y="0"/>
+          <a:chExt cx="0" cy="0"/>
+        </a:xfrm>
+      </p:grpSpPr>
+      <p:sp>
+        <p:nvSpPr>
+          <p:cNvPr id="2" name="CaixaDeTexto 1">
+            <a:extLst>
+              <a:ext uri="{FF2B5EF4-FFF2-40B4-BE49-F238E27FC236}">
+                <a16:creationId xmlns:a16="http://schemas.microsoft.com/office/drawing/2014/main" id="{43A85F8D-7356-3BC2-B12C-F9F9DB4D0128}"/>
+              </a:ext>
+            </a:extLst>
+          </p:cNvPr>
+          <p:cNvSpPr txBox="1"/>
+          <p:nvPr/>
+        </p:nvSpPr>
+        <p:spPr>
+          <a:xfrm>
+            <a:off x="1191800" y="236463"/>
+            <a:ext cx="8495125" cy="461665"/>
+          </a:xfrm>
+          <a:prstGeom prst="rect">
+            <a:avLst/>
+          </a:prstGeom>
+          <a:noFill/>
+        </p:spPr>
+        <p:txBody>
+          <a:bodyPr wrap="square" rtlCol="0">
+            <a:spAutoFit/>
+          </a:bodyPr>
+          <a:lstStyle/>
+          <a:p>
+            <a:r>
+              <a:rPr lang="pt-BR" sz="2400" b="1" dirty="0"/>
+              <a:t>Comparação dos métodos (</a:t>
+            </a:r>
+            <a:r>
+              <a:rPr lang="pt-BR" sz="2400" b="1" dirty="0" err="1"/>
+              <a:t>HotpotQA</a:t>
+            </a:r>
+            <a:r>
+              <a:rPr lang="pt-BR" sz="2400" b="1" dirty="0"/>
+              <a:t>)</a:t>
+            </a:r>
+          </a:p>
+        </p:txBody>
+      </p:sp>
       <p:pic>
         <p:nvPicPr>
-          <p:cNvPr id="5" name="Imagem 4">
-            <a:extLst>
-              <a:ext uri="{FF2B5EF4-FFF2-40B4-BE49-F238E27FC236}">
-                <a16:creationId xmlns:a16="http://schemas.microsoft.com/office/drawing/2014/main" id="{2EA3C5DF-ECF0-913D-09D0-71618664345B}"/>
+          <p:cNvPr id="4" name="Imagem 3">
+            <a:extLst>
+              <a:ext uri="{FF2B5EF4-FFF2-40B4-BE49-F238E27FC236}">
+                <a16:creationId xmlns:a16="http://schemas.microsoft.com/office/drawing/2014/main" id="{39232C09-17D1-443F-9F64-8C7382AB6E77}"/>
               </a:ext>
             </a:extLst>
           </p:cNvPr>
@@ -4001,8 +5196,8 @@
         </p:blipFill>
         <p:spPr>
           <a:xfrm>
-            <a:off x="556437" y="730741"/>
-            <a:ext cx="11079121" cy="4858428"/>
+            <a:off x="1191800" y="917462"/>
+            <a:ext cx="10127559" cy="3764810"/>
           </a:xfrm>
           <a:prstGeom prst="rect">
             <a:avLst/>
@@ -4011,10 +5206,10 @@
       </p:pic>
       <p:sp>
         <p:nvSpPr>
-          <p:cNvPr id="9" name="CaixaDeTexto 8">
-            <a:extLst>
-              <a:ext uri="{FF2B5EF4-FFF2-40B4-BE49-F238E27FC236}">
-                <a16:creationId xmlns:a16="http://schemas.microsoft.com/office/drawing/2014/main" id="{A74C7075-26FF-D42F-777A-DC7F320F527B}"/>
+          <p:cNvPr id="6" name="CaixaDeTexto 5">
+            <a:extLst>
+              <a:ext uri="{FF2B5EF4-FFF2-40B4-BE49-F238E27FC236}">
+                <a16:creationId xmlns:a16="http://schemas.microsoft.com/office/drawing/2014/main" id="{FA31BAB3-F622-9817-B2BF-B3007C431BB7}"/>
               </a:ext>
             </a:extLst>
           </p:cNvPr>
@@ -4023,8 +5218,8 @@
         </p:nvSpPr>
         <p:spPr>
           <a:xfrm>
-            <a:off x="872633" y="5635335"/>
-            <a:ext cx="10446727" cy="646331"/>
+            <a:off x="1191800" y="4551467"/>
+            <a:ext cx="4171949" cy="261610"/>
           </a:xfrm>
           <a:prstGeom prst="rect">
             <a:avLst/>
@@ -4032,51 +5227,30 @@
           <a:noFill/>
         </p:spPr>
         <p:txBody>
-          <a:bodyPr wrap="square">
+          <a:bodyPr wrap="square" rtlCol="0">
             <a:spAutoFit/>
           </a:bodyPr>
           <a:lstStyle/>
           <a:p>
             <a:r>
-              <a:rPr lang="pt-BR" b="0" i="0" dirty="0">
+              <a:rPr lang="pt-BR" sz="1100">
                 <a:solidFill>
-                  <a:srgbClr val="1A1A1A"/>
+                  <a:schemeClr val="bg1">
+                    <a:lumMod val="50000"/>
+                  </a:schemeClr>
                 </a:solidFill>
-                <a:effectLst/>
-                <a:latin typeface="Source Sans 3"/>
-              </a:rPr>
-              <a:t>omitimos exemplos de contexto no prompt e mostramos apenas as trajetórias de resolução de tarefas geradas pelo modelo (Ação, Pensamento) e pelo ambiente (</a:t>
-            </a:r>
-            <a:r>
-              <a:rPr lang="pt-BR" b="0" i="0" dirty="0" err="1">
-                <a:solidFill>
-                  <a:srgbClr val="1A1A1A"/>
-                </a:solidFill>
-                <a:effectLst/>
-                <a:latin typeface="Source Sans 3"/>
-              </a:rPr>
-              <a:t>Obs</a:t>
-            </a:r>
-            <a:r>
-              <a:rPr lang="pt-BR" b="0" i="0" dirty="0">
-                <a:solidFill>
-                  <a:srgbClr val="1A1A1A"/>
-                </a:solidFill>
-                <a:effectLst/>
-                <a:latin typeface="Source Sans 3"/>
-              </a:rPr>
-              <a:t>).</a:t>
-            </a:r>
-            <a:endParaRPr lang="pt-BR" dirty="0"/>
-          </a:p>
-        </p:txBody>
-      </p:sp>
-      <p:sp>
-        <p:nvSpPr>
-          <p:cNvPr id="11" name="CaixaDeTexto 10">
-            <a:extLst>
-              <a:ext uri="{FF2B5EF4-FFF2-40B4-BE49-F238E27FC236}">
-                <a16:creationId xmlns:a16="http://schemas.microsoft.com/office/drawing/2014/main" id="{B2968DD0-8A65-9E17-A257-1890F6D11257}"/>
+              </a:rPr>
+              <a:t>Fonte: REACT-LM (2023)</a:t>
+            </a:r>
+          </a:p>
+        </p:txBody>
+      </p:sp>
+      <p:sp>
+        <p:nvSpPr>
+          <p:cNvPr id="7" name="CaixaDeTexto 6">
+            <a:extLst>
+              <a:ext uri="{FF2B5EF4-FFF2-40B4-BE49-F238E27FC236}">
+                <a16:creationId xmlns:a16="http://schemas.microsoft.com/office/drawing/2014/main" id="{63939C0F-8BC9-3126-FD82-6BF33EC1A1F9}"/>
               </a:ext>
             </a:extLst>
           </p:cNvPr>
@@ -4085,8 +5259,8 @@
         </p:nvSpPr>
         <p:spPr>
           <a:xfrm>
-            <a:off x="556437" y="361409"/>
-            <a:ext cx="10446727" cy="369332"/>
+            <a:off x="1191800" y="4905407"/>
+            <a:ext cx="4904200" cy="1477328"/>
           </a:xfrm>
           <a:prstGeom prst="rect">
             <a:avLst/>
@@ -4094,44 +5268,172 @@
           <a:noFill/>
         </p:spPr>
         <p:txBody>
-          <a:bodyPr wrap="square">
+          <a:bodyPr wrap="square" rtlCol="0">
             <a:spAutoFit/>
           </a:bodyPr>
           <a:lstStyle/>
           <a:p>
-            <a:r>
-              <a:rPr lang="pt-BR" b="0" i="0" dirty="0">
+            <a:pPr marL="285750" indent="-285750">
+              <a:buFont typeface="Arial" panose="020B0604020202020204" pitchFamily="34" charset="0"/>
+              <a:buChar char="•"/>
+            </a:pPr>
+            <a:r>
+              <a:rPr lang="pt-BR" b="1" err="1"/>
+              <a:t>Reason</a:t>
+            </a:r>
+            <a:r>
+              <a:rPr lang="pt-BR" b="1"/>
+              <a:t> </a:t>
+            </a:r>
+            <a:r>
+              <a:rPr lang="pt-BR" b="1" err="1"/>
+              <a:t>only</a:t>
+            </a:r>
+            <a:r>
+              <a:rPr lang="pt-BR" b="1"/>
+              <a:t>: </a:t>
+            </a:r>
+            <a:r>
+              <a:rPr lang="pt-BR"/>
+              <a:t>sofre com desinformação por depender apenas do conhecimento interno.</a:t>
+            </a:r>
+          </a:p>
+          <a:p>
+            <a:pPr marL="285750" indent="-285750">
+              <a:buFont typeface="Arial" panose="020B0604020202020204" pitchFamily="34" charset="0"/>
+              <a:buChar char="•"/>
+            </a:pPr>
+            <a:endParaRPr lang="pt-BR" b="1"/>
+          </a:p>
+          <a:p>
+            <a:pPr marL="285750" indent="-285750">
+              <a:buFont typeface="Arial" panose="020B0604020202020204" pitchFamily="34" charset="0"/>
+              <a:buChar char="•"/>
+            </a:pPr>
+            <a:r>
+              <a:rPr lang="pt-BR" b="1" err="1"/>
+              <a:t>Act</a:t>
+            </a:r>
+            <a:r>
+              <a:rPr lang="pt-BR" b="1"/>
+              <a:t> </a:t>
+            </a:r>
+            <a:r>
+              <a:rPr lang="pt-BR" b="1" err="1"/>
+              <a:t>only</a:t>
+            </a:r>
+            <a:r>
+              <a:rPr lang="pt-BR" b="1"/>
+              <a:t>: </a:t>
+            </a:r>
+            <a:r>
+              <a:rPr lang="pt-BR"/>
+              <a:t>não consegue responder sem raciocínio, mesmo com boas observações.</a:t>
+            </a:r>
+          </a:p>
+        </p:txBody>
+      </p:sp>
+      <p:sp>
+        <p:nvSpPr>
+          <p:cNvPr id="12" name="CaixaDeTexto 11">
+            <a:extLst>
+              <a:ext uri="{FF2B5EF4-FFF2-40B4-BE49-F238E27FC236}">
+                <a16:creationId xmlns:a16="http://schemas.microsoft.com/office/drawing/2014/main" id="{A7D67799-9CAC-FBB7-9495-130523523207}"/>
+              </a:ext>
+            </a:extLst>
+          </p:cNvPr>
+          <p:cNvSpPr txBox="1"/>
+          <p:nvPr/>
+        </p:nvSpPr>
+        <p:spPr>
+          <a:xfrm>
+            <a:off x="6341305" y="4901638"/>
+            <a:ext cx="4904201" cy="646331"/>
+          </a:xfrm>
+          <a:prstGeom prst="rect">
+            <a:avLst/>
+          </a:prstGeom>
+          <a:noFill/>
+        </p:spPr>
+        <p:txBody>
+          <a:bodyPr wrap="square" rtlCol="0">
+            <a:spAutoFit/>
+          </a:bodyPr>
+          <a:lstStyle/>
+          <a:p>
+            <a:pPr marL="285750" indent="-285750">
+              <a:buFont typeface="Arial" panose="020B0604020202020204" pitchFamily="34" charset="0"/>
+              <a:buChar char="•"/>
+            </a:pPr>
+            <a:r>
+              <a:rPr lang="pt-BR" b="1" err="1"/>
+              <a:t>ReAct</a:t>
+            </a:r>
+            <a:r>
+              <a:rPr lang="pt-BR" b="1"/>
+              <a:t>: </a:t>
+            </a:r>
+            <a:r>
+              <a:rPr lang="pt-BR"/>
+              <a:t>combina os dois e resolve a tarefa com precisão e clareza.</a:t>
+            </a:r>
+          </a:p>
+        </p:txBody>
+      </p:sp>
+      <p:sp>
+        <p:nvSpPr>
+          <p:cNvPr id="3" name="CaixaDeTexto 2">
+            <a:extLst>
+              <a:ext uri="{FF2B5EF4-FFF2-40B4-BE49-F238E27FC236}">
+                <a16:creationId xmlns:a16="http://schemas.microsoft.com/office/drawing/2014/main" id="{670A7824-C40B-93B6-1AE3-FC5F4286414D}"/>
+              </a:ext>
+            </a:extLst>
+          </p:cNvPr>
+          <p:cNvSpPr txBox="1"/>
+          <p:nvPr/>
+        </p:nvSpPr>
+        <p:spPr>
+          <a:xfrm>
+            <a:off x="1191799" y="740492"/>
+            <a:ext cx="6047201" cy="261610"/>
+          </a:xfrm>
+          <a:prstGeom prst="rect">
+            <a:avLst/>
+          </a:prstGeom>
+          <a:noFill/>
+        </p:spPr>
+        <p:txBody>
+          <a:bodyPr wrap="square" rtlCol="0">
+            <a:spAutoFit/>
+          </a:bodyPr>
+          <a:lstStyle/>
+          <a:p>
+            <a:r>
+              <a:rPr lang="pt-BR" sz="1100">
                 <a:solidFill>
-                  <a:srgbClr val="1A1A1A"/>
+                  <a:schemeClr val="bg1">
+                    <a:lumMod val="50000"/>
+                  </a:schemeClr>
                 </a:solidFill>
-                <a:effectLst/>
-                <a:latin typeface="Source Sans 3"/>
-              </a:rPr>
-              <a:t>Compara</a:t>
-            </a:r>
-            <a:r>
-              <a:rPr lang="pt-BR" dirty="0">
+              </a:rPr>
+              <a:t>Figura: Comparação nas etapas de decisão dos métodos de </a:t>
+            </a:r>
+            <a:r>
+              <a:rPr lang="pt-BR" sz="1100" err="1">
                 <a:solidFill>
-                  <a:srgbClr val="1A1A1A"/>
+                  <a:schemeClr val="bg1">
+                    <a:lumMod val="50000"/>
+                  </a:schemeClr>
                 </a:solidFill>
-                <a:latin typeface="Source Sans 3"/>
-              </a:rPr>
-              <a:t>ção das técnicas de </a:t>
-            </a:r>
-            <a:r>
-              <a:rPr lang="pt-BR" dirty="0" err="1">
-                <a:solidFill>
-                  <a:srgbClr val="1A1A1A"/>
-                </a:solidFill>
-                <a:latin typeface="Source Sans 3"/>
               </a:rPr>
               <a:t>prompting</a:t>
             </a:r>
-            <a:endParaRPr lang="pt-BR" dirty="0">
+            <a:endParaRPr lang="pt-BR" sz="1100">
               <a:solidFill>
-                <a:srgbClr val="1A1A1A"/>
+                <a:schemeClr val="bg1">
+                  <a:lumMod val="50000"/>
+                </a:schemeClr>
               </a:solidFill>
-              <a:latin typeface="Source Sans 3"/>
             </a:endParaRPr>
           </a:p>
         </p:txBody>
@@ -4139,7 +5441,7 @@
     </p:spTree>
     <p:extLst>
       <p:ext uri="{BB962C8B-B14F-4D97-AF65-F5344CB8AC3E}">
-        <p14:creationId xmlns:p14="http://schemas.microsoft.com/office/powerpoint/2010/main" val="3916226237"/>
+        <p14:creationId xmlns:p14="http://schemas.microsoft.com/office/powerpoint/2010/main" val="1062806613"/>
       </p:ext>
     </p:extLst>
   </p:cSld>
@@ -4157,7 +5459,7 @@
         <p:cNvPr id="1" name="">
           <a:extLst>
             <a:ext uri="{FF2B5EF4-FFF2-40B4-BE49-F238E27FC236}">
-              <a16:creationId xmlns:a16="http://schemas.microsoft.com/office/drawing/2014/main" id="{56225318-6C32-F62A-5CDD-DB0532DF55D6}"/>
+              <a16:creationId xmlns:a16="http://schemas.microsoft.com/office/drawing/2014/main" id="{4CD33BBF-575D-EC8B-0034-850B0F578298}"/>
             </a:ext>
           </a:extLst>
         </p:cNvPr>
@@ -4174,10 +5476,10 @@
       </p:grpSpPr>
       <p:sp>
         <p:nvSpPr>
-          <p:cNvPr id="11" name="CaixaDeTexto 10">
-            <a:extLst>
-              <a:ext uri="{FF2B5EF4-FFF2-40B4-BE49-F238E27FC236}">
-                <a16:creationId xmlns:a16="http://schemas.microsoft.com/office/drawing/2014/main" id="{BE29F230-F510-3E64-9DA8-7FD187DF659B}"/>
+          <p:cNvPr id="2" name="CaixaDeTexto 1">
+            <a:extLst>
+              <a:ext uri="{FF2B5EF4-FFF2-40B4-BE49-F238E27FC236}">
+                <a16:creationId xmlns:a16="http://schemas.microsoft.com/office/drawing/2014/main" id="{031C9F18-4F23-7A09-088F-B0A5C9790807}"/>
               </a:ext>
             </a:extLst>
           </p:cNvPr>
@@ -4186,8 +5488,8 @@
         </p:nvSpPr>
         <p:spPr>
           <a:xfrm>
-            <a:off x="556437" y="361409"/>
-            <a:ext cx="10446727" cy="369332"/>
+            <a:off x="1191800" y="236463"/>
+            <a:ext cx="8495125" cy="461665"/>
           </a:xfrm>
           <a:prstGeom prst="rect">
             <a:avLst/>
@@ -4195,54 +5497,73 @@
           <a:noFill/>
         </p:spPr>
         <p:txBody>
-          <a:bodyPr wrap="square">
+          <a:bodyPr wrap="square" rtlCol="0">
             <a:spAutoFit/>
           </a:bodyPr>
           <a:lstStyle/>
           <a:p>
             <a:r>
-              <a:rPr lang="pt-BR" b="0" i="0" dirty="0">
+              <a:rPr lang="pt-BR" sz="2400" b="1"/>
+              <a:t>Resultados (</a:t>
+            </a:r>
+            <a:r>
+              <a:rPr lang="pt-BR" sz="2400" b="1" err="1"/>
+              <a:t>HotpotQA</a:t>
+            </a:r>
+            <a:r>
+              <a:rPr lang="pt-BR" sz="2400" b="1"/>
+              <a:t>)</a:t>
+            </a:r>
+          </a:p>
+        </p:txBody>
+      </p:sp>
+      <p:sp>
+        <p:nvSpPr>
+          <p:cNvPr id="6" name="CaixaDeTexto 5">
+            <a:extLst>
+              <a:ext uri="{FF2B5EF4-FFF2-40B4-BE49-F238E27FC236}">
+                <a16:creationId xmlns:a16="http://schemas.microsoft.com/office/drawing/2014/main" id="{40A84A7C-C59A-34C8-F997-109F7A9D14BD}"/>
+              </a:ext>
+            </a:extLst>
+          </p:cNvPr>
+          <p:cNvSpPr txBox="1"/>
+          <p:nvPr/>
+        </p:nvSpPr>
+        <p:spPr>
+          <a:xfrm>
+            <a:off x="1191800" y="5389543"/>
+            <a:ext cx="4171949" cy="261610"/>
+          </a:xfrm>
+          <a:prstGeom prst="rect">
+            <a:avLst/>
+          </a:prstGeom>
+          <a:noFill/>
+        </p:spPr>
+        <p:txBody>
+          <a:bodyPr wrap="square" rtlCol="0">
+            <a:spAutoFit/>
+          </a:bodyPr>
+          <a:lstStyle/>
+          <a:p>
+            <a:r>
+              <a:rPr lang="pt-BR" sz="1100">
                 <a:solidFill>
-                  <a:srgbClr val="1A1A1A"/>
+                  <a:schemeClr val="bg1">
+                    <a:lumMod val="50000"/>
+                  </a:schemeClr>
                 </a:solidFill>
-                <a:effectLst/>
-                <a:latin typeface="Source Sans 3"/>
-              </a:rPr>
-              <a:t>Compara</a:t>
-            </a:r>
-            <a:r>
-              <a:rPr lang="pt-BR" dirty="0">
-                <a:solidFill>
-                  <a:srgbClr val="1A1A1A"/>
-                </a:solidFill>
-                <a:latin typeface="Source Sans 3"/>
-              </a:rPr>
-              <a:t>ção das técnicas de </a:t>
-            </a:r>
-            <a:r>
-              <a:rPr lang="pt-BR" dirty="0" err="1">
-                <a:solidFill>
-                  <a:srgbClr val="1A1A1A"/>
-                </a:solidFill>
-                <a:latin typeface="Source Sans 3"/>
-              </a:rPr>
-              <a:t>prompting</a:t>
-            </a:r>
-            <a:endParaRPr lang="pt-BR" dirty="0">
-              <a:solidFill>
-                <a:srgbClr val="1A1A1A"/>
-              </a:solidFill>
-              <a:latin typeface="Source Sans 3"/>
-            </a:endParaRPr>
+              </a:rPr>
+              <a:t>Fonte: YAO et al. (2022).</a:t>
+            </a:r>
           </a:p>
         </p:txBody>
       </p:sp>
       <p:pic>
         <p:nvPicPr>
-          <p:cNvPr id="3" name="Imagem 2">
-            <a:extLst>
-              <a:ext uri="{FF2B5EF4-FFF2-40B4-BE49-F238E27FC236}">
-                <a16:creationId xmlns:a16="http://schemas.microsoft.com/office/drawing/2014/main" id="{A3B3FFB5-0D64-3D42-B249-A3557644408C}"/>
+          <p:cNvPr id="5" name="Imagem 4">
+            <a:extLst>
+              <a:ext uri="{FF2B5EF4-FFF2-40B4-BE49-F238E27FC236}">
+                <a16:creationId xmlns:a16="http://schemas.microsoft.com/office/drawing/2014/main" id="{8CCCE832-DF7D-7E8F-76C5-9E65106AAE88}"/>
               </a:ext>
             </a:extLst>
           </p:cNvPr>
@@ -4259,8 +5580,8 @@
         </p:blipFill>
         <p:spPr>
           <a:xfrm>
-            <a:off x="174132" y="1352328"/>
-            <a:ext cx="4696480" cy="3181794"/>
+            <a:off x="1191800" y="1468456"/>
+            <a:ext cx="9808400" cy="3921087"/>
           </a:xfrm>
           <a:prstGeom prst="rect">
             <a:avLst/>
@@ -4269,10 +5590,10 @@
       </p:pic>
       <p:sp>
         <p:nvSpPr>
-          <p:cNvPr id="6" name="CaixaDeTexto 5">
-            <a:extLst>
-              <a:ext uri="{FF2B5EF4-FFF2-40B4-BE49-F238E27FC236}">
-                <a16:creationId xmlns:a16="http://schemas.microsoft.com/office/drawing/2014/main" id="{3DE7C337-112C-C033-44F9-7C262E5CD608}"/>
+          <p:cNvPr id="10" name="CaixaDeTexto 9">
+            <a:extLst>
+              <a:ext uri="{FF2B5EF4-FFF2-40B4-BE49-F238E27FC236}">
+                <a16:creationId xmlns:a16="http://schemas.microsoft.com/office/drawing/2014/main" id="{0371FA83-FC6B-B97A-747D-EE665D802049}"/>
               </a:ext>
             </a:extLst>
           </p:cNvPr>
@@ -4281,8 +5602,8 @@
         </p:nvSpPr>
         <p:spPr>
           <a:xfrm>
-            <a:off x="406069" y="4981797"/>
-            <a:ext cx="4232606" cy="646331"/>
+            <a:off x="1191800" y="1206846"/>
+            <a:ext cx="6437726" cy="261610"/>
           </a:xfrm>
           <a:prstGeom prst="rect">
             <a:avLst/>
@@ -4290,338 +5611,75 @@
           <a:noFill/>
         </p:spPr>
         <p:txBody>
-          <a:bodyPr wrap="square">
+          <a:bodyPr wrap="square" rtlCol="0">
             <a:spAutoFit/>
           </a:bodyPr>
           <a:lstStyle/>
           <a:p>
             <a:r>
-              <a:rPr lang="en-US" dirty="0"/>
-              <a:t>Table 1: PaLM-540B prompting results on </a:t>
-            </a:r>
-            <a:r>
-              <a:rPr lang="en-US" dirty="0" err="1"/>
-              <a:t>HotpotQA</a:t>
-            </a:r>
-            <a:r>
-              <a:rPr lang="en-US" dirty="0"/>
-              <a:t> and Fever. </a:t>
-            </a:r>
-            <a:endParaRPr lang="pt-BR" dirty="0"/>
-          </a:p>
-        </p:txBody>
-      </p:sp>
-      <p:sp>
-        <p:nvSpPr>
-          <p:cNvPr id="8" name="CaixaDeTexto 7">
-            <a:extLst>
-              <a:ext uri="{FF2B5EF4-FFF2-40B4-BE49-F238E27FC236}">
-                <a16:creationId xmlns:a16="http://schemas.microsoft.com/office/drawing/2014/main" id="{462CE252-986B-142D-F850-6F6052DC9FBC}"/>
-              </a:ext>
-            </a:extLst>
-          </p:cNvPr>
-          <p:cNvSpPr txBox="1"/>
-          <p:nvPr/>
-        </p:nvSpPr>
-        <p:spPr>
-          <a:xfrm>
-            <a:off x="5114925" y="361409"/>
-            <a:ext cx="6364489" cy="3139321"/>
-          </a:xfrm>
-          <a:prstGeom prst="rect">
-            <a:avLst/>
-          </a:prstGeom>
-          <a:noFill/>
-        </p:spPr>
-        <p:txBody>
-          <a:bodyPr wrap="square">
-            <a:spAutoFit/>
-          </a:bodyPr>
-          <a:lstStyle/>
-          <a:p>
-            <a:pPr>
-              <a:buNone/>
-            </a:pPr>
-            <a:r>
-              <a:rPr lang="pt-BR" b="1" dirty="0"/>
-              <a:t>📘 </a:t>
-            </a:r>
-            <a:r>
-              <a:rPr lang="pt-BR" b="1" dirty="0" err="1"/>
-              <a:t>HotpotQA</a:t>
-            </a:r>
-            <a:r>
-              <a:rPr lang="pt-BR" b="1" dirty="0"/>
-              <a:t> (EM – </a:t>
-            </a:r>
-            <a:r>
-              <a:rPr lang="pt-BR" b="1" dirty="0" err="1"/>
-              <a:t>Exact</a:t>
-            </a:r>
-            <a:r>
-              <a:rPr lang="pt-BR" b="1" dirty="0"/>
-              <a:t> Match)</a:t>
-            </a:r>
-          </a:p>
-          <a:p>
-            <a:pPr>
-              <a:buFont typeface="Arial" panose="020B0604020202020204" pitchFamily="34" charset="0"/>
-              <a:buChar char="•"/>
-            </a:pPr>
-            <a:r>
-              <a:rPr lang="pt-BR" dirty="0"/>
-              <a:t>A porcentagem indica </a:t>
-            </a:r>
-            <a:r>
-              <a:rPr lang="pt-BR" b="1" dirty="0"/>
-              <a:t>quantas vezes a resposta gerada pelo modelo foi exatamente igual</a:t>
-            </a:r>
-            <a:r>
-              <a:rPr lang="pt-BR" dirty="0"/>
-              <a:t> à resposta correta esperada.</a:t>
-            </a:r>
-          </a:p>
-          <a:p>
-            <a:pPr>
-              <a:buFont typeface="Arial" panose="020B0604020202020204" pitchFamily="34" charset="0"/>
-              <a:buChar char="•"/>
-            </a:pPr>
-            <a:r>
-              <a:rPr lang="pt-BR" dirty="0"/>
-              <a:t>Exemplo:</a:t>
-            </a:r>
-          </a:p>
-          <a:p>
-            <a:pPr marL="742950" lvl="1" indent="-285750">
-              <a:buFont typeface="Arial" panose="020B0604020202020204" pitchFamily="34" charset="0"/>
-              <a:buChar char="•"/>
-            </a:pPr>
-            <a:r>
-              <a:rPr lang="pt-BR" dirty="0"/>
-              <a:t>Pergunta: </a:t>
-            </a:r>
-            <a:r>
-              <a:rPr lang="pt-BR" i="1" dirty="0"/>
-              <a:t>"Quem é o autor do livro que inspirou o filme O Nome da Rosa?"</a:t>
-            </a:r>
-            <a:endParaRPr lang="pt-BR" dirty="0"/>
-          </a:p>
-          <a:p>
-            <a:pPr marL="742950" lvl="1" indent="-285750">
-              <a:buFont typeface="Arial" panose="020B0604020202020204" pitchFamily="34" charset="0"/>
-              <a:buChar char="•"/>
-            </a:pPr>
-            <a:r>
-              <a:rPr lang="pt-BR" dirty="0"/>
-              <a:t>Resposta correta: </a:t>
-            </a:r>
-            <a:r>
-              <a:rPr lang="pt-BR" i="1" dirty="0"/>
-              <a:t>"Umberto Eco"</a:t>
-            </a:r>
-            <a:endParaRPr lang="pt-BR" dirty="0"/>
-          </a:p>
-          <a:p>
-            <a:pPr marL="742950" lvl="1" indent="-285750">
-              <a:buFont typeface="Arial" panose="020B0604020202020204" pitchFamily="34" charset="0"/>
-              <a:buChar char="•"/>
-            </a:pPr>
-            <a:r>
-              <a:rPr lang="pt-BR" dirty="0"/>
-              <a:t>Se o modelo responder exatamente isso, conta como um acerto.</a:t>
-            </a:r>
-          </a:p>
-          <a:p>
-            <a:pPr>
-              <a:buFont typeface="Arial" panose="020B0604020202020204" pitchFamily="34" charset="0"/>
-              <a:buChar char="•"/>
-            </a:pPr>
-            <a:r>
-              <a:rPr lang="pt-BR" b="1" dirty="0"/>
-              <a:t>EM de 28,7%</a:t>
-            </a:r>
-            <a:r>
-              <a:rPr lang="pt-BR" dirty="0"/>
-              <a:t> significa que o modelo acertou </a:t>
-            </a:r>
-            <a:r>
-              <a:rPr lang="pt-BR" b="1" dirty="0"/>
-              <a:t>28,7% das perguntas exatamente</a:t>
-            </a:r>
-            <a:r>
-              <a:rPr lang="pt-BR" dirty="0"/>
-              <a:t>.</a:t>
-            </a:r>
-          </a:p>
-        </p:txBody>
-      </p:sp>
-      <p:sp>
-        <p:nvSpPr>
-          <p:cNvPr id="12" name="CaixaDeTexto 11">
-            <a:extLst>
-              <a:ext uri="{FF2B5EF4-FFF2-40B4-BE49-F238E27FC236}">
-                <a16:creationId xmlns:a16="http://schemas.microsoft.com/office/drawing/2014/main" id="{9222AD5A-E910-178E-758B-220B9CA1B13E}"/>
-              </a:ext>
-            </a:extLst>
-          </p:cNvPr>
-          <p:cNvSpPr txBox="1"/>
-          <p:nvPr/>
-        </p:nvSpPr>
-        <p:spPr>
-          <a:xfrm>
-            <a:off x="5249169" y="3718679"/>
-            <a:ext cx="6096000" cy="3139321"/>
-          </a:xfrm>
-          <a:prstGeom prst="rect">
-            <a:avLst/>
-          </a:prstGeom>
-          <a:noFill/>
-        </p:spPr>
-        <p:txBody>
-          <a:bodyPr wrap="square">
-            <a:spAutoFit/>
-          </a:bodyPr>
-          <a:lstStyle/>
-          <a:p>
-            <a:pPr>
-              <a:buNone/>
-            </a:pPr>
-            <a:r>
-              <a:rPr lang="pt-BR" b="1" dirty="0"/>
-              <a:t>📙 FEVER (</a:t>
-            </a:r>
-            <a:r>
-              <a:rPr lang="pt-BR" b="1" dirty="0" err="1"/>
-              <a:t>Acc</a:t>
-            </a:r>
-            <a:r>
-              <a:rPr lang="pt-BR" b="1" dirty="0"/>
-              <a:t> – </a:t>
-            </a:r>
-            <a:r>
-              <a:rPr lang="pt-BR" b="1" dirty="0" err="1"/>
-              <a:t>Accuracy</a:t>
-            </a:r>
-            <a:r>
-              <a:rPr lang="pt-BR" b="1" dirty="0"/>
-              <a:t>)</a:t>
-            </a:r>
-          </a:p>
-          <a:p>
-            <a:pPr>
-              <a:buFont typeface="Arial" panose="020B0604020202020204" pitchFamily="34" charset="0"/>
-              <a:buChar char="•"/>
-            </a:pPr>
-            <a:r>
-              <a:rPr lang="pt-BR" dirty="0"/>
-              <a:t>A porcentagem mostra </a:t>
-            </a:r>
-            <a:r>
-              <a:rPr lang="pt-BR" b="1" dirty="0"/>
-              <a:t>a taxa de acerto do modelo ao verificar afirmações</a:t>
-            </a:r>
-            <a:r>
-              <a:rPr lang="pt-BR" dirty="0"/>
-              <a:t> com base na Wikipédia.</a:t>
-            </a:r>
-          </a:p>
-          <a:p>
-            <a:pPr>
-              <a:buFont typeface="Arial" panose="020B0604020202020204" pitchFamily="34" charset="0"/>
-              <a:buChar char="•"/>
-            </a:pPr>
-            <a:r>
-              <a:rPr lang="pt-BR" dirty="0"/>
-              <a:t>A tarefa é: </a:t>
-            </a:r>
-            <a:r>
-              <a:rPr lang="pt-BR" i="1" dirty="0"/>
-              <a:t>“Essa afirmação é suportada ou refutada por evidências?”</a:t>
-            </a:r>
-            <a:endParaRPr lang="pt-BR" dirty="0"/>
-          </a:p>
-          <a:p>
-            <a:pPr>
-              <a:buFont typeface="Arial" panose="020B0604020202020204" pitchFamily="34" charset="0"/>
-              <a:buChar char="•"/>
-            </a:pPr>
-            <a:r>
-              <a:rPr lang="pt-BR" dirty="0"/>
-              <a:t>Exemplo:</a:t>
-            </a:r>
-          </a:p>
-          <a:p>
-            <a:pPr marL="742950" lvl="1" indent="-285750">
-              <a:buFont typeface="Arial" panose="020B0604020202020204" pitchFamily="34" charset="0"/>
-              <a:buChar char="•"/>
-            </a:pPr>
-            <a:r>
-              <a:rPr lang="pt-BR" dirty="0"/>
-              <a:t>Afirmação: </a:t>
-            </a:r>
-            <a:r>
-              <a:rPr lang="pt-BR" i="1" dirty="0"/>
-              <a:t>"A Lua é maior que a Terra."</a:t>
-            </a:r>
-            <a:endParaRPr lang="pt-BR" dirty="0"/>
-          </a:p>
-          <a:p>
-            <a:pPr marL="742950" lvl="1" indent="-285750">
-              <a:buFont typeface="Arial" panose="020B0604020202020204" pitchFamily="34" charset="0"/>
-              <a:buChar char="•"/>
-            </a:pPr>
-            <a:r>
-              <a:rPr lang="pt-BR" dirty="0"/>
-              <a:t>Modelo precisa dizer: </a:t>
-            </a:r>
-            <a:r>
-              <a:rPr lang="pt-BR" b="1" dirty="0"/>
-              <a:t>“Refutada”</a:t>
-            </a:r>
-            <a:endParaRPr lang="pt-BR" dirty="0"/>
-          </a:p>
-          <a:p>
-            <a:pPr marL="742950" lvl="1" indent="-285750">
-              <a:buFont typeface="Arial" panose="020B0604020202020204" pitchFamily="34" charset="0"/>
-              <a:buChar char="•"/>
-            </a:pPr>
-            <a:r>
-              <a:rPr lang="pt-BR" dirty="0"/>
-              <a:t>Se acertar, conta como um ponto.</a:t>
-            </a:r>
-          </a:p>
-          <a:p>
-            <a:pPr>
-              <a:buFont typeface="Arial" panose="020B0604020202020204" pitchFamily="34" charset="0"/>
-              <a:buChar char="•"/>
-            </a:pPr>
-            <a:r>
-              <a:rPr lang="pt-BR" b="1" dirty="0" err="1"/>
-              <a:t>Acc</a:t>
-            </a:r>
-            <a:r>
-              <a:rPr lang="pt-BR" b="1" dirty="0"/>
-              <a:t> de 60,9%</a:t>
-            </a:r>
-            <a:r>
-              <a:rPr lang="pt-BR" dirty="0"/>
-              <a:t> significa que o modelo tomou </a:t>
-            </a:r>
-            <a:r>
-              <a:rPr lang="pt-BR" b="1" dirty="0"/>
-              <a:t>a decisão correta em 60,9% das afirmações</a:t>
-            </a:r>
-            <a:r>
-              <a:rPr lang="pt-BR" dirty="0"/>
-              <a:t>.</a:t>
-            </a:r>
+              <a:rPr lang="en-US" sz="1100">
+                <a:solidFill>
+                  <a:schemeClr val="bg1">
+                    <a:lumMod val="50000"/>
+                  </a:schemeClr>
+                </a:solidFill>
+              </a:rPr>
+              <a:t>Figure: Scaling results for prompting and finetuning on </a:t>
+            </a:r>
+            <a:r>
+              <a:rPr lang="en-US" sz="1100" err="1">
+                <a:solidFill>
+                  <a:schemeClr val="bg1">
+                    <a:lumMod val="50000"/>
+                  </a:schemeClr>
+                </a:solidFill>
+              </a:rPr>
+              <a:t>HotPotQA</a:t>
+            </a:r>
+            <a:r>
+              <a:rPr lang="en-US" sz="1100">
+                <a:solidFill>
+                  <a:schemeClr val="bg1">
+                    <a:lumMod val="50000"/>
+                  </a:schemeClr>
+                </a:solidFill>
+              </a:rPr>
+              <a:t> with </a:t>
+            </a:r>
+            <a:r>
+              <a:rPr lang="en-US" sz="1100" err="1">
+                <a:solidFill>
+                  <a:schemeClr val="bg1">
+                    <a:lumMod val="50000"/>
+                  </a:schemeClr>
+                </a:solidFill>
+              </a:rPr>
+              <a:t>ReAct</a:t>
+            </a:r>
+            <a:r>
+              <a:rPr lang="en-US" sz="1100">
+                <a:solidFill>
+                  <a:schemeClr val="bg1">
+                    <a:lumMod val="50000"/>
+                  </a:schemeClr>
+                </a:solidFill>
+              </a:rPr>
+              <a:t> (ours) and baselines.</a:t>
+            </a:r>
+            <a:endParaRPr lang="pt-BR" sz="1100">
+              <a:solidFill>
+                <a:schemeClr val="bg1">
+                  <a:lumMod val="50000"/>
+                </a:schemeClr>
+              </a:solidFill>
+            </a:endParaRPr>
           </a:p>
         </p:txBody>
       </p:sp>
     </p:spTree>
     <p:extLst>
       <p:ext uri="{BB962C8B-B14F-4D97-AF65-F5344CB8AC3E}">
-        <p14:creationId xmlns:p14="http://schemas.microsoft.com/office/powerpoint/2010/main" val="2267162253"/>
+        <p14:creationId xmlns:p14="http://schemas.microsoft.com/office/powerpoint/2010/main" val="466333930"/>
       </p:ext>
     </p:extLst>
   </p:cSld>
@@ -4639,7 +5697,7 @@
         <p:cNvPr id="1" name="">
           <a:extLst>
             <a:ext uri="{FF2B5EF4-FFF2-40B4-BE49-F238E27FC236}">
-              <a16:creationId xmlns:a16="http://schemas.microsoft.com/office/drawing/2014/main" id="{4FB22224-EE1A-57F8-40B7-9A0D8BF03A14}"/>
+              <a16:creationId xmlns:a16="http://schemas.microsoft.com/office/drawing/2014/main" id="{FFC2B0E9-D960-CE6D-046B-D207493C01BB}"/>
             </a:ext>
           </a:extLst>
         </p:cNvPr>
@@ -4654,681 +5712,12 @@
           <a:chExt cx="0" cy="0"/>
         </a:xfrm>
       </p:grpSpPr>
-      <p:graphicFrame>
-        <p:nvGraphicFramePr>
-          <p:cNvPr id="10" name="Tabela 9">
-            <a:extLst>
-              <a:ext uri="{FF2B5EF4-FFF2-40B4-BE49-F238E27FC236}">
-                <a16:creationId xmlns:a16="http://schemas.microsoft.com/office/drawing/2014/main" id="{43907C50-8E87-E3F4-4B99-D055BF8032C8}"/>
-              </a:ext>
-            </a:extLst>
-          </p:cNvPr>
-          <p:cNvGraphicFramePr>
-            <a:graphicFrameLocks noGrp="1"/>
-          </p:cNvGraphicFramePr>
-          <p:nvPr>
-            <p:extLst>
-              <p:ext uri="{D42A27DB-BD31-4B8C-83A1-F6EECF244321}">
-                <p14:modId xmlns:p14="http://schemas.microsoft.com/office/powerpoint/2010/main" val="4067736552"/>
-              </p:ext>
-            </p:extLst>
-          </p:nvPr>
-        </p:nvGraphicFramePr>
-        <p:xfrm>
-          <a:off x="1162260" y="1253331"/>
-          <a:ext cx="9867480" cy="4351338"/>
-        </p:xfrm>
-        <a:graphic>
-          <a:graphicData uri="http://schemas.openxmlformats.org/drawingml/2006/table">
-            <a:tbl>
-              <a:tblPr/>
-              <a:tblGrid>
-                <a:gridCol w="2466870">
-                  <a:extLst>
-                    <a:ext uri="{9D8B030D-6E8A-4147-A177-3AD203B41FA5}">
-                      <a16:colId xmlns:a16="http://schemas.microsoft.com/office/drawing/2014/main" val="3042119279"/>
-                    </a:ext>
-                  </a:extLst>
-                </a:gridCol>
-                <a:gridCol w="2466870">
-                  <a:extLst>
-                    <a:ext uri="{9D8B030D-6E8A-4147-A177-3AD203B41FA5}">
-                      <a16:colId xmlns:a16="http://schemas.microsoft.com/office/drawing/2014/main" val="608648821"/>
-                    </a:ext>
-                  </a:extLst>
-                </a:gridCol>
-                <a:gridCol w="2466870">
-                  <a:extLst>
-                    <a:ext uri="{9D8B030D-6E8A-4147-A177-3AD203B41FA5}">
-                      <a16:colId xmlns:a16="http://schemas.microsoft.com/office/drawing/2014/main" val="1739692633"/>
-                    </a:ext>
-                  </a:extLst>
-                </a:gridCol>
-                <a:gridCol w="2466870">
-                  <a:extLst>
-                    <a:ext uri="{9D8B030D-6E8A-4147-A177-3AD203B41FA5}">
-                      <a16:colId xmlns:a16="http://schemas.microsoft.com/office/drawing/2014/main" val="2476074849"/>
-                    </a:ext>
-                  </a:extLst>
-                </a:gridCol>
-              </a:tblGrid>
-              <a:tr h="429005">
-                <a:tc>
-                  <a:txBody>
-                    <a:bodyPr/>
-                    <a:lstStyle/>
-                    <a:p>
-                      <a:r>
-                        <a:rPr lang="pt-BR" sz="1200"/>
-                        <a:t>Abordagem</a:t>
-                      </a:r>
-                    </a:p>
-                  </a:txBody>
-                  <a:tcPr marL="61286" marR="61286" marT="30643" marB="30643" anchor="ctr">
-                    <a:lnL>
-                      <a:noFill/>
-                    </a:lnL>
-                    <a:lnR>
-                      <a:noFill/>
-                    </a:lnR>
-                    <a:lnT>
-                      <a:noFill/>
-                    </a:lnT>
-                    <a:lnB>
-                      <a:noFill/>
-                    </a:lnB>
-                    <a:noFill/>
-                  </a:tcPr>
-                </a:tc>
-                <a:tc>
-                  <a:txBody>
-                    <a:bodyPr/>
-                    <a:lstStyle/>
-                    <a:p>
-                      <a:r>
-                        <a:rPr lang="pt-BR" sz="1200"/>
-                        <a:t>O que o agente </a:t>
-                      </a:r>
-                      <a:r>
-                        <a:rPr lang="pt-BR" sz="1200" b="1"/>
-                        <a:t>pode</a:t>
-                      </a:r>
-                      <a:r>
-                        <a:rPr lang="pt-BR" sz="1200"/>
-                        <a:t> fazer</a:t>
-                      </a:r>
-                    </a:p>
-                  </a:txBody>
-                  <a:tcPr marL="61286" marR="61286" marT="30643" marB="30643" anchor="ctr">
-                    <a:lnL>
-                      <a:noFill/>
-                    </a:lnL>
-                    <a:lnR>
-                      <a:noFill/>
-                    </a:lnR>
-                    <a:lnT>
-                      <a:noFill/>
-                    </a:lnT>
-                    <a:lnB>
-                      <a:noFill/>
-                    </a:lnB>
-                    <a:noFill/>
-                  </a:tcPr>
-                </a:tc>
-                <a:tc>
-                  <a:txBody>
-                    <a:bodyPr/>
-                    <a:lstStyle/>
-                    <a:p>
-                      <a:r>
-                        <a:rPr lang="pt-BR" sz="1200"/>
-                        <a:t>O que </a:t>
-                      </a:r>
-                      <a:r>
-                        <a:rPr lang="pt-BR" sz="1200" b="1"/>
-                        <a:t>não</a:t>
-                      </a:r>
-                      <a:r>
-                        <a:rPr lang="pt-BR" sz="1200"/>
-                        <a:t> faz</a:t>
-                      </a:r>
-                    </a:p>
-                  </a:txBody>
-                  <a:tcPr marL="61286" marR="61286" marT="30643" marB="30643" anchor="ctr">
-                    <a:lnL>
-                      <a:noFill/>
-                    </a:lnL>
-                    <a:lnR>
-                      <a:noFill/>
-                    </a:lnR>
-                    <a:lnT>
-                      <a:noFill/>
-                    </a:lnT>
-                    <a:lnB>
-                      <a:noFill/>
-                    </a:lnB>
-                    <a:noFill/>
-                  </a:tcPr>
-                </a:tc>
-                <a:tc>
-                  <a:txBody>
-                    <a:bodyPr/>
-                    <a:lstStyle/>
-                    <a:p>
-                      <a:r>
-                        <a:rPr lang="pt-BR" sz="1200"/>
-                        <a:t>Consequências práticas</a:t>
-                      </a:r>
-                    </a:p>
-                  </a:txBody>
-                  <a:tcPr marL="61286" marR="61286" marT="30643" marB="30643" anchor="ctr">
-                    <a:lnL>
-                      <a:noFill/>
-                    </a:lnL>
-                    <a:lnR>
-                      <a:noFill/>
-                    </a:lnR>
-                    <a:lnT>
-                      <a:noFill/>
-                    </a:lnT>
-                    <a:lnB>
-                      <a:noFill/>
-                    </a:lnB>
-                    <a:noFill/>
-                  </a:tcPr>
-                </a:tc>
-                <a:extLst>
-                  <a:ext uri="{0D108BD9-81ED-4DB2-BD59-A6C34878D82A}">
-                    <a16:rowId xmlns:a16="http://schemas.microsoft.com/office/drawing/2014/main" val="2063770023"/>
-                  </a:ext>
-                </a:extLst>
-              </a:tr>
-              <a:tr h="796724">
-                <a:tc>
-                  <a:txBody>
-                    <a:bodyPr/>
-                    <a:lstStyle/>
-                    <a:p>
-                      <a:r>
-                        <a:rPr lang="pt-BR" sz="1200" b="1"/>
-                        <a:t>Standard / one-shot</a:t>
-                      </a:r>
-                      <a:endParaRPr lang="pt-BR" sz="1200"/>
-                    </a:p>
-                  </a:txBody>
-                  <a:tcPr marL="61286" marR="61286" marT="30643" marB="30643" anchor="ctr">
-                    <a:lnL>
-                      <a:noFill/>
-                    </a:lnL>
-                    <a:lnR>
-                      <a:noFill/>
-                    </a:lnR>
-                    <a:lnT>
-                      <a:noFill/>
-                    </a:lnT>
-                    <a:lnB>
-                      <a:noFill/>
-                    </a:lnB>
-                    <a:noFill/>
-                  </a:tcPr>
-                </a:tc>
-                <a:tc>
-                  <a:txBody>
-                    <a:bodyPr/>
-                    <a:lstStyle/>
-                    <a:p>
-                      <a:r>
-                        <a:rPr lang="pt-BR" sz="1200" dirty="0"/>
-                        <a:t>Gera uma única resposta final.</a:t>
-                      </a:r>
-                    </a:p>
-                  </a:txBody>
-                  <a:tcPr marL="61286" marR="61286" marT="30643" marB="30643" anchor="ctr">
-                    <a:lnL>
-                      <a:noFill/>
-                    </a:lnL>
-                    <a:lnR>
-                      <a:noFill/>
-                    </a:lnR>
-                    <a:lnT>
-                      <a:noFill/>
-                    </a:lnT>
-                    <a:lnB>
-                      <a:noFill/>
-                    </a:lnB>
-                    <a:noFill/>
-                  </a:tcPr>
-                </a:tc>
-                <a:tc>
-                  <a:txBody>
-                    <a:bodyPr/>
-                    <a:lstStyle/>
-                    <a:p>
-                      <a:r>
-                        <a:rPr lang="pt-BR" sz="1200"/>
-                        <a:t>Não mostra raciocínio, não interage com ferramentas.</a:t>
-                      </a:r>
-                    </a:p>
-                  </a:txBody>
-                  <a:tcPr marL="61286" marR="61286" marT="30643" marB="30643" anchor="ctr">
-                    <a:lnL>
-                      <a:noFill/>
-                    </a:lnL>
-                    <a:lnR>
-                      <a:noFill/>
-                    </a:lnR>
-                    <a:lnT>
-                      <a:noFill/>
-                    </a:lnT>
-                    <a:lnB>
-                      <a:noFill/>
-                    </a:lnB>
-                    <a:noFill/>
-                  </a:tcPr>
-                </a:tc>
-                <a:tc>
-                  <a:txBody>
-                    <a:bodyPr/>
-                    <a:lstStyle/>
-                    <a:p>
-                      <a:r>
-                        <a:rPr lang="pt-BR" sz="1200"/>
-                        <a:t>Simples, mas falha em perguntas que exigem busca ou múltiplos passos.</a:t>
-                      </a:r>
-                    </a:p>
-                  </a:txBody>
-                  <a:tcPr marL="61286" marR="61286" marT="30643" marB="30643" anchor="ctr">
-                    <a:lnL>
-                      <a:noFill/>
-                    </a:lnL>
-                    <a:lnR>
-                      <a:noFill/>
-                    </a:lnR>
-                    <a:lnT>
-                      <a:noFill/>
-                    </a:lnT>
-                    <a:lnB>
-                      <a:noFill/>
-                    </a:lnB>
-                    <a:noFill/>
-                  </a:tcPr>
-                </a:tc>
-                <a:extLst>
-                  <a:ext uri="{0D108BD9-81ED-4DB2-BD59-A6C34878D82A}">
-                    <a16:rowId xmlns:a16="http://schemas.microsoft.com/office/drawing/2014/main" val="2407997754"/>
-                  </a:ext>
-                </a:extLst>
-              </a:tr>
-              <a:tr h="980583">
-                <a:tc>
-                  <a:txBody>
-                    <a:bodyPr/>
-                    <a:lstStyle/>
-                    <a:p>
-                      <a:r>
-                        <a:rPr lang="pt-BR" sz="1200" b="1"/>
-                        <a:t>Act-only</a:t>
-                      </a:r>
-                      <a:endParaRPr lang="pt-BR" sz="1200"/>
-                    </a:p>
-                  </a:txBody>
-                  <a:tcPr marL="61286" marR="61286" marT="30643" marB="30643" anchor="ctr">
-                    <a:lnL>
-                      <a:noFill/>
-                    </a:lnL>
-                    <a:lnR>
-                      <a:noFill/>
-                    </a:lnR>
-                    <a:lnT>
-                      <a:noFill/>
-                    </a:lnT>
-                    <a:lnB>
-                      <a:noFill/>
-                    </a:lnB>
-                    <a:noFill/>
-                  </a:tcPr>
-                </a:tc>
-                <a:tc>
-                  <a:txBody>
-                    <a:bodyPr/>
-                    <a:lstStyle/>
-                    <a:p>
-                      <a:r>
-                        <a:rPr lang="pt-BR" sz="1200"/>
-                        <a:t>Executa ações em ferramentas externas.</a:t>
-                      </a:r>
-                    </a:p>
-                  </a:txBody>
-                  <a:tcPr marL="61286" marR="61286" marT="30643" marB="30643" anchor="ctr">
-                    <a:lnL>
-                      <a:noFill/>
-                    </a:lnL>
-                    <a:lnR>
-                      <a:noFill/>
-                    </a:lnR>
-                    <a:lnT>
-                      <a:noFill/>
-                    </a:lnT>
-                    <a:lnB>
-                      <a:noFill/>
-                    </a:lnB>
-                    <a:noFill/>
-                  </a:tcPr>
-                </a:tc>
-                <a:tc>
-                  <a:txBody>
-                    <a:bodyPr/>
-                    <a:lstStyle/>
-                    <a:p>
-                      <a:r>
-                        <a:rPr lang="pt-BR" sz="1200"/>
-                        <a:t>Não expõe raciocínio (pensamento escondido).</a:t>
-                      </a:r>
-                    </a:p>
-                  </a:txBody>
-                  <a:tcPr marL="61286" marR="61286" marT="30643" marB="30643" anchor="ctr">
-                    <a:lnL>
-                      <a:noFill/>
-                    </a:lnL>
-                    <a:lnR>
-                      <a:noFill/>
-                    </a:lnR>
-                    <a:lnT>
-                      <a:noFill/>
-                    </a:lnT>
-                    <a:lnB>
-                      <a:noFill/>
-                    </a:lnB>
-                    <a:noFill/>
-                  </a:tcPr>
-                </a:tc>
-                <a:tc>
-                  <a:txBody>
-                    <a:bodyPr/>
-                    <a:lstStyle/>
-                    <a:p>
-                      <a:r>
-                        <a:rPr lang="pt-BR" sz="1200"/>
-                        <a:t>Pode coletar dados, mas erra decisões complexas porque não “pensa em voz alta” nem revê erros.</a:t>
-                      </a:r>
-                    </a:p>
-                  </a:txBody>
-                  <a:tcPr marL="61286" marR="61286" marT="30643" marB="30643" anchor="ctr">
-                    <a:lnL>
-                      <a:noFill/>
-                    </a:lnL>
-                    <a:lnR>
-                      <a:noFill/>
-                    </a:lnR>
-                    <a:lnT>
-                      <a:noFill/>
-                    </a:lnT>
-                    <a:lnB>
-                      <a:noFill/>
-                    </a:lnB>
-                    <a:noFill/>
-                  </a:tcPr>
-                </a:tc>
-                <a:extLst>
-                  <a:ext uri="{0D108BD9-81ED-4DB2-BD59-A6C34878D82A}">
-                    <a16:rowId xmlns:a16="http://schemas.microsoft.com/office/drawing/2014/main" val="1388664532"/>
-                  </a:ext>
-                </a:extLst>
-              </a:tr>
-              <a:tr h="796724">
-                <a:tc>
-                  <a:txBody>
-                    <a:bodyPr/>
-                    <a:lstStyle/>
-                    <a:p>
-                      <a:r>
-                        <a:rPr lang="pt-BR" sz="1200" b="1"/>
-                        <a:t>CoT reason-only</a:t>
-                      </a:r>
-                      <a:endParaRPr lang="pt-BR" sz="1200"/>
-                    </a:p>
-                  </a:txBody>
-                  <a:tcPr marL="61286" marR="61286" marT="30643" marB="30643" anchor="ctr">
-                    <a:lnL>
-                      <a:noFill/>
-                    </a:lnL>
-                    <a:lnR>
-                      <a:noFill/>
-                    </a:lnR>
-                    <a:lnT>
-                      <a:noFill/>
-                    </a:lnT>
-                    <a:lnB>
-                      <a:noFill/>
-                    </a:lnB>
-                    <a:noFill/>
-                  </a:tcPr>
-                </a:tc>
-                <a:tc>
-                  <a:txBody>
-                    <a:bodyPr/>
-                    <a:lstStyle/>
-                    <a:p>
-                      <a:r>
-                        <a:rPr lang="pt-BR" sz="1200"/>
-                        <a:t>Produz cadeia de pensamento explicita.</a:t>
-                      </a:r>
-                    </a:p>
-                  </a:txBody>
-                  <a:tcPr marL="61286" marR="61286" marT="30643" marB="30643" anchor="ctr">
-                    <a:lnL>
-                      <a:noFill/>
-                    </a:lnL>
-                    <a:lnR>
-                      <a:noFill/>
-                    </a:lnR>
-                    <a:lnT>
-                      <a:noFill/>
-                    </a:lnT>
-                    <a:lnB>
-                      <a:noFill/>
-                    </a:lnB>
-                    <a:noFill/>
-                  </a:tcPr>
-                </a:tc>
-                <a:tc>
-                  <a:txBody>
-                    <a:bodyPr/>
-                    <a:lstStyle/>
-                    <a:p>
-                      <a:r>
-                        <a:rPr lang="pt-BR" sz="1200" dirty="0"/>
-                        <a:t>Não chama ferramentas, depende apenas de conhecimento interno.</a:t>
-                      </a:r>
-                    </a:p>
-                  </a:txBody>
-                  <a:tcPr marL="61286" marR="61286" marT="30643" marB="30643" anchor="ctr">
-                    <a:lnL>
-                      <a:noFill/>
-                    </a:lnL>
-                    <a:lnR>
-                      <a:noFill/>
-                    </a:lnR>
-                    <a:lnT>
-                      <a:noFill/>
-                    </a:lnT>
-                    <a:lnB>
-                      <a:noFill/>
-                    </a:lnB>
-                    <a:noFill/>
-                  </a:tcPr>
-                </a:tc>
-                <a:tc>
-                  <a:txBody>
-                    <a:bodyPr/>
-                    <a:lstStyle/>
-                    <a:p>
-                      <a:r>
-                        <a:rPr lang="pt-BR" sz="1200"/>
-                        <a:t>Raciocínio transparente, mas sofre quando precisa de fatos atualizados ou cálculos.</a:t>
-                      </a:r>
-                    </a:p>
-                  </a:txBody>
-                  <a:tcPr marL="61286" marR="61286" marT="30643" marB="30643" anchor="ctr">
-                    <a:lnL>
-                      <a:noFill/>
-                    </a:lnL>
-                    <a:lnR>
-                      <a:noFill/>
-                    </a:lnR>
-                    <a:lnT>
-                      <a:noFill/>
-                    </a:lnT>
-                    <a:lnB>
-                      <a:noFill/>
-                    </a:lnB>
-                    <a:noFill/>
-                  </a:tcPr>
-                </a:tc>
-                <a:extLst>
-                  <a:ext uri="{0D108BD9-81ED-4DB2-BD59-A6C34878D82A}">
-                    <a16:rowId xmlns:a16="http://schemas.microsoft.com/office/drawing/2014/main" val="4125761167"/>
-                  </a:ext>
-                </a:extLst>
-              </a:tr>
-              <a:tr h="1348302">
-                <a:tc>
-                  <a:txBody>
-                    <a:bodyPr/>
-                    <a:lstStyle/>
-                    <a:p>
-                      <a:r>
-                        <a:rPr lang="pt-BR" sz="1200" b="1"/>
-                        <a:t>ReAct</a:t>
-                      </a:r>
-                      <a:endParaRPr lang="pt-BR" sz="1200"/>
-                    </a:p>
-                  </a:txBody>
-                  <a:tcPr marL="61286" marR="61286" marT="30643" marB="30643" anchor="ctr">
-                    <a:lnL>
-                      <a:noFill/>
-                    </a:lnL>
-                    <a:lnR>
-                      <a:noFill/>
-                    </a:lnR>
-                    <a:lnT>
-                      <a:noFill/>
-                    </a:lnT>
-                    <a:lnB>
-                      <a:noFill/>
-                    </a:lnB>
-                    <a:noFill/>
-                  </a:tcPr>
-                </a:tc>
-                <a:tc>
-                  <a:txBody>
-                    <a:bodyPr/>
-                    <a:lstStyle/>
-                    <a:p>
-                      <a:r>
-                        <a:rPr lang="pt-BR" sz="1200" b="1"/>
-                        <a:t>Intercala</a:t>
-                      </a:r>
-                      <a:r>
-                        <a:rPr lang="pt-BR" sz="1200"/>
-                        <a:t> pensamento </a:t>
-                      </a:r>
-                      <a:r>
-                        <a:rPr lang="pt-BR" sz="1200" b="1"/>
-                        <a:t>e</a:t>
-                      </a:r>
-                      <a:r>
-                        <a:rPr lang="pt-BR" sz="1200"/>
-                        <a:t> ações de forma iterativa.</a:t>
-                      </a:r>
-                    </a:p>
-                  </a:txBody>
-                  <a:tcPr marL="61286" marR="61286" marT="30643" marB="30643" anchor="ctr">
-                    <a:lnL>
-                      <a:noFill/>
-                    </a:lnL>
-                    <a:lnR>
-                      <a:noFill/>
-                    </a:lnR>
-                    <a:lnT>
-                      <a:noFill/>
-                    </a:lnT>
-                    <a:lnB>
-                      <a:noFill/>
-                    </a:lnB>
-                    <a:noFill/>
-                  </a:tcPr>
-                </a:tc>
-                <a:tc>
-                  <a:txBody>
-                    <a:bodyPr/>
-                    <a:lstStyle/>
-                    <a:p>
-                      <a:r>
-                        <a:rPr lang="pt-BR" sz="1200"/>
-                        <a:t>–</a:t>
-                      </a:r>
-                    </a:p>
-                  </a:txBody>
-                  <a:tcPr marL="61286" marR="61286" marT="30643" marB="30643" anchor="ctr">
-                    <a:lnL>
-                      <a:noFill/>
-                    </a:lnL>
-                    <a:lnR>
-                      <a:noFill/>
-                    </a:lnR>
-                    <a:lnT>
-                      <a:noFill/>
-                    </a:lnT>
-                    <a:lnB>
-                      <a:noFill/>
-                    </a:lnB>
-                    <a:noFill/>
-                  </a:tcPr>
-                </a:tc>
-                <a:tc>
-                  <a:txBody>
-                    <a:bodyPr/>
-                    <a:lstStyle/>
-                    <a:p>
-                      <a:r>
-                        <a:rPr lang="pt-BR" sz="1200" dirty="0"/>
-                        <a:t>Une o melhor dos dois mundos: pega informação externa quando falta e explica cada passo, reduzindo alucinações e erros lógicos.</a:t>
-                      </a:r>
-                    </a:p>
-                  </a:txBody>
-                  <a:tcPr marL="61286" marR="61286" marT="30643" marB="30643" anchor="ctr">
-                    <a:lnL>
-                      <a:noFill/>
-                    </a:lnL>
-                    <a:lnR>
-                      <a:noFill/>
-                    </a:lnR>
-                    <a:lnT>
-                      <a:noFill/>
-                    </a:lnT>
-                    <a:lnB>
-                      <a:noFill/>
-                    </a:lnB>
-                    <a:noFill/>
-                  </a:tcPr>
-                </a:tc>
-                <a:extLst>
-                  <a:ext uri="{0D108BD9-81ED-4DB2-BD59-A6C34878D82A}">
-                    <a16:rowId xmlns:a16="http://schemas.microsoft.com/office/drawing/2014/main" val="4059199120"/>
-                  </a:ext>
-                </a:extLst>
-              </a:tr>
-            </a:tbl>
-          </a:graphicData>
-        </a:graphic>
-      </p:graphicFrame>
       <p:sp>
         <p:nvSpPr>
           <p:cNvPr id="2" name="CaixaDeTexto 1">
             <a:extLst>
               <a:ext uri="{FF2B5EF4-FFF2-40B4-BE49-F238E27FC236}">
-                <a16:creationId xmlns:a16="http://schemas.microsoft.com/office/drawing/2014/main" id="{DBDCB0A3-1A92-1763-AAC4-B6652A030358}"/>
+                <a16:creationId xmlns:a16="http://schemas.microsoft.com/office/drawing/2014/main" id="{5B2C816E-329C-EC5B-D44D-47D578DE87F8}"/>
               </a:ext>
             </a:extLst>
           </p:cNvPr>
@@ -5337,8 +5726,8 @@
         </p:nvSpPr>
         <p:spPr>
           <a:xfrm>
-            <a:off x="556437" y="361409"/>
-            <a:ext cx="10446727" cy="369332"/>
+            <a:off x="1191800" y="277225"/>
+            <a:ext cx="9219025" cy="461665"/>
           </a:xfrm>
           <a:prstGeom prst="rect">
             <a:avLst/>
@@ -5346,52 +5735,257 @@
           <a:noFill/>
         </p:spPr>
         <p:txBody>
-          <a:bodyPr wrap="square">
+          <a:bodyPr wrap="square" rtlCol="0">
             <a:spAutoFit/>
           </a:bodyPr>
           <a:lstStyle/>
           <a:p>
             <a:r>
-              <a:rPr lang="pt-BR" b="0" i="0" dirty="0">
+              <a:rPr lang="pt-BR" sz="2400" b="1"/>
+              <a:t>O </a:t>
+            </a:r>
+            <a:r>
+              <a:rPr lang="pt-BR" sz="2400" b="1" err="1"/>
+              <a:t>ReAct</a:t>
+            </a:r>
+            <a:r>
+              <a:rPr lang="pt-BR" sz="2400" b="1"/>
+              <a:t> não é perfeito! </a:t>
+            </a:r>
+            <a:r>
+              <a:rPr lang="pt-BR" sz="2400" b="1" err="1"/>
+              <a:t>Maaaas</a:t>
+            </a:r>
+            <a:r>
+              <a:rPr lang="pt-BR" sz="2400" b="1"/>
+              <a:t>... (</a:t>
+            </a:r>
+            <a:r>
+              <a:rPr lang="pt-BR" sz="2400" b="1" i="0" err="1">
                 <a:solidFill>
-                  <a:srgbClr val="1A1A1A"/>
+                  <a:srgbClr val="000000"/>
                 </a:solidFill>
                 <a:effectLst/>
-                <a:latin typeface="Source Sans 3"/>
-              </a:rPr>
-              <a:t>Compara</a:t>
-            </a:r>
-            <a:r>
-              <a:rPr lang="pt-BR" dirty="0">
+                <a:latin typeface="Open Sans" panose="020B0606030504020204" pitchFamily="34" charset="0"/>
+              </a:rPr>
+              <a:t>ALFWorld</a:t>
+            </a:r>
+            <a:r>
+              <a:rPr lang="pt-BR" sz="2400" b="1"/>
+              <a:t>)</a:t>
+            </a:r>
+          </a:p>
+        </p:txBody>
+      </p:sp>
+      <p:pic>
+        <p:nvPicPr>
+          <p:cNvPr id="5" name="Imagem 4">
+            <a:extLst>
+              <a:ext uri="{FF2B5EF4-FFF2-40B4-BE49-F238E27FC236}">
+                <a16:creationId xmlns:a16="http://schemas.microsoft.com/office/drawing/2014/main" id="{6144816A-39F4-A3A8-E62D-1CD347BA8DBC}"/>
+              </a:ext>
+            </a:extLst>
+          </p:cNvPr>
+          <p:cNvPicPr>
+            <a:picLocks noChangeAspect="1"/>
+          </p:cNvPicPr>
+          <p:nvPr/>
+        </p:nvPicPr>
+        <p:blipFill>
+          <a:blip r:embed="rId2"/>
+          <a:stretch>
+            <a:fillRect/>
+          </a:stretch>
+        </p:blipFill>
+        <p:spPr>
+          <a:xfrm>
+            <a:off x="1191800" y="935854"/>
+            <a:ext cx="9808400" cy="3481770"/>
+          </a:xfrm>
+          <a:prstGeom prst="rect">
+            <a:avLst/>
+          </a:prstGeom>
+        </p:spPr>
+      </p:pic>
+      <p:sp>
+        <p:nvSpPr>
+          <p:cNvPr id="10" name="CaixaDeTexto 9">
+            <a:extLst>
+              <a:ext uri="{FF2B5EF4-FFF2-40B4-BE49-F238E27FC236}">
+                <a16:creationId xmlns:a16="http://schemas.microsoft.com/office/drawing/2014/main" id="{5FB3F961-C7F5-C31D-CCBB-7F31A1973CB0}"/>
+              </a:ext>
+            </a:extLst>
+          </p:cNvPr>
+          <p:cNvSpPr txBox="1"/>
+          <p:nvPr/>
+        </p:nvSpPr>
+        <p:spPr>
+          <a:xfrm>
+            <a:off x="1191800" y="4679234"/>
+            <a:ext cx="9914349" cy="2031325"/>
+          </a:xfrm>
+          <a:prstGeom prst="rect">
+            <a:avLst/>
+          </a:prstGeom>
+          <a:noFill/>
+        </p:spPr>
+        <p:txBody>
+          <a:bodyPr wrap="square" rtlCol="0">
+            <a:spAutoFit/>
+          </a:bodyPr>
+          <a:lstStyle/>
+          <a:p>
+            <a:pPr marL="285750" indent="-285750">
+              <a:buFont typeface="Arial" panose="020B0604020202020204" pitchFamily="34" charset="0"/>
+              <a:buChar char="•"/>
+            </a:pPr>
+            <a:r>
+              <a:rPr lang="pt-BR"/>
+              <a:t>Permite inspecionar claramente onde o modelo "pensou errado".</a:t>
+            </a:r>
+          </a:p>
+          <a:p>
+            <a:pPr marL="285750" indent="-285750">
+              <a:buFont typeface="Arial" panose="020B0604020202020204" pitchFamily="34" charset="0"/>
+              <a:buChar char="•"/>
+            </a:pPr>
+            <a:endParaRPr lang="pt-BR"/>
+          </a:p>
+          <a:p>
+            <a:pPr marL="285750" indent="-285750">
+              <a:buFont typeface="Arial" panose="020B0604020202020204" pitchFamily="34" charset="0"/>
+              <a:buChar char="•"/>
+            </a:pPr>
+            <a:r>
+              <a:rPr lang="pt-BR"/>
+              <a:t>Facilita a correção humana, apenas editando pensamentos, sem reescrever todo o código ou lógica.</a:t>
+            </a:r>
+          </a:p>
+          <a:p>
+            <a:pPr marL="285750" indent="-285750">
+              <a:buFont typeface="Arial" panose="020B0604020202020204" pitchFamily="34" charset="0"/>
+              <a:buChar char="•"/>
+            </a:pPr>
+            <a:endParaRPr lang="pt-BR"/>
+          </a:p>
+          <a:p>
+            <a:pPr marL="285750" indent="-285750">
+              <a:buFont typeface="Arial" panose="020B0604020202020204" pitchFamily="34" charset="0"/>
+              <a:buChar char="•"/>
+            </a:pPr>
+            <a:r>
+              <a:rPr lang="pt-BR"/>
+              <a:t>Representa uma abordagem promissora para o alinhamento entre IA e humanos, pois torna os modelos mais interpretáveis e ajustáveis.</a:t>
+            </a:r>
+          </a:p>
+        </p:txBody>
+      </p:sp>
+      <p:sp>
+        <p:nvSpPr>
+          <p:cNvPr id="11" name="CaixaDeTexto 10">
+            <a:extLst>
+              <a:ext uri="{FF2B5EF4-FFF2-40B4-BE49-F238E27FC236}">
+                <a16:creationId xmlns:a16="http://schemas.microsoft.com/office/drawing/2014/main" id="{CDAB491C-1ADB-4AA2-6D66-EA4925CB3BAD}"/>
+              </a:ext>
+            </a:extLst>
+          </p:cNvPr>
+          <p:cNvSpPr txBox="1"/>
+          <p:nvPr/>
+        </p:nvSpPr>
+        <p:spPr>
+          <a:xfrm>
+            <a:off x="1191800" y="4352978"/>
+            <a:ext cx="4171949" cy="261610"/>
+          </a:xfrm>
+          <a:prstGeom prst="rect">
+            <a:avLst/>
+          </a:prstGeom>
+          <a:noFill/>
+        </p:spPr>
+        <p:txBody>
+          <a:bodyPr wrap="square" rtlCol="0">
+            <a:spAutoFit/>
+          </a:bodyPr>
+          <a:lstStyle/>
+          <a:p>
+            <a:r>
+              <a:rPr lang="pt-BR" sz="1100">
                 <a:solidFill>
-                  <a:srgbClr val="1A1A1A"/>
+                  <a:schemeClr val="bg1">
+                    <a:lumMod val="50000"/>
+                  </a:schemeClr>
                 </a:solidFill>
-                <a:latin typeface="Source Sans 3"/>
-              </a:rPr>
-              <a:t>ção das técnicas de </a:t>
-            </a:r>
-            <a:r>
-              <a:rPr lang="pt-BR" dirty="0" err="1">
+              </a:rPr>
+              <a:t>Fonte: REACT-LM (2023)</a:t>
+            </a:r>
+          </a:p>
+        </p:txBody>
+      </p:sp>
+      <p:sp>
+        <p:nvSpPr>
+          <p:cNvPr id="13" name="CaixaDeTexto 12">
+            <a:extLst>
+              <a:ext uri="{FF2B5EF4-FFF2-40B4-BE49-F238E27FC236}">
+                <a16:creationId xmlns:a16="http://schemas.microsoft.com/office/drawing/2014/main" id="{7CFB13B5-7595-CC58-582B-28EED50748D6}"/>
+              </a:ext>
+            </a:extLst>
+          </p:cNvPr>
+          <p:cNvSpPr txBox="1"/>
+          <p:nvPr/>
+        </p:nvSpPr>
+        <p:spPr>
+          <a:xfrm>
+            <a:off x="1191799" y="738890"/>
+            <a:ext cx="5637626" cy="261610"/>
+          </a:xfrm>
+          <a:prstGeom prst="rect">
+            <a:avLst/>
+          </a:prstGeom>
+          <a:noFill/>
+        </p:spPr>
+        <p:txBody>
+          <a:bodyPr wrap="square" rtlCol="0">
+            <a:spAutoFit/>
+          </a:bodyPr>
+          <a:lstStyle/>
+          <a:p>
+            <a:r>
+              <a:rPr lang="pt-BR" sz="1100">
                 <a:solidFill>
-                  <a:srgbClr val="1A1A1A"/>
+                  <a:schemeClr val="bg1">
+                    <a:lumMod val="50000"/>
+                  </a:schemeClr>
                 </a:solidFill>
-                <a:latin typeface="Source Sans 3"/>
-              </a:rPr>
-              <a:t>prompting</a:t>
-            </a:r>
-            <a:endParaRPr lang="pt-BR" dirty="0">
-              <a:solidFill>
-                <a:srgbClr val="1A1A1A"/>
-              </a:solidFill>
-              <a:latin typeface="Source Sans 3"/>
-            </a:endParaRPr>
+              </a:rPr>
+              <a:t>Figura: Comparação na execução do </a:t>
+            </a:r>
+            <a:r>
+              <a:rPr lang="pt-BR" sz="1100" err="1">
+                <a:solidFill>
+                  <a:schemeClr val="bg1">
+                    <a:lumMod val="50000"/>
+                  </a:schemeClr>
+                </a:solidFill>
+              </a:rPr>
+              <a:t>ReAct</a:t>
+            </a:r>
+            <a:r>
+              <a:rPr lang="pt-BR" sz="1100">
+                <a:solidFill>
+                  <a:schemeClr val="bg1">
+                    <a:lumMod val="50000"/>
+                  </a:schemeClr>
+                </a:solidFill>
+              </a:rPr>
+              <a:t> sem e com correção humana</a:t>
+            </a:r>
           </a:p>
         </p:txBody>
       </p:sp>
     </p:spTree>
     <p:extLst>
       <p:ext uri="{BB962C8B-B14F-4D97-AF65-F5344CB8AC3E}">
-        <p14:creationId xmlns:p14="http://schemas.microsoft.com/office/powerpoint/2010/main" val="2957951837"/>
+        <p14:creationId xmlns:p14="http://schemas.microsoft.com/office/powerpoint/2010/main" val="1082785735"/>
       </p:ext>
     </p:extLst>
   </p:cSld>
@@ -5446,8 +6040,8 @@
         </p:blipFill>
         <p:spPr>
           <a:xfrm>
-            <a:off x="1446962" y="1117102"/>
-            <a:ext cx="8872466" cy="4471348"/>
+            <a:off x="1191800" y="1126627"/>
+            <a:ext cx="8919503" cy="4471348"/>
           </a:xfrm>
           <a:prstGeom prst="rect">
             <a:avLst/>
@@ -5456,10 +6050,10 @@
       </p:pic>
       <p:sp>
         <p:nvSpPr>
-          <p:cNvPr id="12" name="CaixaDeTexto 11">
-            <a:extLst>
-              <a:ext uri="{FF2B5EF4-FFF2-40B4-BE49-F238E27FC236}">
-                <a16:creationId xmlns:a16="http://schemas.microsoft.com/office/drawing/2014/main" id="{8B827BA5-CB1E-DEDE-9401-C56C7E66A372}"/>
+          <p:cNvPr id="2" name="CaixaDeTexto 1">
+            <a:extLst>
+              <a:ext uri="{FF2B5EF4-FFF2-40B4-BE49-F238E27FC236}">
+                <a16:creationId xmlns:a16="http://schemas.microsoft.com/office/drawing/2014/main" id="{1ABA2B80-10E3-AF8A-7A40-FA3C5F2BFC7E}"/>
               </a:ext>
             </a:extLst>
           </p:cNvPr>
@@ -5468,8 +6062,8 @@
         </p:nvSpPr>
         <p:spPr>
           <a:xfrm>
-            <a:off x="747356" y="331264"/>
-            <a:ext cx="7522438" cy="369332"/>
+            <a:off x="1191800" y="277225"/>
+            <a:ext cx="9219025" cy="461665"/>
           </a:xfrm>
           <a:prstGeom prst="rect">
             <a:avLst/>
@@ -5477,27 +6071,15 @@
           <a:noFill/>
         </p:spPr>
         <p:txBody>
-          <a:bodyPr wrap="square">
+          <a:bodyPr wrap="square" rtlCol="0">
             <a:spAutoFit/>
           </a:bodyPr>
           <a:lstStyle/>
           <a:p>
             <a:r>
-              <a:rPr lang="pt-BR" b="0" i="0" dirty="0">
-                <a:solidFill>
-                  <a:srgbClr val="1A1A1A"/>
-                </a:solidFill>
-                <a:effectLst/>
-                <a:latin typeface="Source Sans 3"/>
-              </a:rPr>
-              <a:t>Como funciona (matemática)</a:t>
-            </a:r>
-            <a:endParaRPr lang="pt-BR" dirty="0">
-              <a:solidFill>
-                <a:srgbClr val="1A1A1A"/>
-              </a:solidFill>
-              <a:latin typeface="Source Sans 3"/>
-            </a:endParaRPr>
+              <a:rPr lang="pt-BR" sz="2400" b="1"/>
+              <a:t>Como funciona (Matemática)</a:t>
+            </a:r>
           </a:p>
         </p:txBody>
       </p:sp>
@@ -5553,8 +6135,8 @@
         </p:nvSpPr>
         <p:spPr bwMode="auto">
           <a:xfrm>
-            <a:off x="0" y="428178"/>
-            <a:ext cx="12192000" cy="6001643"/>
+            <a:off x="1191800" y="846612"/>
+            <a:ext cx="9895300" cy="5724644"/>
           </a:xfrm>
           <a:prstGeom prst="rect">
             <a:avLst/>
@@ -5619,44 +6201,67 @@
               <a:tabLst/>
             </a:pPr>
             <a:r>
-              <a:rPr kumimoji="0" lang="pt-BR" altLang="pt-BR" sz="1600" b="0" i="0" u="none" strike="noStrike" cap="none" normalizeH="0" baseline="0" dirty="0">
+              <a:rPr kumimoji="0" lang="pt-BR" altLang="pt-BR" sz="1400" b="0" i="0" u="none" strike="noStrike" cap="none" normalizeH="0" baseline="0">
                 <a:ln>
                   <a:noFill/>
                 </a:ln>
-                <a:solidFill>
-                  <a:schemeClr val="tx1"/>
-                </a:solidFill>
                 <a:effectLst/>
-                <a:latin typeface="Arial" panose="020B0604020202020204" pitchFamily="34" charset="0"/>
+                <a:latin typeface="Aptos"/>
               </a:rPr>
               <a:t>Imagine que você está num </a:t>
             </a:r>
             <a:r>
-              <a:rPr kumimoji="0" lang="pt-BR" altLang="pt-BR" sz="1600" b="1" i="0" u="none" strike="noStrike" cap="none" normalizeH="0" baseline="0" dirty="0">
+              <a:rPr kumimoji="0" lang="pt-BR" altLang="pt-BR" sz="1400" b="1" i="0" u="none" strike="noStrike" cap="none" normalizeH="0" baseline="0">
                 <a:ln>
                   <a:noFill/>
                 </a:ln>
-                <a:solidFill>
-                  <a:schemeClr val="tx1"/>
-                </a:solidFill>
                 <a:effectLst/>
-                <a:latin typeface="Arial" panose="020B0604020202020204" pitchFamily="34" charset="0"/>
+                <a:latin typeface="Aptos"/>
               </a:rPr>
               <a:t>jogo de “caça ao tesouro”</a:t>
             </a:r>
             <a:r>
-              <a:rPr kumimoji="0" lang="pt-BR" altLang="pt-BR" sz="1600" b="0" i="0" u="none" strike="noStrike" cap="none" normalizeH="0" baseline="0" dirty="0">
+              <a:rPr kumimoji="0" lang="pt-BR" altLang="pt-BR" sz="1400" b="0" i="0" u="none" strike="noStrike" cap="none" normalizeH="0" baseline="0">
                 <a:ln>
                   <a:noFill/>
                 </a:ln>
-                <a:solidFill>
-                  <a:schemeClr val="tx1"/>
-                </a:solidFill>
                 <a:effectLst/>
-                <a:latin typeface="Arial" panose="020B0604020202020204" pitchFamily="34" charset="0"/>
+                <a:latin typeface="Aptos"/>
               </a:rPr>
               <a:t>:</a:t>
             </a:r>
+            <a:endParaRPr lang="pt-BR" altLang="pt-BR" sz="1400" b="0" i="0" u="none" strike="noStrike" cap="none" normalizeH="0" baseline="0">
+              <a:ln>
+                <a:noFill/>
+              </a:ln>
+              <a:effectLst/>
+              <a:latin typeface="Aptos"/>
+            </a:endParaRPr>
+          </a:p>
+          <a:p>
+            <a:pPr marL="0" marR="0" lvl="0" indent="0" algn="l" defTabSz="914400" rtl="0" eaLnBrk="0" fontAlgn="base" latinLnBrk="0" hangingPunct="0">
+              <a:lnSpc>
+                <a:spcPct val="100000"/>
+              </a:lnSpc>
+              <a:spcBef>
+                <a:spcPct val="0"/>
+              </a:spcBef>
+              <a:spcAft>
+                <a:spcPct val="0"/>
+              </a:spcAft>
+              <a:buClrTx/>
+              <a:buSzTx/>
+              <a:buFontTx/>
+              <a:buNone/>
+              <a:tabLst/>
+            </a:pPr>
+            <a:endParaRPr lang="pt-BR" altLang="pt-BR" sz="1400" b="0" i="0" u="none" strike="noStrike" cap="none" normalizeH="0" baseline="0">
+              <a:ln>
+                <a:noFill/>
+              </a:ln>
+              <a:effectLst/>
+              <a:latin typeface="Aptos"/>
+            </a:endParaRPr>
           </a:p>
           <a:p>
             <a:pPr marL="0" marR="0" lvl="0" indent="0" algn="l" defTabSz="914400" rtl="0" eaLnBrk="0" fontAlgn="base" latinLnBrk="0" hangingPunct="0">
@@ -5676,95 +6281,97 @@
               <a:tabLst/>
             </a:pPr>
             <a:r>
-              <a:rPr kumimoji="0" lang="pt-BR" altLang="pt-BR" sz="1600" b="1" i="0" u="none" strike="noStrike" cap="none" normalizeH="0" baseline="0" dirty="0">
+              <a:rPr kumimoji="0" lang="pt-BR" altLang="pt-BR" sz="1400" b="1" i="0" u="none" strike="noStrike" cap="none" normalizeH="0" baseline="0">
                 <a:ln>
                   <a:noFill/>
                 </a:ln>
-                <a:solidFill>
-                  <a:schemeClr val="tx1"/>
-                </a:solidFill>
                 <a:effectLst/>
-                <a:latin typeface="Arial" panose="020B0604020202020204" pitchFamily="34" charset="0"/>
-              </a:rPr>
-              <a:t>Observação</a:t>
-            </a:r>
-            <a:br>
-              <a:rPr kumimoji="0" lang="pt-BR" altLang="pt-BR" sz="1600" b="0" i="0" u="none" strike="noStrike" cap="none" normalizeH="0" baseline="0" dirty="0">
+                <a:latin typeface="Aptos"/>
+              </a:rPr>
+              <a:t>Observação: </a:t>
+            </a:r>
+            <a:r>
+              <a:rPr kumimoji="0" lang="pt-BR" altLang="pt-BR" sz="1400" b="0" i="0" u="none" strike="noStrike" cap="none" normalizeH="0" baseline="0">
                 <a:ln>
                   <a:noFill/>
                 </a:ln>
-                <a:solidFill>
-                  <a:schemeClr val="tx1"/>
-                </a:solidFill>
                 <a:effectLst/>
-                <a:latin typeface="Arial" panose="020B0604020202020204" pitchFamily="34" charset="0"/>
-              </a:rPr>
-            </a:br>
-            <a:r>
-              <a:rPr kumimoji="0" lang="pt-BR" altLang="pt-BR" sz="1600" b="0" i="0" u="none" strike="noStrike" cap="none" normalizeH="0" baseline="0" dirty="0">
+                <a:latin typeface="Aptos"/>
+              </a:rPr>
+              <a:t>Você abre o envelope inicial e lê: “O próximo passo está perto de algo que faz </a:t>
+            </a:r>
+            <a:r>
+              <a:rPr kumimoji="0" lang="pt-BR" altLang="pt-BR" sz="1400" b="0" i="0" u="none" strike="noStrike" cap="none" normalizeH="0" baseline="0" err="1">
                 <a:ln>
                   <a:noFill/>
                 </a:ln>
-                <a:solidFill>
-                  <a:schemeClr val="tx1"/>
-                </a:solidFill>
                 <a:effectLst/>
-                <a:latin typeface="Arial" panose="020B0604020202020204" pitchFamily="34" charset="0"/>
-              </a:rPr>
-              <a:t>Você abre o envelope inicial e lê: “O próximo passo está perto de algo que faz </a:t>
-            </a:r>
-            <a:r>
-              <a:rPr kumimoji="0" lang="pt-BR" altLang="pt-BR" sz="1600" b="0" i="0" u="none" strike="noStrike" cap="none" normalizeH="0" baseline="0" dirty="0" err="1">
+                <a:latin typeface="Aptos"/>
+              </a:rPr>
+              <a:t>tic-tac</a:t>
+            </a:r>
+            <a:r>
+              <a:rPr kumimoji="0" lang="pt-BR" altLang="pt-BR" sz="1400" b="0" i="0" u="none" strike="noStrike" cap="none" normalizeH="0" baseline="0">
                 <a:ln>
                   <a:noFill/>
                 </a:ln>
-                <a:solidFill>
-                  <a:schemeClr val="tx1"/>
-                </a:solidFill>
                 <a:effectLst/>
-                <a:latin typeface="Arial" panose="020B0604020202020204" pitchFamily="34" charset="0"/>
-              </a:rPr>
-              <a:t>tic-tac</a:t>
-            </a:r>
-            <a:r>
-              <a:rPr kumimoji="0" lang="pt-BR" altLang="pt-BR" sz="1600" b="0" i="0" u="none" strike="noStrike" cap="none" normalizeH="0" baseline="0" dirty="0">
+                <a:latin typeface="Aptos"/>
+              </a:rPr>
+              <a:t>”. Essa pista é tudo que o ambiente lhe dá naquele momento – é a </a:t>
+            </a:r>
+            <a:r>
+              <a:rPr kumimoji="0" lang="pt-BR" altLang="pt-BR" sz="1400" b="1" i="0" u="none" strike="noStrike" cap="none" normalizeH="0" baseline="0">
                 <a:ln>
                   <a:noFill/>
                 </a:ln>
-                <a:solidFill>
-                  <a:schemeClr val="tx1"/>
-                </a:solidFill>
                 <a:effectLst/>
-                <a:latin typeface="Arial" panose="020B0604020202020204" pitchFamily="34" charset="0"/>
-              </a:rPr>
-              <a:t>”. Essa pista é tudo que o ambiente lhe dá naquele momento – é a </a:t>
-            </a:r>
-            <a:r>
-              <a:rPr kumimoji="0" lang="pt-BR" altLang="pt-BR" sz="1600" b="1" i="0" u="none" strike="noStrike" cap="none" normalizeH="0" baseline="0" dirty="0">
+                <a:latin typeface="Aptos"/>
+              </a:rPr>
+              <a:t>observação</a:t>
+            </a:r>
+            <a:r>
+              <a:rPr kumimoji="0" lang="pt-BR" altLang="pt-BR" sz="1400" b="0" i="0" u="none" strike="noStrike" cap="none" normalizeH="0" baseline="0">
                 <a:ln>
                   <a:noFill/>
                 </a:ln>
-                <a:solidFill>
-                  <a:schemeClr val="tx1"/>
-                </a:solidFill>
                 <a:effectLst/>
-                <a:latin typeface="Arial" panose="020B0604020202020204" pitchFamily="34" charset="0"/>
-              </a:rPr>
-              <a:t>observação</a:t>
-            </a:r>
-            <a:r>
-              <a:rPr kumimoji="0" lang="pt-BR" altLang="pt-BR" sz="1600" b="0" i="0" u="none" strike="noStrike" cap="none" normalizeH="0" baseline="0" dirty="0">
-                <a:ln>
-                  <a:noFill/>
-                </a:ln>
-                <a:solidFill>
-                  <a:schemeClr val="tx1"/>
-                </a:solidFill>
-                <a:effectLst/>
-                <a:latin typeface="Arial" panose="020B0604020202020204" pitchFamily="34" charset="0"/>
+                <a:latin typeface="Aptos"/>
               </a:rPr>
               <a:t>.</a:t>
             </a:r>
+            <a:endParaRPr lang="pt-BR" altLang="pt-BR" sz="1400" b="0" i="0" u="none" strike="noStrike" cap="none" normalizeH="0" baseline="0">
+              <a:ln>
+                <a:noFill/>
+              </a:ln>
+              <a:effectLst/>
+              <a:latin typeface="Aptos"/>
+            </a:endParaRPr>
+          </a:p>
+          <a:p>
+            <a:pPr marL="0" marR="0" lvl="0" indent="0" algn="l" defTabSz="914400" rtl="0" eaLnBrk="0" fontAlgn="base" latinLnBrk="0" hangingPunct="0">
+              <a:lnSpc>
+                <a:spcPct val="100000"/>
+              </a:lnSpc>
+              <a:spcBef>
+                <a:spcPct val="0"/>
+              </a:spcBef>
+              <a:spcAft>
+                <a:spcPct val="0"/>
+              </a:spcAft>
+              <a:buClrTx/>
+              <a:buSzTx/>
+              <a:buFontTx/>
+              <a:buAutoNum type="arabicPeriod"/>
+              <a:tabLst/>
+            </a:pPr>
+            <a:endParaRPr lang="pt-BR" altLang="pt-BR" sz="1400" b="0" i="0" u="none" strike="noStrike" cap="none" normalizeH="0" baseline="0">
+              <a:ln>
+                <a:noFill/>
+              </a:ln>
+              <a:effectLst/>
+              <a:latin typeface="Aptos"/>
+            </a:endParaRPr>
           </a:p>
           <a:p>
             <a:pPr marL="0" marR="0" lvl="0" indent="0" algn="l" defTabSz="914400" rtl="0" eaLnBrk="0" fontAlgn="base" latinLnBrk="0" hangingPunct="0">
@@ -5784,43 +6391,654 @@
               <a:tabLst/>
             </a:pPr>
             <a:r>
-              <a:rPr kumimoji="0" lang="pt-BR" altLang="pt-BR" sz="1600" b="1" i="0" u="none" strike="noStrike" cap="none" normalizeH="0" baseline="0" dirty="0">
+              <a:rPr kumimoji="0" lang="pt-BR" altLang="pt-BR" sz="1400" b="1" i="0" u="none" strike="noStrike" cap="none" normalizeH="0" baseline="0">
                 <a:ln>
                   <a:noFill/>
                 </a:ln>
-                <a:solidFill>
-                  <a:schemeClr val="tx1"/>
-                </a:solidFill>
                 <a:effectLst/>
-                <a:latin typeface="Arial" panose="020B0604020202020204" pitchFamily="34" charset="0"/>
+                <a:latin typeface="Aptos"/>
               </a:rPr>
               <a:t>Pensar em voz alta (espaço da linguagem)</a:t>
             </a:r>
-            <a:br>
-              <a:rPr kumimoji="0" lang="pt-BR" altLang="pt-BR" sz="1600" b="0" i="0" u="none" strike="noStrike" cap="none" normalizeH="0" baseline="0" dirty="0">
+            <a:r>
+              <a:rPr lang="pt-BR" altLang="pt-BR" sz="1400">
+                <a:latin typeface="Aptos"/>
+              </a:rPr>
+              <a:t>: </a:t>
+            </a:r>
+            <a:r>
+              <a:rPr kumimoji="0" lang="pt-BR" altLang="pt-BR" sz="1400" b="0" i="0" u="none" strike="noStrike" cap="none" normalizeH="0" baseline="0">
                 <a:ln>
                   <a:noFill/>
                 </a:ln>
-                <a:solidFill>
-                  <a:schemeClr val="tx1"/>
-                </a:solidFill>
                 <a:effectLst/>
-                <a:latin typeface="Arial" panose="020B0604020202020204" pitchFamily="34" charset="0"/>
-              </a:rPr>
-            </a:br>
-            <a:r>
-              <a:rPr kumimoji="0" lang="pt-BR" altLang="pt-BR" sz="1600" b="0" i="0" u="none" strike="noStrike" cap="none" normalizeH="0" baseline="0" dirty="0">
+                <a:latin typeface="Aptos"/>
+              </a:rPr>
+              <a:t>Antes de sair correndo, você fala consigo mesmo: “Relógios fazem </a:t>
+            </a:r>
+            <a:r>
+              <a:rPr kumimoji="0" lang="pt-BR" altLang="pt-BR" sz="1400" b="0" i="0" u="none" strike="noStrike" cap="none" normalizeH="0" baseline="0" err="1">
                 <a:ln>
                   <a:noFill/>
                 </a:ln>
-                <a:solidFill>
-                  <a:schemeClr val="tx1"/>
-                </a:solidFill>
                 <a:effectLst/>
-                <a:latin typeface="Arial" panose="020B0604020202020204" pitchFamily="34" charset="0"/>
-              </a:rPr>
-              <a:t>Antes de sair correndo, você fala consigo mesmo:</a:t>
-            </a:r>
+                <a:latin typeface="Aptos"/>
+              </a:rPr>
+              <a:t>tic-tac</a:t>
+            </a:r>
+            <a:r>
+              <a:rPr kumimoji="0" lang="pt-BR" altLang="pt-BR" sz="1400" b="0" i="0" u="none" strike="noStrike" cap="none" normalizeH="0" baseline="0">
+                <a:ln>
+                  <a:noFill/>
+                </a:ln>
+                <a:effectLst/>
+                <a:latin typeface="Aptos"/>
+              </a:rPr>
+              <a:t>. Onde há um relógio por aqui? Provavelmente na sala de estar.” Esse comentário não muda nada no mundo físico; é só </a:t>
+            </a:r>
+            <a:r>
+              <a:rPr kumimoji="0" lang="pt-BR" altLang="pt-BR" sz="1400" b="1" i="0" u="none" strike="noStrike" cap="none" normalizeH="0" baseline="0">
+                <a:ln>
+                  <a:noFill/>
+                </a:ln>
+                <a:effectLst/>
+                <a:latin typeface="Aptos"/>
+              </a:rPr>
+              <a:t>linguagem</a:t>
+            </a:r>
+            <a:r>
+              <a:rPr kumimoji="0" lang="pt-BR" altLang="pt-BR" sz="1400" b="0" i="0" u="none" strike="noStrike" cap="none" normalizeH="0" baseline="0">
+                <a:ln>
+                  <a:noFill/>
+                </a:ln>
+                <a:effectLst/>
+                <a:latin typeface="Aptos"/>
+              </a:rPr>
+              <a:t> – o seu raciocínio escrito ou falado.</a:t>
+            </a:r>
+            <a:endParaRPr lang="pt-BR" altLang="pt-BR" sz="1400" b="0" i="0" u="none" strike="noStrike" cap="none" normalizeH="0" baseline="0">
+              <a:ln>
+                <a:noFill/>
+              </a:ln>
+              <a:effectLst/>
+              <a:latin typeface="Aptos"/>
+            </a:endParaRPr>
+          </a:p>
+          <a:p>
+            <a:pPr marL="0" marR="0" lvl="0" indent="0" algn="l" defTabSz="914400" rtl="0" eaLnBrk="0" fontAlgn="base" latinLnBrk="0" hangingPunct="0">
+              <a:lnSpc>
+                <a:spcPct val="100000"/>
+              </a:lnSpc>
+              <a:spcBef>
+                <a:spcPct val="0"/>
+              </a:spcBef>
+              <a:spcAft>
+                <a:spcPct val="0"/>
+              </a:spcAft>
+              <a:buClrTx/>
+              <a:buSzTx/>
+              <a:buFontTx/>
+              <a:buAutoNum type="arabicPeriod" startAt="2"/>
+              <a:tabLst/>
+            </a:pPr>
+            <a:endParaRPr lang="pt-BR" altLang="pt-BR" sz="1400" b="0" i="0" u="none" strike="noStrike" cap="none" normalizeH="0" baseline="0">
+              <a:ln>
+                <a:noFill/>
+              </a:ln>
+              <a:effectLst/>
+              <a:latin typeface="Aptos"/>
+            </a:endParaRPr>
+          </a:p>
+          <a:p>
+            <a:pPr marL="0" marR="0" lvl="0" indent="0" algn="l" defTabSz="914400" rtl="0" eaLnBrk="0" fontAlgn="base" latinLnBrk="0" hangingPunct="0">
+              <a:lnSpc>
+                <a:spcPct val="100000"/>
+              </a:lnSpc>
+              <a:spcBef>
+                <a:spcPct val="0"/>
+              </a:spcBef>
+              <a:spcAft>
+                <a:spcPct val="0"/>
+              </a:spcAft>
+              <a:buClrTx/>
+              <a:buSzTx/>
+              <a:buFontTx/>
+              <a:buAutoNum type="arabicPeriod" startAt="3"/>
+              <a:tabLst/>
+            </a:pPr>
+            <a:r>
+              <a:rPr kumimoji="0" lang="pt-BR" altLang="pt-BR" sz="1400" b="1" i="0" u="none" strike="noStrike" cap="none" normalizeH="0" baseline="0">
+                <a:ln>
+                  <a:noFill/>
+                </a:ln>
+                <a:effectLst/>
+                <a:latin typeface="Aptos"/>
+              </a:rPr>
+              <a:t>Ação</a:t>
+            </a:r>
+            <a:r>
+              <a:rPr lang="pt-BR" altLang="pt-BR" sz="1400">
+                <a:latin typeface="Aptos"/>
+              </a:rPr>
+              <a:t>: </a:t>
+            </a:r>
+            <a:r>
+              <a:rPr kumimoji="0" lang="pt-BR" altLang="pt-BR" sz="1400" b="0" i="0" u="none" strike="noStrike" cap="none" normalizeH="0" baseline="0">
+                <a:ln>
+                  <a:noFill/>
+                </a:ln>
+                <a:effectLst/>
+                <a:latin typeface="Aptos"/>
+              </a:rPr>
+              <a:t>Com base nesse pensamento, você </a:t>
+            </a:r>
+            <a:r>
+              <a:rPr kumimoji="0" lang="pt-BR" altLang="pt-BR" sz="1400" b="1" i="0" u="none" strike="noStrike" cap="none" normalizeH="0" baseline="0">
+                <a:ln>
+                  <a:noFill/>
+                </a:ln>
+                <a:effectLst/>
+                <a:latin typeface="Aptos"/>
+              </a:rPr>
+              <a:t>age</a:t>
+            </a:r>
+            <a:r>
+              <a:rPr kumimoji="0" lang="pt-BR" altLang="pt-BR" sz="1400" b="0" i="0" u="none" strike="noStrike" cap="none" normalizeH="0" baseline="0">
+                <a:ln>
+                  <a:noFill/>
+                </a:ln>
+                <a:effectLst/>
+                <a:latin typeface="Aptos"/>
+              </a:rPr>
+              <a:t>: caminha até a sala de estar e olha atrás do relógio de parede.</a:t>
+            </a:r>
+            <a:endParaRPr lang="pt-BR" altLang="pt-BR" sz="1400" b="0" i="0" u="none" strike="noStrike" cap="none" normalizeH="0" baseline="0">
+              <a:ln>
+                <a:noFill/>
+              </a:ln>
+              <a:effectLst/>
+              <a:latin typeface="Aptos"/>
+            </a:endParaRPr>
+          </a:p>
+          <a:p>
+            <a:pPr marL="0" marR="0" lvl="0" indent="0" algn="l" defTabSz="914400" rtl="0" eaLnBrk="0" fontAlgn="base" latinLnBrk="0" hangingPunct="0">
+              <a:lnSpc>
+                <a:spcPct val="100000"/>
+              </a:lnSpc>
+              <a:spcBef>
+                <a:spcPct val="0"/>
+              </a:spcBef>
+              <a:spcAft>
+                <a:spcPct val="0"/>
+              </a:spcAft>
+              <a:buClrTx/>
+              <a:buSzTx/>
+              <a:buFontTx/>
+              <a:buAutoNum type="arabicPeriod" startAt="3"/>
+              <a:tabLst/>
+            </a:pPr>
+            <a:endParaRPr lang="pt-BR" altLang="pt-BR" sz="1400" b="0" i="0" u="none" strike="noStrike" cap="none" normalizeH="0" baseline="0">
+              <a:ln>
+                <a:noFill/>
+              </a:ln>
+              <a:effectLst/>
+              <a:latin typeface="Aptos"/>
+            </a:endParaRPr>
+          </a:p>
+          <a:p>
+            <a:pPr marL="0" marR="0" lvl="0" indent="0" algn="just" defTabSz="914400" rtl="0" eaLnBrk="0" fontAlgn="base" latinLnBrk="0" hangingPunct="0">
+              <a:lnSpc>
+                <a:spcPct val="100000"/>
+              </a:lnSpc>
+              <a:spcBef>
+                <a:spcPct val="0"/>
+              </a:spcBef>
+              <a:spcAft>
+                <a:spcPct val="0"/>
+              </a:spcAft>
+              <a:buClrTx/>
+              <a:buSzTx/>
+              <a:buFontTx/>
+              <a:buAutoNum type="arabicPeriod" startAt="4"/>
+              <a:tabLst/>
+            </a:pPr>
+            <a:r>
+              <a:rPr kumimoji="0" lang="pt-BR" altLang="pt-BR" sz="1400" b="1" i="0" u="none" strike="noStrike" cap="none" normalizeH="0" baseline="0">
+                <a:ln>
+                  <a:noFill/>
+                </a:ln>
+                <a:effectLst/>
+                <a:latin typeface="Aptos"/>
+              </a:rPr>
+              <a:t>Nova observação</a:t>
+            </a:r>
+            <a:r>
+              <a:rPr lang="pt-BR" altLang="pt-BR" sz="1400">
+                <a:latin typeface="Aptos"/>
+              </a:rPr>
+              <a:t>: </a:t>
+            </a:r>
+            <a:r>
+              <a:rPr kumimoji="0" lang="pt-BR" altLang="pt-BR" sz="1400" b="0" i="0" u="none" strike="noStrike" cap="none" normalizeH="0" baseline="0">
+                <a:ln>
+                  <a:noFill/>
+                </a:ln>
+                <a:effectLst/>
+                <a:latin typeface="Aptos"/>
+              </a:rPr>
+              <a:t>Atrás do relógio você encontra outra pista dizendo: “Procure a página 42”. Esse papel novo é a sua </a:t>
+            </a:r>
+            <a:r>
+              <a:rPr kumimoji="0" lang="pt-BR" altLang="pt-BR" sz="1400" b="1" i="0" u="none" strike="noStrike" cap="none" normalizeH="0" baseline="0">
+                <a:ln>
+                  <a:noFill/>
+                </a:ln>
+                <a:effectLst/>
+                <a:latin typeface="Aptos"/>
+              </a:rPr>
+              <a:t>próxima observação</a:t>
+            </a:r>
+            <a:r>
+              <a:rPr kumimoji="0" lang="pt-BR" altLang="pt-BR" sz="1400" b="0" i="0" u="none" strike="noStrike" cap="none" normalizeH="0" baseline="0">
+                <a:ln>
+                  <a:noFill/>
+                </a:ln>
+                <a:effectLst/>
+                <a:latin typeface="Aptos"/>
+              </a:rPr>
+              <a:t>.</a:t>
+            </a:r>
+            <a:endParaRPr lang="pt-BR" altLang="pt-BR" sz="1400" b="0" i="0" u="none" strike="noStrike" cap="none" normalizeH="0" baseline="0">
+              <a:ln>
+                <a:noFill/>
+              </a:ln>
+              <a:effectLst/>
+              <a:latin typeface="Aptos"/>
+            </a:endParaRPr>
+          </a:p>
+          <a:p>
+            <a:pPr marL="0" marR="0" lvl="0" indent="0" algn="l" defTabSz="914400" rtl="0" eaLnBrk="0" fontAlgn="base" latinLnBrk="0" hangingPunct="0">
+              <a:lnSpc>
+                <a:spcPct val="100000"/>
+              </a:lnSpc>
+              <a:spcBef>
+                <a:spcPct val="0"/>
+              </a:spcBef>
+              <a:spcAft>
+                <a:spcPct val="0"/>
+              </a:spcAft>
+              <a:buClrTx/>
+              <a:buSzTx/>
+              <a:buFontTx/>
+              <a:buAutoNum type="arabicPeriod" startAt="4"/>
+              <a:tabLst/>
+            </a:pPr>
+            <a:endParaRPr lang="pt-BR" altLang="pt-BR" sz="1400" b="0" i="0" u="none" strike="noStrike" cap="none" normalizeH="0" baseline="0">
+              <a:ln>
+                <a:noFill/>
+              </a:ln>
+              <a:effectLst/>
+              <a:latin typeface="Aptos"/>
+            </a:endParaRPr>
+          </a:p>
+          <a:p>
+            <a:pPr marL="0" marR="0" lvl="0" indent="0" algn="l" defTabSz="914400" rtl="0" eaLnBrk="0" fontAlgn="base" latinLnBrk="0" hangingPunct="0">
+              <a:lnSpc>
+                <a:spcPct val="100000"/>
+              </a:lnSpc>
+              <a:spcBef>
+                <a:spcPct val="0"/>
+              </a:spcBef>
+              <a:spcAft>
+                <a:spcPct val="0"/>
+              </a:spcAft>
+              <a:buClrTx/>
+              <a:buSzTx/>
+              <a:buFontTx/>
+              <a:buAutoNum type="arabicPeriod" startAt="5"/>
+              <a:tabLst/>
+            </a:pPr>
+            <a:r>
+              <a:rPr kumimoji="0" lang="pt-BR" altLang="pt-BR" sz="1400" b="1" i="0" u="none" strike="noStrike" cap="none" normalizeH="0" baseline="0">
+                <a:ln>
+                  <a:noFill/>
+                </a:ln>
+                <a:effectLst/>
+                <a:latin typeface="Aptos"/>
+              </a:rPr>
+              <a:t>Atualização do contexto</a:t>
+            </a:r>
+            <a:r>
+              <a:rPr lang="pt-BR" altLang="pt-BR" sz="1400">
+                <a:latin typeface="Aptos"/>
+              </a:rPr>
+              <a:t>: </a:t>
+            </a:r>
+            <a:r>
+              <a:rPr kumimoji="0" lang="pt-BR" altLang="pt-BR" sz="1400" b="0" i="0" u="none" strike="noStrike" cap="none" normalizeH="0" baseline="0">
+                <a:ln>
+                  <a:noFill/>
+                </a:ln>
+                <a:effectLst/>
+                <a:latin typeface="Aptos"/>
+              </a:rPr>
+              <a:t>Agora, o histórico completo é:</a:t>
+            </a:r>
+            <a:endParaRPr lang="pt-BR" altLang="pt-BR" sz="1400" b="0" i="0" u="none" strike="noStrike" cap="none" normalizeH="0" baseline="0">
+              <a:ln>
+                <a:noFill/>
+              </a:ln>
+              <a:effectLst/>
+              <a:latin typeface="Aptos"/>
+            </a:endParaRPr>
+          </a:p>
+          <a:p>
+            <a:pPr marL="457200" marR="0" lvl="1" indent="0" algn="l" defTabSz="914400" rtl="0" eaLnBrk="0" fontAlgn="base" latinLnBrk="0" hangingPunct="0">
+              <a:lnSpc>
+                <a:spcPct val="100000"/>
+              </a:lnSpc>
+              <a:spcBef>
+                <a:spcPct val="0"/>
+              </a:spcBef>
+              <a:spcAft>
+                <a:spcPct val="0"/>
+              </a:spcAft>
+              <a:buClrTx/>
+              <a:buSzTx/>
+              <a:buFontTx/>
+              <a:buChar char="•"/>
+              <a:tabLst/>
+            </a:pPr>
+            <a:r>
+              <a:rPr kumimoji="0" lang="pt-BR" altLang="pt-BR" sz="1400" b="0" i="0" u="none" strike="noStrike" cap="none" normalizeH="0" baseline="0">
+                <a:ln>
+                  <a:noFill/>
+                </a:ln>
+                <a:effectLst/>
+                <a:latin typeface="Aptos"/>
+              </a:rPr>
+              <a:t>Pista 1 (“</a:t>
+            </a:r>
+            <a:r>
+              <a:rPr kumimoji="0" lang="pt-BR" altLang="pt-BR" sz="1400" b="0" i="0" u="none" strike="noStrike" cap="none" normalizeH="0" baseline="0" err="1">
+                <a:ln>
+                  <a:noFill/>
+                </a:ln>
+                <a:effectLst/>
+                <a:latin typeface="Aptos"/>
+              </a:rPr>
+              <a:t>tic-tac</a:t>
+            </a:r>
+            <a:r>
+              <a:rPr kumimoji="0" lang="pt-BR" altLang="pt-BR" sz="1400" b="0" i="0" u="none" strike="noStrike" cap="none" normalizeH="0" baseline="0">
+                <a:ln>
+                  <a:noFill/>
+                </a:ln>
+                <a:effectLst/>
+                <a:latin typeface="Aptos"/>
+              </a:rPr>
+              <a:t>”)</a:t>
+            </a:r>
+            <a:endParaRPr lang="pt-BR" altLang="pt-BR" sz="1400" b="0" i="0" u="none" strike="noStrike" cap="none" normalizeH="0" baseline="0">
+              <a:ln>
+                <a:noFill/>
+              </a:ln>
+              <a:effectLst/>
+              <a:latin typeface="Aptos"/>
+            </a:endParaRPr>
+          </a:p>
+          <a:p>
+            <a:pPr marL="457200" marR="0" lvl="1" indent="0" algn="l" defTabSz="914400" rtl="0" eaLnBrk="0" fontAlgn="base" latinLnBrk="0" hangingPunct="0">
+              <a:lnSpc>
+                <a:spcPct val="100000"/>
+              </a:lnSpc>
+              <a:spcBef>
+                <a:spcPct val="0"/>
+              </a:spcBef>
+              <a:spcAft>
+                <a:spcPct val="0"/>
+              </a:spcAft>
+              <a:buClrTx/>
+              <a:buSzTx/>
+              <a:buFontTx/>
+              <a:buChar char="•"/>
+              <a:tabLst/>
+            </a:pPr>
+            <a:r>
+              <a:rPr kumimoji="0" lang="pt-BR" altLang="pt-BR" sz="1400" b="0" i="0" u="none" strike="noStrike" cap="none" normalizeH="0" baseline="0">
+                <a:ln>
+                  <a:noFill/>
+                </a:ln>
+                <a:effectLst/>
+                <a:latin typeface="Aptos"/>
+              </a:rPr>
+              <a:t>Pensamento (“relógio → sala de estar”)</a:t>
+            </a:r>
+            <a:endParaRPr lang="pt-BR" altLang="pt-BR" sz="1400" b="0" i="0" u="none" strike="noStrike" cap="none" normalizeH="0" baseline="0">
+              <a:ln>
+                <a:noFill/>
+              </a:ln>
+              <a:effectLst/>
+              <a:latin typeface="Aptos"/>
+            </a:endParaRPr>
+          </a:p>
+          <a:p>
+            <a:pPr marL="457200" marR="0" lvl="1" indent="0" algn="l" defTabSz="914400" rtl="0" eaLnBrk="0" fontAlgn="base" latinLnBrk="0" hangingPunct="0">
+              <a:lnSpc>
+                <a:spcPct val="100000"/>
+              </a:lnSpc>
+              <a:spcBef>
+                <a:spcPct val="0"/>
+              </a:spcBef>
+              <a:spcAft>
+                <a:spcPct val="0"/>
+              </a:spcAft>
+              <a:buClrTx/>
+              <a:buSzTx/>
+              <a:buFontTx/>
+              <a:buChar char="•"/>
+              <a:tabLst/>
+            </a:pPr>
+            <a:r>
+              <a:rPr kumimoji="0" lang="pt-BR" altLang="pt-BR" sz="1400" b="0" i="0" u="none" strike="noStrike" cap="none" normalizeH="0" baseline="0">
+                <a:ln>
+                  <a:noFill/>
+                </a:ln>
+                <a:effectLst/>
+                <a:latin typeface="Aptos"/>
+              </a:rPr>
+              <a:t>Ação (ir até o relógio)</a:t>
+            </a:r>
+            <a:endParaRPr lang="pt-BR" altLang="pt-BR" sz="1400" b="0" i="0" u="none" strike="noStrike" cap="none" normalizeH="0" baseline="0">
+              <a:ln>
+                <a:noFill/>
+              </a:ln>
+              <a:effectLst/>
+              <a:latin typeface="Aptos"/>
+            </a:endParaRPr>
+          </a:p>
+          <a:p>
+            <a:pPr marL="457200" marR="0" lvl="1" indent="0" algn="l" defTabSz="914400" rtl="0" eaLnBrk="0" fontAlgn="base" latinLnBrk="0" hangingPunct="0">
+              <a:lnSpc>
+                <a:spcPct val="100000"/>
+              </a:lnSpc>
+              <a:spcBef>
+                <a:spcPct val="0"/>
+              </a:spcBef>
+              <a:spcAft>
+                <a:spcPct val="0"/>
+              </a:spcAft>
+              <a:buClrTx/>
+              <a:buSzTx/>
+              <a:buFontTx/>
+              <a:buChar char="•"/>
+              <a:tabLst/>
+            </a:pPr>
+            <a:r>
+              <a:rPr kumimoji="0" lang="pt-BR" altLang="pt-BR" sz="1400" b="0" i="0" u="none" strike="noStrike" cap="none" normalizeH="0" baseline="0">
+                <a:ln>
+                  <a:noFill/>
+                </a:ln>
+                <a:effectLst/>
+                <a:latin typeface="Aptos"/>
+              </a:rPr>
+              <a:t>Pista 2 (“página 42”)</a:t>
+            </a:r>
+            <a:endParaRPr lang="pt-BR" altLang="pt-BR" sz="1400">
+              <a:latin typeface="Aptos"/>
+            </a:endParaRPr>
+          </a:p>
+          <a:p>
+            <a:pPr marL="457200" marR="0" lvl="1" indent="0" algn="l" defTabSz="914400" rtl="0" eaLnBrk="0" fontAlgn="base" latinLnBrk="0" hangingPunct="0">
+              <a:lnSpc>
+                <a:spcPct val="100000"/>
+              </a:lnSpc>
+              <a:spcBef>
+                <a:spcPct val="0"/>
+              </a:spcBef>
+              <a:spcAft>
+                <a:spcPct val="0"/>
+              </a:spcAft>
+              <a:buClrTx/>
+              <a:buSzTx/>
+              <a:buFontTx/>
+              <a:buChar char="•"/>
+              <a:tabLst/>
+            </a:pPr>
+            <a:endParaRPr lang="pt-BR" altLang="pt-BR" sz="1400" b="0" i="0" u="none" strike="noStrike" cap="none" normalizeH="0" baseline="0">
+              <a:ln>
+                <a:noFill/>
+              </a:ln>
+              <a:effectLst/>
+              <a:latin typeface="Aptos"/>
+            </a:endParaRPr>
+          </a:p>
+          <a:p>
+            <a:pPr marL="0" marR="0" lvl="0" indent="0" algn="l" defTabSz="914400" rtl="0" eaLnBrk="0" fontAlgn="base" latinLnBrk="0" hangingPunct="0">
+              <a:lnSpc>
+                <a:spcPct val="100000"/>
+              </a:lnSpc>
+              <a:spcBef>
+                <a:spcPct val="0"/>
+              </a:spcBef>
+              <a:spcAft>
+                <a:spcPct val="0"/>
+              </a:spcAft>
+              <a:buClrTx/>
+              <a:buSzTx/>
+              <a:buFontTx/>
+              <a:buAutoNum type="arabicPeriod" startAt="6"/>
+              <a:tabLst/>
+            </a:pPr>
+            <a:r>
+              <a:rPr kumimoji="0" lang="pt-BR" altLang="pt-BR" sz="1400" b="1" i="0" u="none" strike="noStrike" cap="none" normalizeH="0" baseline="0">
+                <a:ln>
+                  <a:noFill/>
+                </a:ln>
+                <a:effectLst/>
+                <a:latin typeface="Aptos"/>
+              </a:rPr>
+              <a:t>Novo pensamento</a:t>
+            </a:r>
+            <a:r>
+              <a:rPr lang="pt-BR" altLang="pt-BR" sz="1400">
+                <a:latin typeface="Aptos"/>
+              </a:rPr>
+              <a:t>: </a:t>
+            </a:r>
+            <a:r>
+              <a:rPr kumimoji="0" lang="pt-BR" altLang="pt-BR" sz="1400" b="0" i="0" u="none" strike="noStrike" cap="none" normalizeH="0" baseline="0">
+                <a:ln>
+                  <a:noFill/>
+                </a:ln>
+                <a:effectLst/>
+                <a:latin typeface="Aptos"/>
+              </a:rPr>
+              <a:t>“Página 42 deve estar num livro. Qual livro costuma ter muitas páginas? Talvez a enciclopédia na estante.”</a:t>
+            </a:r>
+            <a:endParaRPr lang="pt-BR" altLang="pt-BR" sz="1400" b="0" i="0" u="none" strike="noStrike" cap="none" normalizeH="0" baseline="0">
+              <a:ln>
+                <a:noFill/>
+              </a:ln>
+              <a:effectLst/>
+              <a:latin typeface="Aptos"/>
+            </a:endParaRPr>
+          </a:p>
+          <a:p>
+            <a:pPr marL="0" marR="0" lvl="0" indent="0" algn="l" defTabSz="914400" rtl="0" eaLnBrk="0" fontAlgn="base" latinLnBrk="0" hangingPunct="0">
+              <a:lnSpc>
+                <a:spcPct val="100000"/>
+              </a:lnSpc>
+              <a:spcBef>
+                <a:spcPct val="0"/>
+              </a:spcBef>
+              <a:spcAft>
+                <a:spcPct val="0"/>
+              </a:spcAft>
+              <a:buClrTx/>
+              <a:buSzTx/>
+              <a:buFontTx/>
+              <a:buAutoNum type="arabicPeriod" startAt="6"/>
+              <a:tabLst/>
+            </a:pPr>
+            <a:endParaRPr lang="pt-BR" altLang="pt-BR" sz="1400" b="0" i="0" u="none" strike="noStrike" cap="none" normalizeH="0" baseline="0">
+              <a:ln>
+                <a:noFill/>
+              </a:ln>
+              <a:effectLst/>
+              <a:latin typeface="Aptos"/>
+            </a:endParaRPr>
+          </a:p>
+          <a:p>
+            <a:pPr marL="0" marR="0" lvl="0" indent="0" algn="l" defTabSz="914400" rtl="0" eaLnBrk="0" fontAlgn="base" latinLnBrk="0" hangingPunct="0">
+              <a:lnSpc>
+                <a:spcPct val="100000"/>
+              </a:lnSpc>
+              <a:spcBef>
+                <a:spcPct val="0"/>
+              </a:spcBef>
+              <a:spcAft>
+                <a:spcPct val="0"/>
+              </a:spcAft>
+              <a:buClrTx/>
+              <a:buSzTx/>
+              <a:buFontTx/>
+              <a:buAutoNum type="arabicPeriod" startAt="7"/>
+              <a:tabLst/>
+            </a:pPr>
+            <a:r>
+              <a:rPr kumimoji="0" lang="pt-BR" altLang="pt-BR" sz="1400" b="1" i="0" u="none" strike="noStrike" cap="none" normalizeH="0" baseline="0">
+                <a:ln>
+                  <a:noFill/>
+                </a:ln>
+                <a:effectLst/>
+                <a:latin typeface="Aptos"/>
+              </a:rPr>
+              <a:t>Nova ação</a:t>
+            </a:r>
+            <a:r>
+              <a:rPr lang="pt-BR" altLang="pt-BR" sz="1400">
+                <a:latin typeface="Aptos"/>
+              </a:rPr>
+              <a:t>: </a:t>
+            </a:r>
+            <a:r>
+              <a:rPr kumimoji="0" lang="pt-BR" altLang="pt-BR" sz="1400" b="0" i="0" u="none" strike="noStrike" cap="none" normalizeH="0" baseline="0">
+                <a:ln>
+                  <a:noFill/>
+                </a:ln>
+                <a:effectLst/>
+                <a:latin typeface="Aptos"/>
+              </a:rPr>
+              <a:t>Vai até a enciclopédia, abre na página 42 — e assim por diante, alternando pensamento e ação até achar o tesouro</a:t>
+            </a:r>
+            <a:endParaRPr lang="pt-BR" altLang="pt-BR" sz="1400" b="0" i="0" u="none" strike="noStrike" cap="none" normalizeH="0" baseline="0">
+              <a:ln>
+                <a:noFill/>
+              </a:ln>
+              <a:effectLst/>
+              <a:latin typeface="Aptos"/>
+            </a:endParaRPr>
           </a:p>
           <a:p>
             <a:pPr marL="0" marR="0" lvl="0" indent="0" algn="l" defTabSz="914400" rtl="0" eaLnBrk="0" fontAlgn="base" latinLnBrk="0" hangingPunct="0">
@@ -5839,549 +7057,7 @@
               <a:buNone/>
               <a:tabLst/>
             </a:pPr>
-            <a:r>
-              <a:rPr kumimoji="0" lang="pt-BR" altLang="pt-BR" sz="1600" b="0" i="0" u="none" strike="noStrike" cap="none" normalizeH="0" baseline="0" dirty="0">
-                <a:ln>
-                  <a:noFill/>
-                </a:ln>
-                <a:solidFill>
-                  <a:schemeClr val="tx1"/>
-                </a:solidFill>
-                <a:effectLst/>
-                <a:latin typeface="Arial" panose="020B0604020202020204" pitchFamily="34" charset="0"/>
-              </a:rPr>
-              <a:t>“Relógios fazem </a:t>
-            </a:r>
-            <a:r>
-              <a:rPr kumimoji="0" lang="pt-BR" altLang="pt-BR" sz="1600" b="0" i="0" u="none" strike="noStrike" cap="none" normalizeH="0" baseline="0" dirty="0" err="1">
-                <a:ln>
-                  <a:noFill/>
-                </a:ln>
-                <a:solidFill>
-                  <a:schemeClr val="tx1"/>
-                </a:solidFill>
-                <a:effectLst/>
-                <a:latin typeface="Arial" panose="020B0604020202020204" pitchFamily="34" charset="0"/>
-              </a:rPr>
-              <a:t>tic-tac</a:t>
-            </a:r>
-            <a:r>
-              <a:rPr kumimoji="0" lang="pt-BR" altLang="pt-BR" sz="1600" b="0" i="0" u="none" strike="noStrike" cap="none" normalizeH="0" baseline="0" dirty="0">
-                <a:ln>
-                  <a:noFill/>
-                </a:ln>
-                <a:solidFill>
-                  <a:schemeClr val="tx1"/>
-                </a:solidFill>
-                <a:effectLst/>
-                <a:latin typeface="Arial" panose="020B0604020202020204" pitchFamily="34" charset="0"/>
-              </a:rPr>
-              <a:t>. Onde há um relógio por aqui? Provavelmente na sala de estar.”</a:t>
-            </a:r>
-            <a:br>
-              <a:rPr kumimoji="0" lang="pt-BR" altLang="pt-BR" sz="1600" b="0" i="0" u="none" strike="noStrike" cap="none" normalizeH="0" baseline="0" dirty="0">
-                <a:ln>
-                  <a:noFill/>
-                </a:ln>
-                <a:solidFill>
-                  <a:schemeClr val="tx1"/>
-                </a:solidFill>
-                <a:effectLst/>
-                <a:latin typeface="Arial" panose="020B0604020202020204" pitchFamily="34" charset="0"/>
-              </a:rPr>
-            </a:br>
-            <a:r>
-              <a:rPr kumimoji="0" lang="pt-BR" altLang="pt-BR" sz="1600" b="0" i="0" u="none" strike="noStrike" cap="none" normalizeH="0" baseline="0" dirty="0">
-                <a:ln>
-                  <a:noFill/>
-                </a:ln>
-                <a:solidFill>
-                  <a:schemeClr val="tx1"/>
-                </a:solidFill>
-                <a:effectLst/>
-                <a:latin typeface="Arial" panose="020B0604020202020204" pitchFamily="34" charset="0"/>
-              </a:rPr>
-              <a:t>Esse comentário não muda nada no mundo físico; é só </a:t>
-            </a:r>
-            <a:r>
-              <a:rPr kumimoji="0" lang="pt-BR" altLang="pt-BR" sz="1600" b="1" i="0" u="none" strike="noStrike" cap="none" normalizeH="0" baseline="0" dirty="0">
-                <a:ln>
-                  <a:noFill/>
-                </a:ln>
-                <a:solidFill>
-                  <a:schemeClr val="tx1"/>
-                </a:solidFill>
-                <a:effectLst/>
-                <a:latin typeface="Arial" panose="020B0604020202020204" pitchFamily="34" charset="0"/>
-              </a:rPr>
-              <a:t>linguagem</a:t>
-            </a:r>
-            <a:r>
-              <a:rPr kumimoji="0" lang="pt-BR" altLang="pt-BR" sz="1600" b="0" i="0" u="none" strike="noStrike" cap="none" normalizeH="0" baseline="0" dirty="0">
-                <a:ln>
-                  <a:noFill/>
-                </a:ln>
-                <a:solidFill>
-                  <a:schemeClr val="tx1"/>
-                </a:solidFill>
-                <a:effectLst/>
-                <a:latin typeface="Arial" panose="020B0604020202020204" pitchFamily="34" charset="0"/>
-              </a:rPr>
-              <a:t> – o seu raciocínio escrito ou falado.</a:t>
-            </a:r>
-          </a:p>
-          <a:p>
-            <a:pPr marL="0" marR="0" lvl="0" indent="0" algn="l" defTabSz="914400" rtl="0" eaLnBrk="0" fontAlgn="base" latinLnBrk="0" hangingPunct="0">
-              <a:lnSpc>
-                <a:spcPct val="100000"/>
-              </a:lnSpc>
-              <a:spcBef>
-                <a:spcPct val="0"/>
-              </a:spcBef>
-              <a:spcAft>
-                <a:spcPct val="0"/>
-              </a:spcAft>
-              <a:buClrTx/>
-              <a:buSzTx/>
-              <a:buFontTx/>
-              <a:buAutoNum type="arabicPeriod" startAt="3"/>
-              <a:tabLst/>
-            </a:pPr>
-            <a:r>
-              <a:rPr kumimoji="0" lang="pt-BR" altLang="pt-BR" sz="1600" b="1" i="0" u="none" strike="noStrike" cap="none" normalizeH="0" baseline="0" dirty="0">
-                <a:ln>
-                  <a:noFill/>
-                </a:ln>
-                <a:solidFill>
-                  <a:schemeClr val="tx1"/>
-                </a:solidFill>
-                <a:effectLst/>
-                <a:latin typeface="Arial" panose="020B0604020202020204" pitchFamily="34" charset="0"/>
-              </a:rPr>
-              <a:t>Ação</a:t>
-            </a:r>
-            <a:br>
-              <a:rPr kumimoji="0" lang="pt-BR" altLang="pt-BR" sz="1600" b="0" i="0" u="none" strike="noStrike" cap="none" normalizeH="0" baseline="0" dirty="0">
-                <a:ln>
-                  <a:noFill/>
-                </a:ln>
-                <a:solidFill>
-                  <a:schemeClr val="tx1"/>
-                </a:solidFill>
-                <a:effectLst/>
-                <a:latin typeface="Arial" panose="020B0604020202020204" pitchFamily="34" charset="0"/>
-              </a:rPr>
-            </a:br>
-            <a:r>
-              <a:rPr kumimoji="0" lang="pt-BR" altLang="pt-BR" sz="1600" b="0" i="0" u="none" strike="noStrike" cap="none" normalizeH="0" baseline="0" dirty="0">
-                <a:ln>
-                  <a:noFill/>
-                </a:ln>
-                <a:solidFill>
-                  <a:schemeClr val="tx1"/>
-                </a:solidFill>
-                <a:effectLst/>
-                <a:latin typeface="Arial" panose="020B0604020202020204" pitchFamily="34" charset="0"/>
-              </a:rPr>
-              <a:t>Com base nesse pensamento, você </a:t>
-            </a:r>
-            <a:r>
-              <a:rPr kumimoji="0" lang="pt-BR" altLang="pt-BR" sz="1600" b="1" i="0" u="none" strike="noStrike" cap="none" normalizeH="0" baseline="0" dirty="0">
-                <a:ln>
-                  <a:noFill/>
-                </a:ln>
-                <a:solidFill>
-                  <a:schemeClr val="tx1"/>
-                </a:solidFill>
-                <a:effectLst/>
-                <a:latin typeface="Arial" panose="020B0604020202020204" pitchFamily="34" charset="0"/>
-              </a:rPr>
-              <a:t>age</a:t>
-            </a:r>
-            <a:r>
-              <a:rPr kumimoji="0" lang="pt-BR" altLang="pt-BR" sz="1600" b="0" i="0" u="none" strike="noStrike" cap="none" normalizeH="0" baseline="0" dirty="0">
-                <a:ln>
-                  <a:noFill/>
-                </a:ln>
-                <a:solidFill>
-                  <a:schemeClr val="tx1"/>
-                </a:solidFill>
-                <a:effectLst/>
-                <a:latin typeface="Arial" panose="020B0604020202020204" pitchFamily="34" charset="0"/>
-              </a:rPr>
-              <a:t>: caminha até a sala de estar e olha atrás do relógio de parede.</a:t>
-            </a:r>
-          </a:p>
-          <a:p>
-            <a:pPr marL="0" marR="0" lvl="0" indent="0" algn="l" defTabSz="914400" rtl="0" eaLnBrk="0" fontAlgn="base" latinLnBrk="0" hangingPunct="0">
-              <a:lnSpc>
-                <a:spcPct val="100000"/>
-              </a:lnSpc>
-              <a:spcBef>
-                <a:spcPct val="0"/>
-              </a:spcBef>
-              <a:spcAft>
-                <a:spcPct val="0"/>
-              </a:spcAft>
-              <a:buClrTx/>
-              <a:buSzTx/>
-              <a:buFontTx/>
-              <a:buAutoNum type="arabicPeriod" startAt="4"/>
-              <a:tabLst/>
-            </a:pPr>
-            <a:r>
-              <a:rPr kumimoji="0" lang="pt-BR" altLang="pt-BR" sz="1600" b="1" i="0" u="none" strike="noStrike" cap="none" normalizeH="0" baseline="0" dirty="0">
-                <a:ln>
-                  <a:noFill/>
-                </a:ln>
-                <a:solidFill>
-                  <a:schemeClr val="tx1"/>
-                </a:solidFill>
-                <a:effectLst/>
-                <a:latin typeface="Arial" panose="020B0604020202020204" pitchFamily="34" charset="0"/>
-              </a:rPr>
-              <a:t>Nova observação</a:t>
-            </a:r>
-            <a:br>
-              <a:rPr kumimoji="0" lang="pt-BR" altLang="pt-BR" sz="1600" b="0" i="0" u="none" strike="noStrike" cap="none" normalizeH="0" baseline="0" dirty="0">
-                <a:ln>
-                  <a:noFill/>
-                </a:ln>
-                <a:solidFill>
-                  <a:schemeClr val="tx1"/>
-                </a:solidFill>
-                <a:effectLst/>
-                <a:latin typeface="Arial" panose="020B0604020202020204" pitchFamily="34" charset="0"/>
-              </a:rPr>
-            </a:br>
-            <a:r>
-              <a:rPr kumimoji="0" lang="pt-BR" altLang="pt-BR" sz="1600" b="0" i="0" u="none" strike="noStrike" cap="none" normalizeH="0" baseline="0" dirty="0">
-                <a:ln>
-                  <a:noFill/>
-                </a:ln>
-                <a:solidFill>
-                  <a:schemeClr val="tx1"/>
-                </a:solidFill>
-                <a:effectLst/>
-                <a:latin typeface="Arial" panose="020B0604020202020204" pitchFamily="34" charset="0"/>
-              </a:rPr>
-              <a:t>Atrás do relógio você encontra outra pista dizendo: “Procure a página 42”. Esse papel novo é a sua </a:t>
-            </a:r>
-            <a:r>
-              <a:rPr kumimoji="0" lang="pt-BR" altLang="pt-BR" sz="1600" b="1" i="0" u="none" strike="noStrike" cap="none" normalizeH="0" baseline="0" dirty="0">
-                <a:ln>
-                  <a:noFill/>
-                </a:ln>
-                <a:solidFill>
-                  <a:schemeClr val="tx1"/>
-                </a:solidFill>
-                <a:effectLst/>
-                <a:latin typeface="Arial" panose="020B0604020202020204" pitchFamily="34" charset="0"/>
-              </a:rPr>
-              <a:t>próxima observação</a:t>
-            </a:r>
-            <a:r>
-              <a:rPr kumimoji="0" lang="pt-BR" altLang="pt-BR" sz="1600" b="0" i="0" u="none" strike="noStrike" cap="none" normalizeH="0" baseline="0" dirty="0">
-                <a:ln>
-                  <a:noFill/>
-                </a:ln>
-                <a:solidFill>
-                  <a:schemeClr val="tx1"/>
-                </a:solidFill>
-                <a:effectLst/>
-                <a:latin typeface="Arial" panose="020B0604020202020204" pitchFamily="34" charset="0"/>
-              </a:rPr>
-              <a:t>.</a:t>
-            </a:r>
-          </a:p>
-          <a:p>
-            <a:pPr marL="0" marR="0" lvl="0" indent="0" algn="l" defTabSz="914400" rtl="0" eaLnBrk="0" fontAlgn="base" latinLnBrk="0" hangingPunct="0">
-              <a:lnSpc>
-                <a:spcPct val="100000"/>
-              </a:lnSpc>
-              <a:spcBef>
-                <a:spcPct val="0"/>
-              </a:spcBef>
-              <a:spcAft>
-                <a:spcPct val="0"/>
-              </a:spcAft>
-              <a:buClrTx/>
-              <a:buSzTx/>
-              <a:buFontTx/>
-              <a:buAutoNum type="arabicPeriod" startAt="5"/>
-              <a:tabLst/>
-            </a:pPr>
-            <a:r>
-              <a:rPr kumimoji="0" lang="pt-BR" altLang="pt-BR" sz="1600" b="1" i="0" u="none" strike="noStrike" cap="none" normalizeH="0" baseline="0" dirty="0">
-                <a:ln>
-                  <a:noFill/>
-                </a:ln>
-                <a:solidFill>
-                  <a:schemeClr val="tx1"/>
-                </a:solidFill>
-                <a:effectLst/>
-                <a:latin typeface="Arial" panose="020B0604020202020204" pitchFamily="34" charset="0"/>
-              </a:rPr>
-              <a:t>Atualização do contexto</a:t>
-            </a:r>
-            <a:br>
-              <a:rPr kumimoji="0" lang="pt-BR" altLang="pt-BR" sz="1600" b="0" i="0" u="none" strike="noStrike" cap="none" normalizeH="0" baseline="0" dirty="0">
-                <a:ln>
-                  <a:noFill/>
-                </a:ln>
-                <a:solidFill>
-                  <a:schemeClr val="tx1"/>
-                </a:solidFill>
-                <a:effectLst/>
-                <a:latin typeface="Arial" panose="020B0604020202020204" pitchFamily="34" charset="0"/>
-              </a:rPr>
-            </a:br>
-            <a:r>
-              <a:rPr kumimoji="0" lang="pt-BR" altLang="pt-BR" sz="1600" b="0" i="0" u="none" strike="noStrike" cap="none" normalizeH="0" baseline="0" dirty="0">
-                <a:ln>
-                  <a:noFill/>
-                </a:ln>
-                <a:solidFill>
-                  <a:schemeClr val="tx1"/>
-                </a:solidFill>
-                <a:effectLst/>
-                <a:latin typeface="Arial" panose="020B0604020202020204" pitchFamily="34" charset="0"/>
-              </a:rPr>
-              <a:t>Agora, o histórico completo é:</a:t>
-            </a:r>
-          </a:p>
-          <a:p>
-            <a:pPr marL="457200" marR="0" lvl="1" indent="0" algn="l" defTabSz="914400" rtl="0" eaLnBrk="0" fontAlgn="base" latinLnBrk="0" hangingPunct="0">
-              <a:lnSpc>
-                <a:spcPct val="100000"/>
-              </a:lnSpc>
-              <a:spcBef>
-                <a:spcPct val="0"/>
-              </a:spcBef>
-              <a:spcAft>
-                <a:spcPct val="0"/>
-              </a:spcAft>
-              <a:buClrTx/>
-              <a:buSzTx/>
-              <a:buFontTx/>
-              <a:buChar char="•"/>
-              <a:tabLst/>
-            </a:pPr>
-            <a:r>
-              <a:rPr kumimoji="0" lang="pt-BR" altLang="pt-BR" sz="1600" b="0" i="0" u="none" strike="noStrike" cap="none" normalizeH="0" baseline="0" dirty="0">
-                <a:ln>
-                  <a:noFill/>
-                </a:ln>
-                <a:solidFill>
-                  <a:schemeClr val="tx1"/>
-                </a:solidFill>
-                <a:effectLst/>
-                <a:latin typeface="Arial" panose="020B0604020202020204" pitchFamily="34" charset="0"/>
-              </a:rPr>
-              <a:t>Pista 1 (“</a:t>
-            </a:r>
-            <a:r>
-              <a:rPr kumimoji="0" lang="pt-BR" altLang="pt-BR" sz="1600" b="0" i="0" u="none" strike="noStrike" cap="none" normalizeH="0" baseline="0" dirty="0" err="1">
-                <a:ln>
-                  <a:noFill/>
-                </a:ln>
-                <a:solidFill>
-                  <a:schemeClr val="tx1"/>
-                </a:solidFill>
-                <a:effectLst/>
-                <a:latin typeface="Arial" panose="020B0604020202020204" pitchFamily="34" charset="0"/>
-              </a:rPr>
-              <a:t>tic-tac</a:t>
-            </a:r>
-            <a:r>
-              <a:rPr kumimoji="0" lang="pt-BR" altLang="pt-BR" sz="1600" b="0" i="0" u="none" strike="noStrike" cap="none" normalizeH="0" baseline="0" dirty="0">
-                <a:ln>
-                  <a:noFill/>
-                </a:ln>
-                <a:solidFill>
-                  <a:schemeClr val="tx1"/>
-                </a:solidFill>
-                <a:effectLst/>
-                <a:latin typeface="Arial" panose="020B0604020202020204" pitchFamily="34" charset="0"/>
-              </a:rPr>
-              <a:t>”)</a:t>
-            </a:r>
-          </a:p>
-          <a:p>
-            <a:pPr marL="457200" marR="0" lvl="1" indent="0" algn="l" defTabSz="914400" rtl="0" eaLnBrk="0" fontAlgn="base" latinLnBrk="0" hangingPunct="0">
-              <a:lnSpc>
-                <a:spcPct val="100000"/>
-              </a:lnSpc>
-              <a:spcBef>
-                <a:spcPct val="0"/>
-              </a:spcBef>
-              <a:spcAft>
-                <a:spcPct val="0"/>
-              </a:spcAft>
-              <a:buClrTx/>
-              <a:buSzTx/>
-              <a:buFontTx/>
-              <a:buChar char="•"/>
-              <a:tabLst/>
-            </a:pPr>
-            <a:r>
-              <a:rPr kumimoji="0" lang="pt-BR" altLang="pt-BR" sz="1600" b="0" i="0" u="none" strike="noStrike" cap="none" normalizeH="0" baseline="0" dirty="0">
-                <a:ln>
-                  <a:noFill/>
-                </a:ln>
-                <a:solidFill>
-                  <a:schemeClr val="tx1"/>
-                </a:solidFill>
-                <a:effectLst/>
-                <a:latin typeface="Arial" panose="020B0604020202020204" pitchFamily="34" charset="0"/>
-              </a:rPr>
-              <a:t>Pensamento (“relógio → sala de estar”)</a:t>
-            </a:r>
-          </a:p>
-          <a:p>
-            <a:pPr marL="457200" marR="0" lvl="1" indent="0" algn="l" defTabSz="914400" rtl="0" eaLnBrk="0" fontAlgn="base" latinLnBrk="0" hangingPunct="0">
-              <a:lnSpc>
-                <a:spcPct val="100000"/>
-              </a:lnSpc>
-              <a:spcBef>
-                <a:spcPct val="0"/>
-              </a:spcBef>
-              <a:spcAft>
-                <a:spcPct val="0"/>
-              </a:spcAft>
-              <a:buClrTx/>
-              <a:buSzTx/>
-              <a:buFontTx/>
-              <a:buChar char="•"/>
-              <a:tabLst/>
-            </a:pPr>
-            <a:r>
-              <a:rPr kumimoji="0" lang="pt-BR" altLang="pt-BR" sz="1600" b="0" i="0" u="none" strike="noStrike" cap="none" normalizeH="0" baseline="0" dirty="0">
-                <a:ln>
-                  <a:noFill/>
-                </a:ln>
-                <a:solidFill>
-                  <a:schemeClr val="tx1"/>
-                </a:solidFill>
-                <a:effectLst/>
-                <a:latin typeface="Arial" panose="020B0604020202020204" pitchFamily="34" charset="0"/>
-              </a:rPr>
-              <a:t>Ação (ir até o relógio)</a:t>
-            </a:r>
-          </a:p>
-          <a:p>
-            <a:pPr marL="457200" marR="0" lvl="1" indent="0" algn="l" defTabSz="914400" rtl="0" eaLnBrk="0" fontAlgn="base" latinLnBrk="0" hangingPunct="0">
-              <a:lnSpc>
-                <a:spcPct val="100000"/>
-              </a:lnSpc>
-              <a:spcBef>
-                <a:spcPct val="0"/>
-              </a:spcBef>
-              <a:spcAft>
-                <a:spcPct val="0"/>
-              </a:spcAft>
-              <a:buClrTx/>
-              <a:buSzTx/>
-              <a:buFontTx/>
-              <a:buChar char="•"/>
-              <a:tabLst/>
-            </a:pPr>
-            <a:r>
-              <a:rPr kumimoji="0" lang="pt-BR" altLang="pt-BR" sz="1600" b="0" i="0" u="none" strike="noStrike" cap="none" normalizeH="0" baseline="0" dirty="0">
-                <a:ln>
-                  <a:noFill/>
-                </a:ln>
-                <a:solidFill>
-                  <a:schemeClr val="tx1"/>
-                </a:solidFill>
-                <a:effectLst/>
-                <a:latin typeface="Arial" panose="020B0604020202020204" pitchFamily="34" charset="0"/>
-              </a:rPr>
-              <a:t>Pista 2 (“página 42”)</a:t>
-            </a:r>
-            <a:br>
-              <a:rPr kumimoji="0" lang="pt-BR" altLang="pt-BR" sz="1600" b="0" i="0" u="none" strike="noStrike" cap="none" normalizeH="0" baseline="0" dirty="0">
-                <a:ln>
-                  <a:noFill/>
-                </a:ln>
-                <a:solidFill>
-                  <a:schemeClr val="tx1"/>
-                </a:solidFill>
-                <a:effectLst/>
-                <a:latin typeface="Arial" panose="020B0604020202020204" pitchFamily="34" charset="0"/>
-              </a:rPr>
-            </a:br>
-            <a:r>
-              <a:rPr kumimoji="0" lang="pt-BR" altLang="pt-BR" sz="1600" b="0" i="0" u="none" strike="noStrike" cap="none" normalizeH="0" baseline="0" dirty="0">
-                <a:ln>
-                  <a:noFill/>
-                </a:ln>
-                <a:solidFill>
-                  <a:schemeClr val="tx1"/>
-                </a:solidFill>
-                <a:effectLst/>
-                <a:latin typeface="Arial" panose="020B0604020202020204" pitchFamily="34" charset="0"/>
-              </a:rPr>
-              <a:t>Esse histórico é o </a:t>
-            </a:r>
-            <a:r>
-              <a:rPr kumimoji="0" lang="pt-BR" altLang="pt-BR" sz="1600" b="1" i="0" u="none" strike="noStrike" cap="none" normalizeH="0" baseline="0" dirty="0">
-                <a:ln>
-                  <a:noFill/>
-                </a:ln>
-                <a:solidFill>
-                  <a:schemeClr val="tx1"/>
-                </a:solidFill>
-                <a:effectLst/>
-                <a:latin typeface="Arial" panose="020B0604020202020204" pitchFamily="34" charset="0"/>
-              </a:rPr>
-              <a:t>contexto</a:t>
-            </a:r>
-            <a:r>
-              <a:rPr kumimoji="0" lang="pt-BR" altLang="pt-BR" sz="1600" b="0" i="0" u="none" strike="noStrike" cap="none" normalizeH="0" baseline="0" dirty="0">
-                <a:ln>
-                  <a:noFill/>
-                </a:ln>
-                <a:solidFill>
-                  <a:schemeClr val="tx1"/>
-                </a:solidFill>
-                <a:effectLst/>
-                <a:latin typeface="Arial" panose="020B0604020202020204" pitchFamily="34" charset="0"/>
-              </a:rPr>
-              <a:t>: tudo que já viu, pensou e fez. Você adiciona a ele o que acabou de notar.</a:t>
-            </a:r>
-          </a:p>
-          <a:p>
-            <a:pPr marL="0" marR="0" lvl="0" indent="0" algn="l" defTabSz="914400" rtl="0" eaLnBrk="0" fontAlgn="base" latinLnBrk="0" hangingPunct="0">
-              <a:lnSpc>
-                <a:spcPct val="100000"/>
-              </a:lnSpc>
-              <a:spcBef>
-                <a:spcPct val="0"/>
-              </a:spcBef>
-              <a:spcAft>
-                <a:spcPct val="0"/>
-              </a:spcAft>
-              <a:buClrTx/>
-              <a:buSzTx/>
-              <a:buFontTx/>
-              <a:buAutoNum type="arabicPeriod" startAt="6"/>
-              <a:tabLst/>
-            </a:pPr>
-            <a:r>
-              <a:rPr kumimoji="0" lang="pt-BR" altLang="pt-BR" sz="1600" b="1" i="0" u="none" strike="noStrike" cap="none" normalizeH="0" baseline="0" dirty="0">
-                <a:ln>
-                  <a:noFill/>
-                </a:ln>
-                <a:solidFill>
-                  <a:schemeClr val="tx1"/>
-                </a:solidFill>
-                <a:effectLst/>
-                <a:latin typeface="Arial" panose="020B0604020202020204" pitchFamily="34" charset="0"/>
-              </a:rPr>
-              <a:t>Novo pensamento</a:t>
-            </a:r>
-            <a:endParaRPr kumimoji="0" lang="pt-BR" altLang="pt-BR" sz="1600" b="0" i="0" u="none" strike="noStrike" cap="none" normalizeH="0" baseline="0" dirty="0">
+            <a:endParaRPr kumimoji="0" lang="pt-BR" altLang="pt-BR" sz="1600" b="0" i="0" u="none" strike="noStrike" cap="none" normalizeH="0" baseline="0">
               <a:ln>
                 <a:noFill/>
               </a:ln>
@@ -6392,120 +7068,40 @@
               <a:latin typeface="Arial" panose="020B0604020202020204" pitchFamily="34" charset="0"/>
             </a:endParaRPr>
           </a:p>
-          <a:p>
-            <a:pPr marL="0" marR="0" lvl="0" indent="0" algn="l" defTabSz="914400" rtl="0" eaLnBrk="0" fontAlgn="base" latinLnBrk="0" hangingPunct="0">
-              <a:lnSpc>
-                <a:spcPct val="100000"/>
-              </a:lnSpc>
-              <a:spcBef>
-                <a:spcPct val="0"/>
-              </a:spcBef>
-              <a:spcAft>
-                <a:spcPct val="0"/>
-              </a:spcAft>
-              <a:buClrTx/>
-              <a:buSzTx/>
-              <a:buFontTx/>
-              <a:buNone/>
-              <a:tabLst/>
-            </a:pPr>
-            <a:r>
-              <a:rPr kumimoji="0" lang="pt-BR" altLang="pt-BR" sz="1600" b="0" i="0" u="none" strike="noStrike" cap="none" normalizeH="0" baseline="0" dirty="0">
-                <a:ln>
-                  <a:noFill/>
-                </a:ln>
-                <a:solidFill>
-                  <a:schemeClr val="tx1"/>
-                </a:solidFill>
-                <a:effectLst/>
-                <a:latin typeface="Arial" panose="020B0604020202020204" pitchFamily="34" charset="0"/>
-              </a:rPr>
-              <a:t>“Página 42 deve estar num livro. Qual livro costuma ter muitas páginas? Talvez a enciclopédia na estante.”</a:t>
-            </a:r>
-          </a:p>
-          <a:p>
-            <a:pPr marL="0" marR="0" lvl="0" indent="0" algn="l" defTabSz="914400" rtl="0" eaLnBrk="0" fontAlgn="base" latinLnBrk="0" hangingPunct="0">
-              <a:lnSpc>
-                <a:spcPct val="100000"/>
-              </a:lnSpc>
-              <a:spcBef>
-                <a:spcPct val="0"/>
-              </a:spcBef>
-              <a:spcAft>
-                <a:spcPct val="0"/>
-              </a:spcAft>
-              <a:buClrTx/>
-              <a:buSzTx/>
-              <a:buFontTx/>
-              <a:buAutoNum type="arabicPeriod" startAt="7"/>
-              <a:tabLst/>
-            </a:pPr>
-            <a:r>
-              <a:rPr kumimoji="0" lang="pt-BR" altLang="pt-BR" sz="1600" b="1" i="0" u="none" strike="noStrike" cap="none" normalizeH="0" baseline="0" dirty="0">
-                <a:ln>
-                  <a:noFill/>
-                </a:ln>
-                <a:solidFill>
-                  <a:schemeClr val="tx1"/>
-                </a:solidFill>
-                <a:effectLst/>
-                <a:latin typeface="Arial" panose="020B0604020202020204" pitchFamily="34" charset="0"/>
-              </a:rPr>
-              <a:t>Nova ação</a:t>
-            </a:r>
-            <a:br>
-              <a:rPr kumimoji="0" lang="pt-BR" altLang="pt-BR" sz="1600" b="0" i="0" u="none" strike="noStrike" cap="none" normalizeH="0" baseline="0" dirty="0">
-                <a:ln>
-                  <a:noFill/>
-                </a:ln>
-                <a:solidFill>
-                  <a:schemeClr val="tx1"/>
-                </a:solidFill>
-                <a:effectLst/>
-                <a:latin typeface="Arial" panose="020B0604020202020204" pitchFamily="34" charset="0"/>
-              </a:rPr>
-            </a:br>
-            <a:r>
-              <a:rPr kumimoji="0" lang="pt-BR" altLang="pt-BR" sz="1600" b="0" i="0" u="none" strike="noStrike" cap="none" normalizeH="0" baseline="0" dirty="0">
-                <a:ln>
-                  <a:noFill/>
-                </a:ln>
-                <a:solidFill>
-                  <a:schemeClr val="tx1"/>
-                </a:solidFill>
-                <a:effectLst/>
-                <a:latin typeface="Arial" panose="020B0604020202020204" pitchFamily="34" charset="0"/>
-              </a:rPr>
-              <a:t>Vai até a enciclopédia, abre na página 42 — e assim por diante, alternando pensamento e ação até achar o tesouro</a:t>
-            </a:r>
-          </a:p>
-          <a:p>
-            <a:pPr marL="0" marR="0" lvl="0" indent="0" algn="l" defTabSz="914400" rtl="0" eaLnBrk="0" fontAlgn="base" latinLnBrk="0" hangingPunct="0">
-              <a:lnSpc>
-                <a:spcPct val="100000"/>
-              </a:lnSpc>
-              <a:spcBef>
-                <a:spcPct val="0"/>
-              </a:spcBef>
-              <a:spcAft>
-                <a:spcPct val="0"/>
-              </a:spcAft>
-              <a:buClrTx/>
-              <a:buSzTx/>
-              <a:buFontTx/>
-              <a:buNone/>
-              <a:tabLst/>
-            </a:pPr>
-            <a:endParaRPr kumimoji="0" lang="pt-BR" altLang="pt-BR" sz="1600" b="0" i="0" u="none" strike="noStrike" cap="none" normalizeH="0" baseline="0" dirty="0">
-              <a:ln>
-                <a:noFill/>
-              </a:ln>
-              <a:solidFill>
-                <a:schemeClr val="tx1"/>
-              </a:solidFill>
-              <a:effectLst/>
-              <a:latin typeface="Arial" panose="020B0604020202020204" pitchFamily="34" charset="0"/>
-            </a:endParaRPr>
+        </p:txBody>
+      </p:sp>
+      <p:sp>
+        <p:nvSpPr>
+          <p:cNvPr id="2" name="CaixaDeTexto 1">
+            <a:extLst>
+              <a:ext uri="{FF2B5EF4-FFF2-40B4-BE49-F238E27FC236}">
+                <a16:creationId xmlns:a16="http://schemas.microsoft.com/office/drawing/2014/main" id="{454FBEA7-ABE0-20E9-8885-D3AC5946EB3E}"/>
+              </a:ext>
+            </a:extLst>
+          </p:cNvPr>
+          <p:cNvSpPr txBox="1"/>
+          <p:nvPr/>
+        </p:nvSpPr>
+        <p:spPr>
+          <a:xfrm>
+            <a:off x="1191800" y="277225"/>
+            <a:ext cx="9219025" cy="461665"/>
+          </a:xfrm>
+          <a:prstGeom prst="rect">
+            <a:avLst/>
+          </a:prstGeom>
+          <a:noFill/>
+        </p:spPr>
+        <p:txBody>
+          <a:bodyPr wrap="square" rtlCol="0">
+            <a:spAutoFit/>
+          </a:bodyPr>
+          <a:lstStyle/>
+          <a:p>
+            <a:r>
+              <a:rPr lang="pt-BR" sz="2400" b="1"/>
+              <a:t>Como funciona (Conversa de bar)</a:t>
+            </a:r>
           </a:p>
         </p:txBody>
       </p:sp>
@@ -6530,7 +7126,7 @@
         <p:cNvPr id="1" name="">
           <a:extLst>
             <a:ext uri="{FF2B5EF4-FFF2-40B4-BE49-F238E27FC236}">
-              <a16:creationId xmlns:a16="http://schemas.microsoft.com/office/drawing/2014/main" id="{EEBA89ED-ABA1-7E96-E2AF-E1C0BC9ECF16}"/>
+              <a16:creationId xmlns:a16="http://schemas.microsoft.com/office/drawing/2014/main" id="{9EE15560-EA12-20F7-2F27-425A8E24E448}"/>
             </a:ext>
           </a:extLst>
         </p:cNvPr>
@@ -6547,168 +7143,10 @@
       </p:grpSpPr>
       <p:sp>
         <p:nvSpPr>
-          <p:cNvPr id="7" name="Rectangle 4">
-            <a:extLst>
-              <a:ext uri="{FF2B5EF4-FFF2-40B4-BE49-F238E27FC236}">
-                <a16:creationId xmlns:a16="http://schemas.microsoft.com/office/drawing/2014/main" id="{7C275354-C75D-0BE3-B4CF-0F1A9D7B20FE}"/>
-              </a:ext>
-            </a:extLst>
-          </p:cNvPr>
-          <p:cNvSpPr>
-            <a:spLocks noChangeArrowheads="1"/>
-          </p:cNvSpPr>
-          <p:nvPr/>
-        </p:nvSpPr>
-        <p:spPr bwMode="auto">
-          <a:xfrm>
-            <a:off x="1323975" y="759647"/>
-            <a:ext cx="9544050" cy="2062103"/>
-          </a:xfrm>
-          <a:prstGeom prst="rect">
-            <a:avLst/>
-          </a:prstGeom>
-          <a:noFill/>
-          <a:ln>
-            <a:noFill/>
-          </a:ln>
-          <a:effectLst/>
-          <a:extLst>
-            <a:ext uri="{909E8E84-426E-40DD-AFC4-6F175D3DCCD1}">
-              <a14:hiddenFill xmlns:a14="http://schemas.microsoft.com/office/drawing/2010/main">
-                <a:solidFill>
-                  <a:schemeClr val="accent1"/>
-                </a:solidFill>
-              </a14:hiddenFill>
-            </a:ext>
-            <a:ext uri="{91240B29-F687-4F45-9708-019B960494DF}">
-              <a14:hiddenLine xmlns:a14="http://schemas.microsoft.com/office/drawing/2010/main" w="9525">
-                <a:solidFill>
-                  <a:schemeClr val="tx1"/>
-                </a:solidFill>
-                <a:miter lim="800000"/>
-                <a:headEnd/>
-                <a:tailEnd/>
-              </a14:hiddenLine>
-            </a:ext>
-            <a:ext uri="{AF507438-7753-43E0-B8FC-AC1667EBCBE1}">
-              <a14:hiddenEffects xmlns:a14="http://schemas.microsoft.com/office/drawing/2010/main">
-                <a:effectLst>
-                  <a:outerShdw dist="35921" dir="2700000" algn="ctr" rotWithShape="0">
-                    <a:schemeClr val="bg2"/>
-                  </a:outerShdw>
-                </a:effectLst>
-              </a14:hiddenEffects>
-            </a:ext>
-          </a:extLst>
-        </p:spPr>
-        <p:txBody>
-          <a:bodyPr vert="horz" wrap="square" lIns="91440" tIns="45720" rIns="91440" bIns="45720" numCol="1" anchor="ctr" anchorCtr="0" compatLnSpc="1">
-            <a:prstTxWarp prst="textNoShape">
-              <a:avLst/>
-            </a:prstTxWarp>
-            <a:spAutoFit/>
-          </a:bodyPr>
-          <a:lstStyle/>
-          <a:p>
-            <a:pPr>
-              <a:buNone/>
-            </a:pPr>
-            <a:r>
-              <a:rPr lang="pt-BR" sz="1600" b="1" dirty="0"/>
-              <a:t>Ligando ao </a:t>
-            </a:r>
-            <a:r>
-              <a:rPr lang="pt-BR" sz="1600" b="1" dirty="0" err="1"/>
-              <a:t>ReAct</a:t>
-            </a:r>
-            <a:endParaRPr lang="pt-BR" sz="1600" b="1" dirty="0"/>
-          </a:p>
-          <a:p>
-            <a:pPr>
-              <a:buFont typeface="Arial" panose="020B0604020202020204" pitchFamily="34" charset="0"/>
-              <a:buChar char="•"/>
-            </a:pPr>
-            <a:r>
-              <a:rPr lang="pt-BR" sz="1600" b="1" dirty="0"/>
-              <a:t>Observação</a:t>
-            </a:r>
-            <a:r>
-              <a:rPr lang="pt-BR" sz="1600" dirty="0"/>
-              <a:t>: cada pista que o ambiente fornece quando você executa algo.</a:t>
-            </a:r>
-          </a:p>
-          <a:p>
-            <a:pPr>
-              <a:buFont typeface="Arial" panose="020B0604020202020204" pitchFamily="34" charset="0"/>
-              <a:buChar char="•"/>
-            </a:pPr>
-            <a:r>
-              <a:rPr lang="pt-BR" sz="1600" b="1" dirty="0"/>
-              <a:t>Ação</a:t>
-            </a:r>
-            <a:r>
-              <a:rPr lang="pt-BR" sz="1600" dirty="0"/>
-              <a:t>: movimentos físicos — caminhar, abrir um livro.</a:t>
-            </a:r>
-          </a:p>
-          <a:p>
-            <a:pPr>
-              <a:buFont typeface="Arial" panose="020B0604020202020204" pitchFamily="34" charset="0"/>
-              <a:buChar char="•"/>
-            </a:pPr>
-            <a:r>
-              <a:rPr lang="pt-BR" sz="1600" b="1" dirty="0"/>
-              <a:t>Espaço da linguagem</a:t>
-            </a:r>
-            <a:r>
-              <a:rPr lang="pt-BR" sz="1600" dirty="0"/>
-              <a:t>: seus comentários em voz alta (“Relógios fazem </a:t>
-            </a:r>
-            <a:r>
-              <a:rPr lang="pt-BR" sz="1600" dirty="0" err="1"/>
-              <a:t>tic-tac</a:t>
-            </a:r>
-            <a:r>
-              <a:rPr lang="pt-BR" sz="1600" dirty="0"/>
-              <a:t>”). Eles não mudam o ambiente; servem para organizar ideias.</a:t>
-            </a:r>
-          </a:p>
-          <a:p>
-            <a:pPr>
-              <a:buFont typeface="Arial" panose="020B0604020202020204" pitchFamily="34" charset="0"/>
-              <a:buChar char="•"/>
-            </a:pPr>
-            <a:r>
-              <a:rPr lang="pt-BR" sz="1600" b="1" dirty="0"/>
-              <a:t>Contexto</a:t>
-            </a:r>
-            <a:r>
-              <a:rPr lang="pt-BR" sz="1600" dirty="0"/>
-              <a:t>: a lista crescente de tudo que já aconteceu na busca.</a:t>
-            </a:r>
-          </a:p>
-          <a:p>
-            <a:pPr>
-              <a:buFont typeface="Arial" panose="020B0604020202020204" pitchFamily="34" charset="0"/>
-              <a:buChar char="•"/>
-            </a:pPr>
-            <a:r>
-              <a:rPr lang="pt-BR" sz="1600" b="1" dirty="0"/>
-              <a:t>Atualização do contexto</a:t>
-            </a:r>
-            <a:r>
-              <a:rPr lang="pt-BR" sz="1600" dirty="0"/>
-              <a:t>: cada vez que você pensa ou recebe uma pista nova, acrescenta essa informação ao histórico para usar depois.</a:t>
-            </a:r>
-          </a:p>
-        </p:txBody>
-      </p:sp>
-      <p:sp>
-        <p:nvSpPr>
           <p:cNvPr id="2" name="CaixaDeTexto 1">
             <a:extLst>
               <a:ext uri="{FF2B5EF4-FFF2-40B4-BE49-F238E27FC236}">
-                <a16:creationId xmlns:a16="http://schemas.microsoft.com/office/drawing/2014/main" id="{D287AE38-EC9F-7C9C-A692-D00AACAB25DA}"/>
+                <a16:creationId xmlns:a16="http://schemas.microsoft.com/office/drawing/2014/main" id="{EE80FBEE-CDAC-023E-7028-02EAC78DDD02}"/>
               </a:ext>
             </a:extLst>
           </p:cNvPr>
@@ -6717,8 +7155,8 @@
         </p:nvSpPr>
         <p:spPr>
           <a:xfrm>
-            <a:off x="1609725" y="3655184"/>
-            <a:ext cx="8972550" cy="1477328"/>
+            <a:off x="1191801" y="277225"/>
+            <a:ext cx="4500788" cy="461665"/>
           </a:xfrm>
           <a:prstGeom prst="rect">
             <a:avLst/>
@@ -6726,63 +7164,266 @@
           <a:noFill/>
         </p:spPr>
         <p:txBody>
+          <a:bodyPr wrap="square" rtlCol="0">
+            <a:spAutoFit/>
+          </a:bodyPr>
+          <a:lstStyle/>
+          <a:p>
+            <a:r>
+              <a:rPr lang="pt-BR" sz="2400" b="1"/>
+              <a:t>Implementação (Prompt)</a:t>
+            </a:r>
+          </a:p>
+        </p:txBody>
+      </p:sp>
+      <p:pic>
+        <p:nvPicPr>
+          <p:cNvPr id="4" name="Imagem 3">
+            <a:extLst>
+              <a:ext uri="{FF2B5EF4-FFF2-40B4-BE49-F238E27FC236}">
+                <a16:creationId xmlns:a16="http://schemas.microsoft.com/office/drawing/2014/main" id="{56D89343-6A46-C5CC-29BF-230D5ADD35B4}"/>
+              </a:ext>
+            </a:extLst>
+          </p:cNvPr>
+          <p:cNvPicPr>
+            <a:picLocks noChangeAspect="1"/>
+          </p:cNvPicPr>
+          <p:nvPr/>
+        </p:nvPicPr>
+        <p:blipFill>
+          <a:blip r:embed="rId2"/>
+          <a:stretch>
+            <a:fillRect/>
+          </a:stretch>
+        </p:blipFill>
+        <p:spPr>
+          <a:xfrm>
+            <a:off x="439270" y="1603266"/>
+            <a:ext cx="6379176" cy="3651468"/>
+          </a:xfrm>
+          <a:prstGeom prst="rect">
+            <a:avLst/>
+          </a:prstGeom>
+        </p:spPr>
+      </p:pic>
+      <p:sp>
+        <p:nvSpPr>
+          <p:cNvPr id="5" name="CaixaDeTexto 4">
+            <a:extLst>
+              <a:ext uri="{FF2B5EF4-FFF2-40B4-BE49-F238E27FC236}">
+                <a16:creationId xmlns:a16="http://schemas.microsoft.com/office/drawing/2014/main" id="{1B38E03E-22DD-796F-7A77-64AC2886AD33}"/>
+              </a:ext>
+            </a:extLst>
+          </p:cNvPr>
+          <p:cNvSpPr txBox="1"/>
+          <p:nvPr/>
+        </p:nvSpPr>
+        <p:spPr>
+          <a:xfrm>
+            <a:off x="466454" y="5219030"/>
+            <a:ext cx="4171949" cy="261610"/>
+          </a:xfrm>
+          <a:prstGeom prst="rect">
+            <a:avLst/>
+          </a:prstGeom>
+          <a:noFill/>
+        </p:spPr>
+        <p:txBody>
+          <a:bodyPr wrap="square" rtlCol="0">
+            <a:spAutoFit/>
+          </a:bodyPr>
+          <a:lstStyle/>
+          <a:p>
+            <a:r>
+              <a:rPr lang="pt-BR" sz="1100" dirty="0">
+                <a:solidFill>
+                  <a:schemeClr val="bg1">
+                    <a:lumMod val="50000"/>
+                  </a:schemeClr>
+                </a:solidFill>
+              </a:rPr>
+              <a:t>Fonte: REACT-LM (2023)</a:t>
+            </a:r>
+          </a:p>
+        </p:txBody>
+      </p:sp>
+      <p:sp>
+        <p:nvSpPr>
+          <p:cNvPr id="8" name="CaixaDeTexto 7">
+            <a:extLst>
+              <a:ext uri="{FF2B5EF4-FFF2-40B4-BE49-F238E27FC236}">
+                <a16:creationId xmlns:a16="http://schemas.microsoft.com/office/drawing/2014/main" id="{E0D850E5-BF3A-F302-61C4-32CBB145662A}"/>
+              </a:ext>
+            </a:extLst>
+          </p:cNvPr>
+          <p:cNvSpPr txBox="1"/>
+          <p:nvPr/>
+        </p:nvSpPr>
+        <p:spPr>
+          <a:xfrm>
+            <a:off x="439270" y="1428294"/>
+            <a:ext cx="5637626" cy="261610"/>
+          </a:xfrm>
+          <a:prstGeom prst="rect">
+            <a:avLst/>
+          </a:prstGeom>
+          <a:noFill/>
+        </p:spPr>
+        <p:txBody>
+          <a:bodyPr wrap="square" rtlCol="0">
+            <a:spAutoFit/>
+          </a:bodyPr>
+          <a:lstStyle/>
+          <a:p>
+            <a:r>
+              <a:rPr lang="pt-BR" sz="1100" dirty="0">
+                <a:solidFill>
+                  <a:schemeClr val="bg1">
+                    <a:lumMod val="50000"/>
+                  </a:schemeClr>
+                </a:solidFill>
+              </a:rPr>
+              <a:t>Figura: Diagrama do prompt para um agente </a:t>
+            </a:r>
+            <a:r>
+              <a:rPr lang="pt-BR" sz="1100" dirty="0" err="1">
+                <a:solidFill>
+                  <a:schemeClr val="bg1">
+                    <a:lumMod val="50000"/>
+                  </a:schemeClr>
+                </a:solidFill>
+              </a:rPr>
+              <a:t>ReAct</a:t>
+            </a:r>
+            <a:endParaRPr lang="pt-BR" sz="1100" dirty="0">
+              <a:solidFill>
+                <a:schemeClr val="bg1">
+                  <a:lumMod val="50000"/>
+                </a:schemeClr>
+              </a:solidFill>
+            </a:endParaRPr>
+          </a:p>
+        </p:txBody>
+      </p:sp>
+      <p:sp>
+        <p:nvSpPr>
+          <p:cNvPr id="6" name="CaixaDeTexto 5">
+            <a:extLst>
+              <a:ext uri="{FF2B5EF4-FFF2-40B4-BE49-F238E27FC236}">
+                <a16:creationId xmlns:a16="http://schemas.microsoft.com/office/drawing/2014/main" id="{CA8B9A19-B9E1-6204-5FC6-8291523B904D}"/>
+              </a:ext>
+            </a:extLst>
+          </p:cNvPr>
+          <p:cNvSpPr txBox="1"/>
+          <p:nvPr/>
+        </p:nvSpPr>
+        <p:spPr>
+          <a:xfrm>
+            <a:off x="6818446" y="2059394"/>
+            <a:ext cx="5234059" cy="2739211"/>
+          </a:xfrm>
+          <a:prstGeom prst="rect">
+            <a:avLst/>
+          </a:prstGeom>
+          <a:noFill/>
+        </p:spPr>
+        <p:txBody>
           <a:bodyPr wrap="square">
             <a:spAutoFit/>
           </a:bodyPr>
           <a:lstStyle/>
           <a:p>
-            <a:pPr algn="l">
-              <a:spcAft>
-                <a:spcPts val="1200"/>
-              </a:spcAft>
-            </a:pPr>
-            <a:r>
-              <a:rPr lang="pt-BR" b="0" i="0" dirty="0" err="1">
-                <a:solidFill>
-                  <a:srgbClr val="1A1A1A"/>
-                </a:solidFill>
-                <a:effectLst/>
-                <a:latin typeface="Source Sans 3"/>
-              </a:rPr>
-              <a:t>ReAct</a:t>
-            </a:r>
-            <a:r>
-              <a:rPr lang="pt-BR" b="0" i="0" dirty="0">
-                <a:solidFill>
-                  <a:srgbClr val="1A1A1A"/>
-                </a:solidFill>
-                <a:effectLst/>
-                <a:latin typeface="Source Sans 3"/>
-              </a:rPr>
-              <a:t> solicita </a:t>
-            </a:r>
-            <a:r>
-              <a:rPr lang="pt-BR" b="0" i="0" dirty="0" err="1">
-                <a:solidFill>
-                  <a:srgbClr val="1A1A1A"/>
-                </a:solidFill>
-                <a:effectLst/>
-                <a:latin typeface="Source Sans 3"/>
-              </a:rPr>
-              <a:t>LLMs</a:t>
-            </a:r>
-            <a:r>
-              <a:rPr lang="pt-BR" b="0" i="0" dirty="0">
-                <a:solidFill>
-                  <a:srgbClr val="1A1A1A"/>
-                </a:solidFill>
-                <a:effectLst/>
-                <a:latin typeface="Source Sans 3"/>
-              </a:rPr>
-              <a:t> a gerar tanto rastros de raciocínio verbal quanto ações relacionadas a uma tarefa de maneira intercalada, o que permite ao modelo realizar raciocínio dinâmico para criar, manter e ajustar planos de alto nível para agir (raciocinar para agir), enquanto também interage com os ambientes externos (por exemplo, Wikipedia) para incorporar informações adicionais ao raciocínio (agir para raciocinar).</a:t>
-            </a:r>
+            <a:r>
+              <a:rPr lang="pt-BR" sz="1400" b="1" dirty="0"/>
+              <a:t>Query</a:t>
+            </a:r>
+            <a:r>
+              <a:rPr lang="pt-BR" sz="1400" dirty="0"/>
+              <a:t>: Qual é o preço total de 5 maçãs a R$ 2 cada?</a:t>
+            </a:r>
+          </a:p>
+          <a:p>
+            <a:endParaRPr lang="pt-BR" sz="1400" dirty="0"/>
+          </a:p>
+          <a:p>
+            <a:r>
+              <a:rPr lang="pt-BR" sz="1400" b="1" dirty="0"/>
+              <a:t>Reflexão</a:t>
+            </a:r>
+            <a:r>
+              <a:rPr lang="pt-BR" sz="1400" dirty="0"/>
+              <a:t>: Preciso multiplicar a quantidade pelo preço unitário.</a:t>
+            </a:r>
+          </a:p>
+          <a:p>
+            <a:endParaRPr lang="pt-BR" sz="1400" dirty="0"/>
+          </a:p>
+          <a:p>
+            <a:r>
+              <a:rPr lang="pt-BR" sz="1400" b="1" dirty="0"/>
+              <a:t>Ação</a:t>
+            </a:r>
+            <a:r>
+              <a:rPr lang="pt-BR" sz="1400" dirty="0"/>
+              <a:t>: multiplicar(quantidade=5, </a:t>
+            </a:r>
+            <a:r>
+              <a:rPr lang="pt-BR" sz="1400" dirty="0" err="1"/>
+              <a:t>preco</a:t>
+            </a:r>
+            <a:r>
+              <a:rPr lang="pt-BR" sz="1400" dirty="0"/>
+              <a:t>=2)</a:t>
+            </a:r>
+          </a:p>
+          <a:p>
+            <a:endParaRPr lang="pt-BR" sz="1400" dirty="0"/>
+          </a:p>
+          <a:p>
+            <a:r>
+              <a:rPr lang="pt-BR" sz="1400" b="1" dirty="0"/>
+              <a:t>Observação</a:t>
+            </a:r>
+            <a:r>
+              <a:rPr lang="pt-BR" sz="1400" dirty="0"/>
+              <a:t>: Resultado: 10</a:t>
+            </a:r>
+          </a:p>
+          <a:p>
+            <a:endParaRPr lang="pt-BR" sz="1400" dirty="0"/>
+          </a:p>
+          <a:p>
+            <a:r>
+              <a:rPr lang="pt-BR" sz="1400" b="1" dirty="0"/>
+              <a:t>Reflexão</a:t>
+            </a:r>
+            <a:r>
+              <a:rPr lang="pt-BR" sz="1400" dirty="0"/>
+              <a:t>: O total é R$ 10.</a:t>
+            </a:r>
+          </a:p>
+          <a:p>
+            <a:endParaRPr lang="pt-BR" sz="1400" dirty="0"/>
+          </a:p>
+          <a:p>
+            <a:r>
+              <a:rPr lang="pt-BR" sz="1400" b="1" dirty="0"/>
+              <a:t>Resposta</a:t>
+            </a:r>
+            <a:r>
+              <a:rPr lang="pt-BR" sz="1400" dirty="0"/>
+              <a:t>: R$ 10</a:t>
+            </a:r>
+          </a:p>
+          <a:p>
+            <a:endParaRPr lang="pt-BR" dirty="0"/>
           </a:p>
         </p:txBody>
       </p:sp>
     </p:spTree>
     <p:extLst>
       <p:ext uri="{BB962C8B-B14F-4D97-AF65-F5344CB8AC3E}">
-        <p14:creationId xmlns:p14="http://schemas.microsoft.com/office/powerpoint/2010/main" val="2697316263"/>
+        <p14:creationId xmlns:p14="http://schemas.microsoft.com/office/powerpoint/2010/main" val="3860114169"/>
       </p:ext>
     </p:extLst>
   </p:cSld>
